--- a/Syriatel churn Presentation.pptx
+++ b/Syriatel churn Presentation.pptx
@@ -2,7 +2,7 @@
 <file path=ppt/presentation.xml><?xml version="1.0" encoding="utf-8"?>
 <p:presentation xmlns:a="http://schemas.openxmlformats.org/drawingml/2006/main" xmlns:r="http://schemas.openxmlformats.org/officeDocument/2006/relationships" xmlns:p="http://schemas.openxmlformats.org/presentationml/2006/main" saveSubsetFonts="1">
   <p:sldMasterIdLst>
-    <p:sldMasterId id="2147483660" r:id="rId1"/>
+    <p:sldMasterId id="2147483732" r:id="rId1"/>
   </p:sldMasterIdLst>
   <p:sldIdLst>
     <p:sldId id="269" r:id="rId2"/>
@@ -126,7 +126,7 @@
 </file>
 
 <file path=ppt/slideLayouts/slideLayout1.xml><?xml version="1.0" encoding="utf-8"?>
-<p:sldLayout xmlns:a="http://schemas.openxmlformats.org/drawingml/2006/main" xmlns:r="http://schemas.openxmlformats.org/officeDocument/2006/relationships" xmlns:p="http://schemas.openxmlformats.org/presentationml/2006/main" type="title" preserve="1">
+<p:sldLayout xmlns:a="http://schemas.openxmlformats.org/drawingml/2006/main" xmlns:r="http://schemas.openxmlformats.org/officeDocument/2006/relationships" xmlns:p="http://schemas.openxmlformats.org/presentationml/2006/main" showMasterSp="0" type="title" preserve="1">
   <p:cSld name="Title Slide">
     <p:spTree>
       <p:nvGrpSpPr>
@@ -142,6 +142,536 @@
           <a:chExt cx="0" cy="0"/>
         </a:xfrm>
       </p:grpSpPr>
+      <p:grpSp>
+        <p:nvGrpSpPr>
+          <p:cNvPr id="7" name="Group 6"/>
+          <p:cNvGrpSpPr/>
+          <p:nvPr/>
+        </p:nvGrpSpPr>
+        <p:grpSpPr>
+          <a:xfrm>
+            <a:off x="0" y="-8467"/>
+            <a:ext cx="12192000" cy="6866467"/>
+            <a:chOff x="0" y="-8467"/>
+            <a:chExt cx="12192000" cy="6866467"/>
+          </a:xfrm>
+        </p:grpSpPr>
+        <p:cxnSp>
+          <p:nvCxnSpPr>
+            <p:cNvPr id="32" name="Straight Connector 31"/>
+            <p:cNvCxnSpPr/>
+            <p:nvPr/>
+          </p:nvCxnSpPr>
+          <p:spPr>
+            <a:xfrm>
+              <a:off x="9371012" y="0"/>
+              <a:ext cx="1219200" cy="6858000"/>
+            </a:xfrm>
+            <a:prstGeom prst="line">
+              <a:avLst/>
+            </a:prstGeom>
+            <a:ln w="9525">
+              <a:solidFill>
+                <a:schemeClr val="bg1">
+                  <a:lumMod val="75000"/>
+                </a:schemeClr>
+              </a:solidFill>
+            </a:ln>
+          </p:spPr>
+          <p:style>
+            <a:lnRef idx="2">
+              <a:schemeClr val="accent1"/>
+            </a:lnRef>
+            <a:fillRef idx="0">
+              <a:schemeClr val="accent1"/>
+            </a:fillRef>
+            <a:effectRef idx="1">
+              <a:schemeClr val="accent1"/>
+            </a:effectRef>
+            <a:fontRef idx="minor">
+              <a:schemeClr val="tx1"/>
+            </a:fontRef>
+          </p:style>
+        </p:cxnSp>
+        <p:cxnSp>
+          <p:nvCxnSpPr>
+            <p:cNvPr id="21" name="Straight Connector 20"/>
+            <p:cNvCxnSpPr/>
+            <p:nvPr/>
+          </p:nvCxnSpPr>
+          <p:spPr>
+            <a:xfrm flipH="1">
+              <a:off x="7425267" y="3681413"/>
+              <a:ext cx="4763558" cy="3176587"/>
+            </a:xfrm>
+            <a:prstGeom prst="line">
+              <a:avLst/>
+            </a:prstGeom>
+            <a:ln w="9525">
+              <a:solidFill>
+                <a:schemeClr val="bg1">
+                  <a:lumMod val="85000"/>
+                </a:schemeClr>
+              </a:solidFill>
+            </a:ln>
+          </p:spPr>
+          <p:style>
+            <a:lnRef idx="2">
+              <a:schemeClr val="accent1"/>
+            </a:lnRef>
+            <a:fillRef idx="0">
+              <a:schemeClr val="accent1"/>
+            </a:fillRef>
+            <a:effectRef idx="1">
+              <a:schemeClr val="accent1"/>
+            </a:effectRef>
+            <a:fontRef idx="minor">
+              <a:schemeClr val="tx1"/>
+            </a:fontRef>
+          </p:style>
+        </p:cxnSp>
+        <p:sp>
+          <p:nvSpPr>
+            <p:cNvPr id="24" name="Rectangle 23"/>
+            <p:cNvSpPr/>
+            <p:nvPr/>
+          </p:nvSpPr>
+          <p:spPr>
+            <a:xfrm>
+              <a:off x="9181476" y="-8467"/>
+              <a:ext cx="3007349" cy="6866467"/>
+            </a:xfrm>
+            <a:custGeom>
+              <a:avLst/>
+              <a:gdLst/>
+              <a:ahLst/>
+              <a:cxnLst/>
+              <a:rect l="l" t="t" r="r" b="b"/>
+              <a:pathLst>
+                <a:path w="3007349" h="6866467">
+                  <a:moveTo>
+                    <a:pt x="2045532" y="0"/>
+                  </a:moveTo>
+                  <a:lnTo>
+                    <a:pt x="3007349" y="0"/>
+                  </a:lnTo>
+                  <a:lnTo>
+                    <a:pt x="3007349" y="6866467"/>
+                  </a:lnTo>
+                  <a:lnTo>
+                    <a:pt x="0" y="6866467"/>
+                  </a:lnTo>
+                  <a:lnTo>
+                    <a:pt x="2045532" y="0"/>
+                  </a:lnTo>
+                  <a:close/>
+                </a:path>
+              </a:pathLst>
+            </a:custGeom>
+            <a:solidFill>
+              <a:schemeClr val="accent1">
+                <a:alpha val="30000"/>
+              </a:schemeClr>
+            </a:solidFill>
+            <a:ln>
+              <a:noFill/>
+            </a:ln>
+            <a:effectLst/>
+          </p:spPr>
+          <p:style>
+            <a:lnRef idx="1">
+              <a:schemeClr val="accent1"/>
+            </a:lnRef>
+            <a:fillRef idx="3">
+              <a:schemeClr val="accent1"/>
+            </a:fillRef>
+            <a:effectRef idx="2">
+              <a:schemeClr val="accent1"/>
+            </a:effectRef>
+            <a:fontRef idx="minor">
+              <a:schemeClr val="lt1"/>
+            </a:fontRef>
+          </p:style>
+        </p:sp>
+        <p:sp>
+          <p:nvSpPr>
+            <p:cNvPr id="26" name="Rectangle 25"/>
+            <p:cNvSpPr/>
+            <p:nvPr/>
+          </p:nvSpPr>
+          <p:spPr>
+            <a:xfrm>
+              <a:off x="9603442" y="-8467"/>
+              <a:ext cx="2588558" cy="6866467"/>
+            </a:xfrm>
+            <a:custGeom>
+              <a:avLst/>
+              <a:gdLst/>
+              <a:ahLst/>
+              <a:cxnLst/>
+              <a:rect l="l" t="t" r="r" b="b"/>
+              <a:pathLst>
+                <a:path w="2573311" h="6866467">
+                  <a:moveTo>
+                    <a:pt x="0" y="0"/>
+                  </a:moveTo>
+                  <a:lnTo>
+                    <a:pt x="2573311" y="0"/>
+                  </a:lnTo>
+                  <a:lnTo>
+                    <a:pt x="2573311" y="6866467"/>
+                  </a:lnTo>
+                  <a:lnTo>
+                    <a:pt x="1202336" y="6866467"/>
+                  </a:lnTo>
+                  <a:lnTo>
+                    <a:pt x="0" y="0"/>
+                  </a:lnTo>
+                  <a:close/>
+                </a:path>
+              </a:pathLst>
+            </a:custGeom>
+            <a:solidFill>
+              <a:schemeClr val="accent1">
+                <a:alpha val="20000"/>
+              </a:schemeClr>
+            </a:solidFill>
+            <a:ln>
+              <a:noFill/>
+            </a:ln>
+            <a:effectLst/>
+          </p:spPr>
+          <p:style>
+            <a:lnRef idx="1">
+              <a:schemeClr val="accent1"/>
+            </a:lnRef>
+            <a:fillRef idx="3">
+              <a:schemeClr val="accent1"/>
+            </a:fillRef>
+            <a:effectRef idx="2">
+              <a:schemeClr val="accent1"/>
+            </a:effectRef>
+            <a:fontRef idx="minor">
+              <a:schemeClr val="lt1"/>
+            </a:fontRef>
+          </p:style>
+        </p:sp>
+        <p:sp>
+          <p:nvSpPr>
+            <p:cNvPr id="27" name="Isosceles Triangle 26"/>
+            <p:cNvSpPr/>
+            <p:nvPr/>
+          </p:nvSpPr>
+          <p:spPr>
+            <a:xfrm>
+              <a:off x="8932333" y="3048000"/>
+              <a:ext cx="3259667" cy="3810000"/>
+            </a:xfrm>
+            <a:prstGeom prst="triangle">
+              <a:avLst>
+                <a:gd name="adj" fmla="val 100000"/>
+              </a:avLst>
+            </a:prstGeom>
+            <a:solidFill>
+              <a:schemeClr val="accent2">
+                <a:alpha val="72000"/>
+              </a:schemeClr>
+            </a:solidFill>
+            <a:ln>
+              <a:noFill/>
+            </a:ln>
+            <a:effectLst/>
+          </p:spPr>
+          <p:style>
+            <a:lnRef idx="1">
+              <a:schemeClr val="accent1"/>
+            </a:lnRef>
+            <a:fillRef idx="3">
+              <a:schemeClr val="accent1"/>
+            </a:fillRef>
+            <a:effectRef idx="2">
+              <a:schemeClr val="accent1"/>
+            </a:effectRef>
+            <a:fontRef idx="minor">
+              <a:schemeClr val="lt1"/>
+            </a:fontRef>
+          </p:style>
+        </p:sp>
+        <p:sp>
+          <p:nvSpPr>
+            <p:cNvPr id="28" name="Rectangle 27"/>
+            <p:cNvSpPr/>
+            <p:nvPr/>
+          </p:nvSpPr>
+          <p:spPr>
+            <a:xfrm>
+              <a:off x="9334500" y="-8467"/>
+              <a:ext cx="2854326" cy="6866467"/>
+            </a:xfrm>
+            <a:custGeom>
+              <a:avLst/>
+              <a:gdLst/>
+              <a:ahLst/>
+              <a:cxnLst/>
+              <a:rect l="l" t="t" r="r" b="b"/>
+              <a:pathLst>
+                <a:path w="2858013" h="6866467">
+                  <a:moveTo>
+                    <a:pt x="0" y="0"/>
+                  </a:moveTo>
+                  <a:lnTo>
+                    <a:pt x="2858013" y="0"/>
+                  </a:lnTo>
+                  <a:lnTo>
+                    <a:pt x="2858013" y="6866467"/>
+                  </a:lnTo>
+                  <a:lnTo>
+                    <a:pt x="2473942" y="6866467"/>
+                  </a:lnTo>
+                  <a:lnTo>
+                    <a:pt x="0" y="0"/>
+                  </a:lnTo>
+                  <a:close/>
+                </a:path>
+              </a:pathLst>
+            </a:custGeom>
+            <a:solidFill>
+              <a:schemeClr val="accent2">
+                <a:lumMod val="75000"/>
+                <a:alpha val="70000"/>
+              </a:schemeClr>
+            </a:solidFill>
+            <a:ln>
+              <a:noFill/>
+            </a:ln>
+            <a:effectLst/>
+          </p:spPr>
+          <p:style>
+            <a:lnRef idx="1">
+              <a:schemeClr val="accent1"/>
+            </a:lnRef>
+            <a:fillRef idx="3">
+              <a:schemeClr val="accent1"/>
+            </a:fillRef>
+            <a:effectRef idx="2">
+              <a:schemeClr val="accent1"/>
+            </a:effectRef>
+            <a:fontRef idx="minor">
+              <a:schemeClr val="lt1"/>
+            </a:fontRef>
+          </p:style>
+        </p:sp>
+        <p:sp>
+          <p:nvSpPr>
+            <p:cNvPr id="29" name="Rectangle 28"/>
+            <p:cNvSpPr/>
+            <p:nvPr/>
+          </p:nvSpPr>
+          <p:spPr>
+            <a:xfrm>
+              <a:off x="10898730" y="-8467"/>
+              <a:ext cx="1290094" cy="6866467"/>
+            </a:xfrm>
+            <a:custGeom>
+              <a:avLst/>
+              <a:gdLst/>
+              <a:ahLst/>
+              <a:cxnLst/>
+              <a:rect l="l" t="t" r="r" b="b"/>
+              <a:pathLst>
+                <a:path w="1290094" h="6858000">
+                  <a:moveTo>
+                    <a:pt x="1019735" y="0"/>
+                  </a:moveTo>
+                  <a:lnTo>
+                    <a:pt x="1290094" y="0"/>
+                  </a:lnTo>
+                  <a:lnTo>
+                    <a:pt x="1290094" y="6858000"/>
+                  </a:lnTo>
+                  <a:lnTo>
+                    <a:pt x="0" y="6858000"/>
+                  </a:lnTo>
+                  <a:lnTo>
+                    <a:pt x="1019735" y="0"/>
+                  </a:lnTo>
+                  <a:close/>
+                </a:path>
+              </a:pathLst>
+            </a:custGeom>
+            <a:solidFill>
+              <a:schemeClr val="accent1">
+                <a:lumMod val="60000"/>
+                <a:lumOff val="40000"/>
+                <a:alpha val="70000"/>
+              </a:schemeClr>
+            </a:solidFill>
+            <a:ln>
+              <a:noFill/>
+            </a:ln>
+            <a:effectLst/>
+          </p:spPr>
+          <p:style>
+            <a:lnRef idx="1">
+              <a:schemeClr val="accent1"/>
+            </a:lnRef>
+            <a:fillRef idx="3">
+              <a:schemeClr val="accent1"/>
+            </a:fillRef>
+            <a:effectRef idx="2">
+              <a:schemeClr val="accent1"/>
+            </a:effectRef>
+            <a:fontRef idx="minor">
+              <a:schemeClr val="lt1"/>
+            </a:fontRef>
+          </p:style>
+        </p:sp>
+        <p:sp>
+          <p:nvSpPr>
+            <p:cNvPr id="30" name="Rectangle 29"/>
+            <p:cNvSpPr/>
+            <p:nvPr/>
+          </p:nvSpPr>
+          <p:spPr>
+            <a:xfrm>
+              <a:off x="10938999" y="-8467"/>
+              <a:ext cx="1249825" cy="6866467"/>
+            </a:xfrm>
+            <a:custGeom>
+              <a:avLst/>
+              <a:gdLst/>
+              <a:ahLst/>
+              <a:cxnLst/>
+              <a:rect l="l" t="t" r="r" b="b"/>
+              <a:pathLst>
+                <a:path w="1249825" h="6858000">
+                  <a:moveTo>
+                    <a:pt x="0" y="0"/>
+                  </a:moveTo>
+                  <a:lnTo>
+                    <a:pt x="1249825" y="0"/>
+                  </a:lnTo>
+                  <a:lnTo>
+                    <a:pt x="1249825" y="6858000"/>
+                  </a:lnTo>
+                  <a:lnTo>
+                    <a:pt x="1109382" y="6858000"/>
+                  </a:lnTo>
+                  <a:lnTo>
+                    <a:pt x="0" y="0"/>
+                  </a:lnTo>
+                  <a:close/>
+                </a:path>
+              </a:pathLst>
+            </a:custGeom>
+            <a:solidFill>
+              <a:schemeClr val="accent1">
+                <a:alpha val="65000"/>
+              </a:schemeClr>
+            </a:solidFill>
+            <a:ln>
+              <a:noFill/>
+            </a:ln>
+            <a:effectLst/>
+          </p:spPr>
+          <p:style>
+            <a:lnRef idx="1">
+              <a:schemeClr val="accent1"/>
+            </a:lnRef>
+            <a:fillRef idx="3">
+              <a:schemeClr val="accent1"/>
+            </a:fillRef>
+            <a:effectRef idx="2">
+              <a:schemeClr val="accent1"/>
+            </a:effectRef>
+            <a:fontRef idx="minor">
+              <a:schemeClr val="lt1"/>
+            </a:fontRef>
+          </p:style>
+        </p:sp>
+        <p:sp>
+          <p:nvSpPr>
+            <p:cNvPr id="31" name="Isosceles Triangle 30"/>
+            <p:cNvSpPr/>
+            <p:nvPr/>
+          </p:nvSpPr>
+          <p:spPr>
+            <a:xfrm>
+              <a:off x="10371666" y="3589867"/>
+              <a:ext cx="1817159" cy="3268133"/>
+            </a:xfrm>
+            <a:prstGeom prst="triangle">
+              <a:avLst>
+                <a:gd name="adj" fmla="val 100000"/>
+              </a:avLst>
+            </a:prstGeom>
+            <a:solidFill>
+              <a:schemeClr val="accent1">
+                <a:alpha val="80000"/>
+              </a:schemeClr>
+            </a:solidFill>
+            <a:ln>
+              <a:noFill/>
+            </a:ln>
+            <a:effectLst/>
+          </p:spPr>
+          <p:style>
+            <a:lnRef idx="1">
+              <a:schemeClr val="accent1"/>
+            </a:lnRef>
+            <a:fillRef idx="3">
+              <a:schemeClr val="accent1"/>
+            </a:fillRef>
+            <a:effectRef idx="2">
+              <a:schemeClr val="accent1"/>
+            </a:effectRef>
+            <a:fontRef idx="minor">
+              <a:schemeClr val="lt1"/>
+            </a:fontRef>
+          </p:style>
+        </p:sp>
+        <p:sp>
+          <p:nvSpPr>
+            <p:cNvPr id="19" name="Isosceles Triangle 18"/>
+            <p:cNvSpPr/>
+            <p:nvPr/>
+          </p:nvSpPr>
+          <p:spPr>
+            <a:xfrm rot="10800000">
+              <a:off x="0" y="0"/>
+              <a:ext cx="842596" cy="5666154"/>
+            </a:xfrm>
+            <a:prstGeom prst="triangle">
+              <a:avLst>
+                <a:gd name="adj" fmla="val 100000"/>
+              </a:avLst>
+            </a:prstGeom>
+            <a:solidFill>
+              <a:schemeClr val="accent1">
+                <a:alpha val="85000"/>
+              </a:schemeClr>
+            </a:solidFill>
+            <a:ln>
+              <a:noFill/>
+            </a:ln>
+            <a:effectLst/>
+          </p:spPr>
+          <p:style>
+            <a:lnRef idx="1">
+              <a:schemeClr val="accent1"/>
+            </a:lnRef>
+            <a:fillRef idx="3">
+              <a:schemeClr val="accent1"/>
+            </a:fillRef>
+            <a:effectRef idx="2">
+              <a:schemeClr val="accent1"/>
+            </a:effectRef>
+            <a:fontRef idx="minor">
+              <a:schemeClr val="lt1"/>
+            </a:fontRef>
+          </p:style>
+        </p:sp>
+      </p:grpSp>
       <p:sp>
         <p:nvSpPr>
           <p:cNvPr id="2" name="Title 1"/>
@@ -154,15 +684,21 @@
         </p:nvSpPr>
         <p:spPr>
           <a:xfrm>
-            <a:off x="1154955" y="1447800"/>
-            <a:ext cx="8825658" cy="3329581"/>
+            <a:off x="1507067" y="2404534"/>
+            <a:ext cx="7766936" cy="1646302"/>
           </a:xfrm>
         </p:spPr>
         <p:txBody>
-          <a:bodyPr anchor="b"/>
+          <a:bodyPr anchor="b">
+            <a:noAutofit/>
+          </a:bodyPr>
           <a:lstStyle>
-            <a:lvl1pPr>
-              <a:defRPr sz="7200"/>
+            <a:lvl1pPr algn="r">
+              <a:defRPr sz="5400">
+                <a:solidFill>
+                  <a:schemeClr val="accent1"/>
+                </a:solidFill>
+              </a:defRPr>
             </a:lvl1pPr>
           </a:lstStyle>
           <a:p>
@@ -186,20 +722,20 @@
         </p:nvSpPr>
         <p:spPr>
           <a:xfrm>
-            <a:off x="1154955" y="4777380"/>
-            <a:ext cx="8825658" cy="861420"/>
+            <a:off x="1507067" y="4050833"/>
+            <a:ext cx="7766936" cy="1096899"/>
           </a:xfrm>
         </p:spPr>
         <p:txBody>
           <a:bodyPr anchor="t"/>
           <a:lstStyle>
-            <a:lvl1pPr marL="0" indent="0" algn="l">
-              <a:buNone/>
-              <a:defRPr cap="all">
-                <a:solidFill>
-                  <a:schemeClr val="bg2">
-                    <a:lumMod val="40000"/>
-                    <a:lumOff val="60000"/>
+            <a:lvl1pPr marL="0" indent="0" algn="r">
+              <a:buNone/>
+              <a:defRPr>
+                <a:solidFill>
+                  <a:schemeClr val="tx1">
+                    <a:lumMod val="50000"/>
+                    <a:lumOff val="50000"/>
                   </a:schemeClr>
                 </a:solidFill>
               </a:defRPr>
@@ -362,7 +898,7 @@
     </p:spTree>
     <p:extLst>
       <p:ext uri="{BB962C8B-B14F-4D97-AF65-F5344CB8AC3E}">
-        <p14:creationId xmlns:p14="http://schemas.microsoft.com/office/powerpoint/2010/main" val="3376630318"/>
+        <p14:creationId xmlns:p14="http://schemas.microsoft.com/office/powerpoint/2010/main" val="2426949206"/>
       </p:ext>
     </p:extLst>
   </p:cSld>
@@ -373,281 +909,6 @@
 </file>
 
 <file path=ppt/slideLayouts/slideLayout10.xml><?xml version="1.0" encoding="utf-8"?>
-<p:sldLayout xmlns:a="http://schemas.openxmlformats.org/drawingml/2006/main" xmlns:r="http://schemas.openxmlformats.org/officeDocument/2006/relationships" xmlns:p="http://schemas.openxmlformats.org/presentationml/2006/main" preserve="1">
-  <p:cSld name="Panoramic Picture with Caption">
-    <p:spTree>
-      <p:nvGrpSpPr>
-        <p:cNvPr id="1" name=""/>
-        <p:cNvGrpSpPr/>
-        <p:nvPr/>
-      </p:nvGrpSpPr>
-      <p:grpSpPr>
-        <a:xfrm>
-          <a:off x="0" y="0"/>
-          <a:ext cx="0" cy="0"/>
-          <a:chOff x="0" y="0"/>
-          <a:chExt cx="0" cy="0"/>
-        </a:xfrm>
-      </p:grpSpPr>
-      <p:sp>
-        <p:nvSpPr>
-          <p:cNvPr id="2" name="Title 1"/>
-          <p:cNvSpPr>
-            <a:spLocks noGrp="1"/>
-          </p:cNvSpPr>
-          <p:nvPr>
-            <p:ph type="title"/>
-          </p:nvPr>
-        </p:nvSpPr>
-        <p:spPr>
-          <a:xfrm>
-            <a:off x="1154956" y="4800587"/>
-            <a:ext cx="8825657" cy="566738"/>
-          </a:xfrm>
-        </p:spPr>
-        <p:txBody>
-          <a:bodyPr anchor="b">
-            <a:normAutofit/>
-          </a:bodyPr>
-          <a:lstStyle>
-            <a:lvl1pPr algn="l">
-              <a:defRPr sz="2400" b="0"/>
-            </a:lvl1pPr>
-          </a:lstStyle>
-          <a:p>
-            <a:r>
-              <a:rPr lang="en-US" smtClean="0"/>
-              <a:t>Click to edit Master title style</a:t>
-            </a:r>
-            <a:endParaRPr lang="en-US" dirty="0"/>
-          </a:p>
-        </p:txBody>
-      </p:sp>
-      <p:sp>
-        <p:nvSpPr>
-          <p:cNvPr id="3" name="Picture Placeholder 2"/>
-          <p:cNvSpPr>
-            <a:spLocks noGrp="1" noChangeAspect="1"/>
-          </p:cNvSpPr>
-          <p:nvPr>
-            <p:ph type="pic" idx="1"/>
-          </p:nvPr>
-        </p:nvSpPr>
-        <p:spPr>
-          <a:xfrm>
-            <a:off x="1154955" y="685800"/>
-            <a:ext cx="8825658" cy="3640666"/>
-          </a:xfrm>
-          <a:prstGeom prst="roundRect">
-            <a:avLst>
-              <a:gd name="adj" fmla="val 1858"/>
-            </a:avLst>
-          </a:prstGeom>
-          <a:effectLst>
-            <a:outerShdw blurRad="50800" dist="50800" dir="5400000" algn="tl" rotWithShape="0">
-              <a:srgbClr val="000000">
-                <a:alpha val="43000"/>
-              </a:srgbClr>
-            </a:outerShdw>
-          </a:effectLst>
-        </p:spPr>
-        <p:txBody>
-          <a:bodyPr anchor="t">
-            <a:normAutofit/>
-          </a:bodyPr>
-          <a:lstStyle>
-            <a:lvl1pPr marL="0" indent="0" algn="ctr">
-              <a:buNone/>
-              <a:defRPr sz="1600"/>
-            </a:lvl1pPr>
-            <a:lvl2pPr marL="457200" indent="0">
-              <a:buNone/>
-              <a:defRPr sz="1600"/>
-            </a:lvl2pPr>
-            <a:lvl3pPr marL="914400" indent="0">
-              <a:buNone/>
-              <a:defRPr sz="1600"/>
-            </a:lvl3pPr>
-            <a:lvl4pPr marL="1371600" indent="0">
-              <a:buNone/>
-              <a:defRPr sz="1600"/>
-            </a:lvl4pPr>
-            <a:lvl5pPr marL="1828800" indent="0">
-              <a:buNone/>
-              <a:defRPr sz="1600"/>
-            </a:lvl5pPr>
-            <a:lvl6pPr marL="2286000" indent="0">
-              <a:buNone/>
-              <a:defRPr sz="1600"/>
-            </a:lvl6pPr>
-            <a:lvl7pPr marL="2743200" indent="0">
-              <a:buNone/>
-              <a:defRPr sz="1600"/>
-            </a:lvl7pPr>
-            <a:lvl8pPr marL="3200400" indent="0">
-              <a:buNone/>
-              <a:defRPr sz="1600"/>
-            </a:lvl8pPr>
-            <a:lvl9pPr marL="3657600" indent="0">
-              <a:buNone/>
-              <a:defRPr sz="1600"/>
-            </a:lvl9pPr>
-          </a:lstStyle>
-          <a:p>
-            <a:r>
-              <a:rPr lang="en-US" smtClean="0"/>
-              <a:t>Click icon to add picture</a:t>
-            </a:r>
-            <a:endParaRPr lang="en-US" dirty="0"/>
-          </a:p>
-        </p:txBody>
-      </p:sp>
-      <p:sp>
-        <p:nvSpPr>
-          <p:cNvPr id="4" name="Text Placeholder 3"/>
-          <p:cNvSpPr>
-            <a:spLocks noGrp="1"/>
-          </p:cNvSpPr>
-          <p:nvPr>
-            <p:ph type="body" sz="half" idx="2"/>
-          </p:nvPr>
-        </p:nvSpPr>
-        <p:spPr>
-          <a:xfrm>
-            <a:off x="1154956" y="5367325"/>
-            <a:ext cx="8825656" cy="493712"/>
-          </a:xfrm>
-        </p:spPr>
-        <p:txBody>
-          <a:bodyPr>
-            <a:normAutofit/>
-          </a:bodyPr>
-          <a:lstStyle>
-            <a:lvl1pPr marL="0" indent="0">
-              <a:buNone/>
-              <a:defRPr sz="1200"/>
-            </a:lvl1pPr>
-            <a:lvl2pPr marL="457200" indent="0">
-              <a:buNone/>
-              <a:defRPr sz="1200"/>
-            </a:lvl2pPr>
-            <a:lvl3pPr marL="914400" indent="0">
-              <a:buNone/>
-              <a:defRPr sz="1000"/>
-            </a:lvl3pPr>
-            <a:lvl4pPr marL="1371600" indent="0">
-              <a:buNone/>
-              <a:defRPr sz="900"/>
-            </a:lvl4pPr>
-            <a:lvl5pPr marL="1828800" indent="0">
-              <a:buNone/>
-              <a:defRPr sz="900"/>
-            </a:lvl5pPr>
-            <a:lvl6pPr marL="2286000" indent="0">
-              <a:buNone/>
-              <a:defRPr sz="900"/>
-            </a:lvl6pPr>
-            <a:lvl7pPr marL="2743200" indent="0">
-              <a:buNone/>
-              <a:defRPr sz="900"/>
-            </a:lvl7pPr>
-            <a:lvl8pPr marL="3200400" indent="0">
-              <a:buNone/>
-              <a:defRPr sz="900"/>
-            </a:lvl8pPr>
-            <a:lvl9pPr marL="3657600" indent="0">
-              <a:buNone/>
-              <a:defRPr sz="900"/>
-            </a:lvl9pPr>
-          </a:lstStyle>
-          <a:p>
-            <a:pPr lvl="0"/>
-            <a:r>
-              <a:rPr lang="en-US" smtClean="0"/>
-              <a:t>Edit Master text styles</a:t>
-            </a:r>
-          </a:p>
-        </p:txBody>
-      </p:sp>
-      <p:sp>
-        <p:nvSpPr>
-          <p:cNvPr id="5" name="Date Placeholder 4"/>
-          <p:cNvSpPr>
-            <a:spLocks noGrp="1"/>
-          </p:cNvSpPr>
-          <p:nvPr>
-            <p:ph type="dt" sz="half" idx="10"/>
-          </p:nvPr>
-        </p:nvSpPr>
-        <p:spPr/>
-        <p:txBody>
-          <a:bodyPr/>
-          <a:lstStyle/>
-          <a:p>
-            <a:fld id="{16E80CD1-E4F7-4CBE-B699-943357D5DBF6}" type="datetimeFigureOut">
-              <a:rPr lang="en-US" smtClean="0"/>
-              <a:t>3/9/2025</a:t>
-            </a:fld>
-            <a:endParaRPr lang="en-US"/>
-          </a:p>
-        </p:txBody>
-      </p:sp>
-      <p:sp>
-        <p:nvSpPr>
-          <p:cNvPr id="6" name="Footer Placeholder 5"/>
-          <p:cNvSpPr>
-            <a:spLocks noGrp="1"/>
-          </p:cNvSpPr>
-          <p:nvPr>
-            <p:ph type="ftr" sz="quarter" idx="11"/>
-          </p:nvPr>
-        </p:nvSpPr>
-        <p:spPr/>
-        <p:txBody>
-          <a:bodyPr/>
-          <a:lstStyle/>
-          <a:p>
-            <a:endParaRPr lang="en-US"/>
-          </a:p>
-        </p:txBody>
-      </p:sp>
-      <p:sp>
-        <p:nvSpPr>
-          <p:cNvPr id="7" name="Slide Number Placeholder 6"/>
-          <p:cNvSpPr>
-            <a:spLocks noGrp="1"/>
-          </p:cNvSpPr>
-          <p:nvPr>
-            <p:ph type="sldNum" sz="quarter" idx="12"/>
-          </p:nvPr>
-        </p:nvSpPr>
-        <p:spPr/>
-        <p:txBody>
-          <a:bodyPr/>
-          <a:lstStyle/>
-          <a:p>
-            <a:fld id="{11E04BDF-D793-45A2-9833-125E15097657}" type="slidenum">
-              <a:rPr lang="en-US" smtClean="0"/>
-              <a:t>‹#›</a:t>
-            </a:fld>
-            <a:endParaRPr lang="en-US"/>
-          </a:p>
-        </p:txBody>
-      </p:sp>
-    </p:spTree>
-    <p:extLst>
-      <p:ext uri="{BB962C8B-B14F-4D97-AF65-F5344CB8AC3E}">
-        <p14:creationId xmlns:p14="http://schemas.microsoft.com/office/powerpoint/2010/main" val="1161859299"/>
-      </p:ext>
-    </p:extLst>
-  </p:cSld>
-  <p:clrMapOvr>
-    <a:masterClrMapping/>
-  </p:clrMapOvr>
-</p:sldLayout>
-</file>
-
-<file path=ppt/slideLayouts/slideLayout11.xml><?xml version="1.0" encoding="utf-8"?>
 <p:sldLayout xmlns:a="http://schemas.openxmlformats.org/drawingml/2006/main" xmlns:r="http://schemas.openxmlformats.org/officeDocument/2006/relationships" xmlns:p="http://schemas.openxmlformats.org/presentationml/2006/main" preserve="1">
   <p:cSld name="Title and Caption">
     <p:spTree>
@@ -676,40 +937,8 @@
         </p:nvSpPr>
         <p:spPr>
           <a:xfrm>
-            <a:off x="1154954" y="1447800"/>
-            <a:ext cx="8825659" cy="1981200"/>
-          </a:xfrm>
-        </p:spPr>
-        <p:txBody>
-          <a:bodyPr/>
-          <a:lstStyle>
-            <a:lvl1pPr>
-              <a:defRPr sz="4800"/>
-            </a:lvl1pPr>
-          </a:lstStyle>
-          <a:p>
-            <a:r>
-              <a:rPr lang="en-US" smtClean="0"/>
-              <a:t>Click to edit Master title style</a:t>
-            </a:r>
-            <a:endParaRPr lang="en-US" dirty="0"/>
-          </a:p>
-        </p:txBody>
-      </p:sp>
-      <p:sp>
-        <p:nvSpPr>
-          <p:cNvPr id="8" name="Text Placeholder 3"/>
-          <p:cNvSpPr>
-            <a:spLocks noGrp="1"/>
-          </p:cNvSpPr>
-          <p:nvPr>
-            <p:ph type="body" sz="half" idx="2"/>
-          </p:nvPr>
-        </p:nvSpPr>
-        <p:spPr>
-          <a:xfrm>
-            <a:off x="1154954" y="3657600"/>
-            <a:ext cx="8825659" cy="2362200"/>
+            <a:off x="677335" y="609600"/>
+            <a:ext cx="8596668" cy="3403600"/>
           </a:xfrm>
         </p:spPr>
         <p:txBody>
@@ -717,41 +946,130 @@
             <a:normAutofit/>
           </a:bodyPr>
           <a:lstStyle>
-            <a:lvl1pPr marL="0" indent="0">
-              <a:buNone/>
-              <a:defRPr sz="1800"/>
+            <a:lvl1pPr algn="l">
+              <a:defRPr sz="4400" b="0" cap="none"/>
+            </a:lvl1pPr>
+          </a:lstStyle>
+          <a:p>
+            <a:r>
+              <a:rPr lang="en-US" smtClean="0"/>
+              <a:t>Click to edit Master title style</a:t>
+            </a:r>
+            <a:endParaRPr lang="en-US" dirty="0"/>
+          </a:p>
+        </p:txBody>
+      </p:sp>
+      <p:sp>
+        <p:nvSpPr>
+          <p:cNvPr id="3" name="Text Placeholder 2"/>
+          <p:cNvSpPr>
+            <a:spLocks noGrp="1"/>
+          </p:cNvSpPr>
+          <p:nvPr>
+            <p:ph type="body" idx="1"/>
+          </p:nvPr>
+        </p:nvSpPr>
+        <p:spPr>
+          <a:xfrm>
+            <a:off x="677335" y="4470400"/>
+            <a:ext cx="8596668" cy="1570962"/>
+          </a:xfrm>
+        </p:spPr>
+        <p:txBody>
+          <a:bodyPr anchor="ctr">
+            <a:normAutofit/>
+          </a:bodyPr>
+          <a:lstStyle>
+            <a:lvl1pPr marL="0" indent="0" algn="l">
+              <a:buNone/>
+              <a:defRPr sz="1800">
+                <a:solidFill>
+                  <a:schemeClr val="tx1">
+                    <a:lumMod val="75000"/>
+                    <a:lumOff val="25000"/>
+                  </a:schemeClr>
+                </a:solidFill>
+              </a:defRPr>
             </a:lvl1pPr>
             <a:lvl2pPr marL="457200" indent="0">
               <a:buNone/>
-              <a:defRPr sz="1200"/>
+              <a:defRPr sz="1800">
+                <a:solidFill>
+                  <a:schemeClr val="tx1">
+                    <a:tint val="75000"/>
+                  </a:schemeClr>
+                </a:solidFill>
+              </a:defRPr>
             </a:lvl2pPr>
             <a:lvl3pPr marL="914400" indent="0">
               <a:buNone/>
-              <a:defRPr sz="1000"/>
+              <a:defRPr sz="1600">
+                <a:solidFill>
+                  <a:schemeClr val="tx1">
+                    <a:tint val="75000"/>
+                  </a:schemeClr>
+                </a:solidFill>
+              </a:defRPr>
             </a:lvl3pPr>
             <a:lvl4pPr marL="1371600" indent="0">
               <a:buNone/>
-              <a:defRPr sz="900"/>
+              <a:defRPr sz="1400">
+                <a:solidFill>
+                  <a:schemeClr val="tx1">
+                    <a:tint val="75000"/>
+                  </a:schemeClr>
+                </a:solidFill>
+              </a:defRPr>
             </a:lvl4pPr>
             <a:lvl5pPr marL="1828800" indent="0">
               <a:buNone/>
-              <a:defRPr sz="900"/>
+              <a:defRPr sz="1400">
+                <a:solidFill>
+                  <a:schemeClr val="tx1">
+                    <a:tint val="75000"/>
+                  </a:schemeClr>
+                </a:solidFill>
+              </a:defRPr>
             </a:lvl5pPr>
             <a:lvl6pPr marL="2286000" indent="0">
               <a:buNone/>
-              <a:defRPr sz="900"/>
+              <a:defRPr sz="1400">
+                <a:solidFill>
+                  <a:schemeClr val="tx1">
+                    <a:tint val="75000"/>
+                  </a:schemeClr>
+                </a:solidFill>
+              </a:defRPr>
             </a:lvl6pPr>
             <a:lvl7pPr marL="2743200" indent="0">
               <a:buNone/>
-              <a:defRPr sz="900"/>
+              <a:defRPr sz="1400">
+                <a:solidFill>
+                  <a:schemeClr val="tx1">
+                    <a:tint val="75000"/>
+                  </a:schemeClr>
+                </a:solidFill>
+              </a:defRPr>
             </a:lvl7pPr>
             <a:lvl8pPr marL="3200400" indent="0">
               <a:buNone/>
-              <a:defRPr sz="900"/>
+              <a:defRPr sz="1400">
+                <a:solidFill>
+                  <a:schemeClr val="tx1">
+                    <a:tint val="75000"/>
+                  </a:schemeClr>
+                </a:solidFill>
+              </a:defRPr>
             </a:lvl8pPr>
             <a:lvl9pPr marL="3657600" indent="0">
               <a:buNone/>
-              <a:defRPr sz="900"/>
+              <a:defRPr sz="1400">
+                <a:solidFill>
+                  <a:schemeClr val="tx1">
+                    <a:tint val="75000"/>
+                  </a:schemeClr>
+                </a:solidFill>
+              </a:defRPr>
             </a:lvl9pPr>
           </a:lstStyle>
           <a:p>
@@ -831,7 +1149,7 @@
     </p:spTree>
     <p:extLst>
       <p:ext uri="{BB962C8B-B14F-4D97-AF65-F5344CB8AC3E}">
-        <p14:creationId xmlns:p14="http://schemas.microsoft.com/office/powerpoint/2010/main" val="4159924114"/>
+        <p14:creationId xmlns:p14="http://schemas.microsoft.com/office/powerpoint/2010/main" val="4202846843"/>
       </p:ext>
     </p:extLst>
   </p:cSld>
@@ -841,7 +1159,7 @@
 </p:sldLayout>
 </file>
 
-<file path=ppt/slideLayouts/slideLayout12.xml><?xml version="1.0" encoding="utf-8"?>
+<file path=ppt/slideLayouts/slideLayout11.xml><?xml version="1.0" encoding="utf-8"?>
 <p:sldLayout xmlns:a="http://schemas.openxmlformats.org/drawingml/2006/main" xmlns:r="http://schemas.openxmlformats.org/officeDocument/2006/relationships" xmlns:p="http://schemas.openxmlformats.org/presentationml/2006/main" preserve="1">
   <p:cSld name="Quote with Caption">
     <p:spTree>
@@ -870,119 +1188,8 @@
         </p:nvSpPr>
         <p:spPr>
           <a:xfrm>
-            <a:off x="1574801" y="1447800"/>
-            <a:ext cx="7999315" cy="2323374"/>
-          </a:xfrm>
-        </p:spPr>
-        <p:txBody>
-          <a:bodyPr/>
-          <a:lstStyle>
-            <a:lvl1pPr>
-              <a:defRPr sz="4800"/>
-            </a:lvl1pPr>
-          </a:lstStyle>
-          <a:p>
-            <a:r>
-              <a:rPr lang="en-US" smtClean="0"/>
-              <a:t>Click to edit Master title style</a:t>
-            </a:r>
-            <a:endParaRPr lang="en-US" dirty="0"/>
-          </a:p>
-        </p:txBody>
-      </p:sp>
-      <p:sp>
-        <p:nvSpPr>
-          <p:cNvPr id="11" name="Text Placeholder 3"/>
-          <p:cNvSpPr>
-            <a:spLocks noGrp="1"/>
-          </p:cNvSpPr>
-          <p:nvPr>
-            <p:ph type="body" sz="half" idx="14"/>
-          </p:nvPr>
-        </p:nvSpPr>
-        <p:spPr>
-          <a:xfrm>
-            <a:off x="1930400" y="3771174"/>
-            <a:ext cx="7279649" cy="342174"/>
-          </a:xfrm>
-        </p:spPr>
-        <p:txBody>
-          <a:bodyPr vert="horz" lIns="91440" tIns="45720" rIns="91440" bIns="45720" rtlCol="0" anchor="t">
-            <a:normAutofit/>
-          </a:bodyPr>
-          <a:lstStyle>
-            <a:lvl1pPr marL="0" indent="0">
-              <a:buNone/>
-              <a:defRPr lang="en-US" sz="1400" b="0" i="0" kern="1200" cap="small" dirty="0">
-                <a:solidFill>
-                  <a:schemeClr val="bg2">
-                    <a:lumMod val="40000"/>
-                    <a:lumOff val="60000"/>
-                  </a:schemeClr>
-                </a:solidFill>
-                <a:latin typeface="+mj-lt"/>
-                <a:ea typeface="+mj-ea"/>
-                <a:cs typeface="+mj-cs"/>
-              </a:defRPr>
-            </a:lvl1pPr>
-            <a:lvl2pPr marL="457200" indent="0">
-              <a:buNone/>
-              <a:defRPr sz="1200"/>
-            </a:lvl2pPr>
-            <a:lvl3pPr marL="914400" indent="0">
-              <a:buNone/>
-              <a:defRPr sz="1000"/>
-            </a:lvl3pPr>
-            <a:lvl4pPr marL="1371600" indent="0">
-              <a:buNone/>
-              <a:defRPr sz="900"/>
-            </a:lvl4pPr>
-            <a:lvl5pPr marL="1828800" indent="0">
-              <a:buNone/>
-              <a:defRPr sz="900"/>
-            </a:lvl5pPr>
-            <a:lvl6pPr marL="2286000" indent="0">
-              <a:buNone/>
-              <a:defRPr sz="900"/>
-            </a:lvl6pPr>
-            <a:lvl7pPr marL="2743200" indent="0">
-              <a:buNone/>
-              <a:defRPr sz="900"/>
-            </a:lvl7pPr>
-            <a:lvl8pPr marL="3200400" indent="0">
-              <a:buNone/>
-              <a:defRPr sz="900"/>
-            </a:lvl8pPr>
-            <a:lvl9pPr marL="3657600" indent="0">
-              <a:buNone/>
-              <a:defRPr sz="900"/>
-            </a:lvl9pPr>
-          </a:lstStyle>
-          <a:p>
-            <a:pPr marL="0" lvl="0" indent="0">
-              <a:buNone/>
-            </a:pPr>
-            <a:r>
-              <a:rPr lang="en-US" smtClean="0"/>
-              <a:t>Edit Master text styles</a:t>
-            </a:r>
-          </a:p>
-        </p:txBody>
-      </p:sp>
-      <p:sp>
-        <p:nvSpPr>
-          <p:cNvPr id="10" name="Text Placeholder 3"/>
-          <p:cNvSpPr>
-            <a:spLocks noGrp="1"/>
-          </p:cNvSpPr>
-          <p:nvPr>
-            <p:ph type="body" sz="half" idx="2"/>
-          </p:nvPr>
-        </p:nvSpPr>
-        <p:spPr>
-          <a:xfrm>
-            <a:off x="1154954" y="4350657"/>
-            <a:ext cx="8825659" cy="1676400"/>
+            <a:off x="931334" y="609600"/>
+            <a:ext cx="8094134" cy="3022600"/>
           </a:xfrm>
         </p:spPr>
         <p:txBody>
@@ -990,41 +1197,193 @@
             <a:normAutofit/>
           </a:bodyPr>
           <a:lstStyle>
+            <a:lvl1pPr algn="l">
+              <a:defRPr sz="4400" b="0" cap="none"/>
+            </a:lvl1pPr>
+          </a:lstStyle>
+          <a:p>
+            <a:r>
+              <a:rPr lang="en-US" smtClean="0"/>
+              <a:t>Click to edit Master title style</a:t>
+            </a:r>
+            <a:endParaRPr lang="en-US" dirty="0"/>
+          </a:p>
+        </p:txBody>
+      </p:sp>
+      <p:sp>
+        <p:nvSpPr>
+          <p:cNvPr id="23" name="Text Placeholder 9"/>
+          <p:cNvSpPr>
+            <a:spLocks noGrp="1"/>
+          </p:cNvSpPr>
+          <p:nvPr>
+            <p:ph type="body" sz="quarter" idx="13"/>
+          </p:nvPr>
+        </p:nvSpPr>
+        <p:spPr>
+          <a:xfrm>
+            <a:off x="1366139" y="3632200"/>
+            <a:ext cx="7224524" cy="381000"/>
+          </a:xfrm>
+        </p:spPr>
+        <p:txBody>
+          <a:bodyPr anchor="ctr">
+            <a:noAutofit/>
+          </a:bodyPr>
+          <a:lstStyle>
             <a:lvl1pPr marL="0" indent="0">
-              <a:buNone/>
-              <a:defRPr sz="1800"/>
+              <a:buFontTx/>
+              <a:buNone/>
+              <a:defRPr sz="1600">
+                <a:solidFill>
+                  <a:schemeClr val="tx1">
+                    <a:lumMod val="50000"/>
+                    <a:lumOff val="50000"/>
+                  </a:schemeClr>
+                </a:solidFill>
+              </a:defRPr>
             </a:lvl1pPr>
             <a:lvl2pPr marL="457200" indent="0">
-              <a:buNone/>
-              <a:defRPr sz="1200"/>
+              <a:buFontTx/>
+              <a:buNone/>
+              <a:defRPr/>
             </a:lvl2pPr>
             <a:lvl3pPr marL="914400" indent="0">
-              <a:buNone/>
-              <a:defRPr sz="1000"/>
+              <a:buFontTx/>
+              <a:buNone/>
+              <a:defRPr/>
             </a:lvl3pPr>
             <a:lvl4pPr marL="1371600" indent="0">
-              <a:buNone/>
-              <a:defRPr sz="900"/>
+              <a:buFontTx/>
+              <a:buNone/>
+              <a:defRPr/>
             </a:lvl4pPr>
             <a:lvl5pPr marL="1828800" indent="0">
-              <a:buNone/>
-              <a:defRPr sz="900"/>
+              <a:buFontTx/>
+              <a:buNone/>
+              <a:defRPr/>
+            </a:lvl5pPr>
+          </a:lstStyle>
+          <a:p>
+            <a:pPr lvl="0"/>
+            <a:r>
+              <a:rPr lang="en-US" smtClean="0"/>
+              <a:t>Edit Master text styles</a:t>
+            </a:r>
+          </a:p>
+        </p:txBody>
+      </p:sp>
+      <p:sp>
+        <p:nvSpPr>
+          <p:cNvPr id="3" name="Text Placeholder 2"/>
+          <p:cNvSpPr>
+            <a:spLocks noGrp="1"/>
+          </p:cNvSpPr>
+          <p:nvPr>
+            <p:ph type="body" idx="1"/>
+          </p:nvPr>
+        </p:nvSpPr>
+        <p:spPr>
+          <a:xfrm>
+            <a:off x="677335" y="4470400"/>
+            <a:ext cx="8596668" cy="1570962"/>
+          </a:xfrm>
+        </p:spPr>
+        <p:txBody>
+          <a:bodyPr anchor="ctr">
+            <a:normAutofit/>
+          </a:bodyPr>
+          <a:lstStyle>
+            <a:lvl1pPr marL="0" indent="0" algn="l">
+              <a:buNone/>
+              <a:defRPr sz="1800">
+                <a:solidFill>
+                  <a:schemeClr val="tx1">
+                    <a:lumMod val="75000"/>
+                    <a:lumOff val="25000"/>
+                  </a:schemeClr>
+                </a:solidFill>
+              </a:defRPr>
+            </a:lvl1pPr>
+            <a:lvl2pPr marL="457200" indent="0">
+              <a:buNone/>
+              <a:defRPr sz="1800">
+                <a:solidFill>
+                  <a:schemeClr val="tx1">
+                    <a:tint val="75000"/>
+                  </a:schemeClr>
+                </a:solidFill>
+              </a:defRPr>
+            </a:lvl2pPr>
+            <a:lvl3pPr marL="914400" indent="0">
+              <a:buNone/>
+              <a:defRPr sz="1600">
+                <a:solidFill>
+                  <a:schemeClr val="tx1">
+                    <a:tint val="75000"/>
+                  </a:schemeClr>
+                </a:solidFill>
+              </a:defRPr>
+            </a:lvl3pPr>
+            <a:lvl4pPr marL="1371600" indent="0">
+              <a:buNone/>
+              <a:defRPr sz="1400">
+                <a:solidFill>
+                  <a:schemeClr val="tx1">
+                    <a:tint val="75000"/>
+                  </a:schemeClr>
+                </a:solidFill>
+              </a:defRPr>
+            </a:lvl4pPr>
+            <a:lvl5pPr marL="1828800" indent="0">
+              <a:buNone/>
+              <a:defRPr sz="1400">
+                <a:solidFill>
+                  <a:schemeClr val="tx1">
+                    <a:tint val="75000"/>
+                  </a:schemeClr>
+                </a:solidFill>
+              </a:defRPr>
             </a:lvl5pPr>
             <a:lvl6pPr marL="2286000" indent="0">
               <a:buNone/>
-              <a:defRPr sz="900"/>
+              <a:defRPr sz="1400">
+                <a:solidFill>
+                  <a:schemeClr val="tx1">
+                    <a:tint val="75000"/>
+                  </a:schemeClr>
+                </a:solidFill>
+              </a:defRPr>
             </a:lvl6pPr>
             <a:lvl7pPr marL="2743200" indent="0">
               <a:buNone/>
-              <a:defRPr sz="900"/>
+              <a:defRPr sz="1400">
+                <a:solidFill>
+                  <a:schemeClr val="tx1">
+                    <a:tint val="75000"/>
+                  </a:schemeClr>
+                </a:solidFill>
+              </a:defRPr>
             </a:lvl7pPr>
             <a:lvl8pPr marL="3200400" indent="0">
               <a:buNone/>
-              <a:defRPr sz="900"/>
+              <a:defRPr sz="1400">
+                <a:solidFill>
+                  <a:schemeClr val="tx1">
+                    <a:tint val="75000"/>
+                  </a:schemeClr>
+                </a:solidFill>
+              </a:defRPr>
             </a:lvl8pPr>
             <a:lvl9pPr marL="3657600" indent="0">
               <a:buNone/>
-              <a:defRPr sz="900"/>
+              <a:defRPr sz="1400">
+                <a:solidFill>
+                  <a:schemeClr val="tx1">
+                    <a:tint val="75000"/>
+                  </a:schemeClr>
+                </a:solidFill>
+              </a:defRPr>
             </a:lvl9pPr>
           </a:lstStyle>
           <a:p>
@@ -1103,46 +1462,40 @@
       </p:sp>
       <p:sp>
         <p:nvSpPr>
-          <p:cNvPr id="12" name="TextBox 11"/>
+          <p:cNvPr id="20" name="TextBox 19"/>
           <p:cNvSpPr txBox="1"/>
           <p:nvPr/>
         </p:nvSpPr>
         <p:spPr>
           <a:xfrm>
-            <a:off x="898295" y="971253"/>
-            <a:ext cx="801912" cy="1969770"/>
+            <a:off x="541870" y="790378"/>
+            <a:ext cx="609600" cy="584776"/>
           </a:xfrm>
           <a:prstGeom prst="rect">
             <a:avLst/>
           </a:prstGeom>
-          <a:noFill/>
         </p:spPr>
         <p:txBody>
-          <a:bodyPr wrap="square" rtlCol="0">
-            <a:spAutoFit/>
+          <a:bodyPr vert="horz" lIns="91440" tIns="45720" rIns="91440" bIns="45720" rtlCol="0" anchor="ctr">
+            <a:noAutofit/>
           </a:bodyPr>
-          <a:lstStyle>
-            <a:defPPr>
-              <a:defRPr lang="en-US"/>
-            </a:defPPr>
-            <a:lvl1pPr algn="r">
-              <a:defRPr sz="12200" b="0" i="0">
-                <a:solidFill>
-                  <a:schemeClr val="bg2">
-                    <a:lumMod val="40000"/>
-                    <a:lumOff val="60000"/>
+          <a:lstStyle/>
+          <a:p>
+            <a:pPr lvl="0"/>
+            <a:r>
+              <a:rPr lang="en-US" sz="8000" baseline="0" dirty="0">
+                <a:ln w="3175" cmpd="sng">
+                  <a:noFill/>
+                </a:ln>
+                <a:solidFill>
+                  <a:schemeClr val="accent1">
+                    <a:lumMod val="60000"/>
+                    <a:lumOff val="40000"/>
                   </a:schemeClr>
                 </a:solidFill>
+                <a:effectLst/>
                 <a:latin typeface="Arial"/>
-                <a:ea typeface="+mj-ea"/>
-                <a:cs typeface="+mj-cs"/>
-              </a:defRPr>
-            </a:lvl1pPr>
-          </a:lstStyle>
-          <a:p>
-            <a:pPr lvl="0"/>
-            <a:r>
-              <a:rPr lang="en-US" dirty="0"/>
+              </a:rPr>
               <a:t>“</a:t>
             </a:r>
           </a:p>
@@ -1150,55 +1503,57 @@
       </p:sp>
       <p:sp>
         <p:nvSpPr>
-          <p:cNvPr id="15" name="TextBox 14"/>
+          <p:cNvPr id="22" name="TextBox 21"/>
           <p:cNvSpPr txBox="1"/>
           <p:nvPr/>
         </p:nvSpPr>
         <p:spPr>
           <a:xfrm>
-            <a:off x="9330490" y="2613787"/>
-            <a:ext cx="801912" cy="1969770"/>
+            <a:off x="8893011" y="2886556"/>
+            <a:ext cx="609600" cy="584776"/>
           </a:xfrm>
           <a:prstGeom prst="rect">
             <a:avLst/>
           </a:prstGeom>
-          <a:noFill/>
         </p:spPr>
         <p:txBody>
-          <a:bodyPr wrap="square" rtlCol="0">
-            <a:spAutoFit/>
+          <a:bodyPr vert="horz" lIns="91440" tIns="45720" rIns="91440" bIns="45720" rtlCol="0" anchor="ctr">
+            <a:noAutofit/>
           </a:bodyPr>
-          <a:lstStyle>
-            <a:defPPr>
-              <a:defRPr lang="en-US"/>
-            </a:defPPr>
-            <a:lvl1pPr algn="r">
-              <a:defRPr sz="12200" b="0" i="0">
-                <a:solidFill>
-                  <a:schemeClr val="bg2">
-                    <a:lumMod val="40000"/>
-                    <a:lumOff val="60000"/>
+          <a:lstStyle/>
+          <a:p>
+            <a:pPr lvl="0"/>
+            <a:r>
+              <a:rPr lang="en-US" sz="8000" baseline="0" dirty="0">
+                <a:ln w="3175" cmpd="sng">
+                  <a:noFill/>
+                </a:ln>
+                <a:solidFill>
+                  <a:schemeClr val="accent1">
+                    <a:lumMod val="60000"/>
+                    <a:lumOff val="40000"/>
                   </a:schemeClr>
                 </a:solidFill>
                 <a:latin typeface="Arial"/>
-                <a:ea typeface="+mj-ea"/>
-                <a:cs typeface="+mj-cs"/>
-              </a:defRPr>
-            </a:lvl1pPr>
-          </a:lstStyle>
-          <a:p>
-            <a:pPr lvl="0"/>
-            <a:r>
-              <a:rPr lang="en-US" dirty="0"/>
+              </a:rPr>
               <a:t>”</a:t>
             </a:r>
+            <a:endParaRPr lang="en-US" dirty="0">
+              <a:solidFill>
+                <a:schemeClr val="accent1">
+                  <a:lumMod val="60000"/>
+                  <a:lumOff val="40000"/>
+                </a:schemeClr>
+              </a:solidFill>
+              <a:latin typeface="Arial"/>
+            </a:endParaRPr>
           </a:p>
         </p:txBody>
       </p:sp>
     </p:spTree>
     <p:extLst>
       <p:ext uri="{BB962C8B-B14F-4D97-AF65-F5344CB8AC3E}">
-        <p14:creationId xmlns:p14="http://schemas.microsoft.com/office/powerpoint/2010/main" val="710925748"/>
+        <p14:creationId xmlns:p14="http://schemas.microsoft.com/office/powerpoint/2010/main" val="2703671960"/>
       </p:ext>
     </p:extLst>
   </p:cSld>
@@ -1208,7 +1563,7 @@
 </p:sldLayout>
 </file>
 
-<file path=ppt/slideLayouts/slideLayout13.xml><?xml version="1.0" encoding="utf-8"?>
+<file path=ppt/slideLayouts/slideLayout12.xml><?xml version="1.0" encoding="utf-8"?>
 <p:sldLayout xmlns:a="http://schemas.openxmlformats.org/drawingml/2006/main" xmlns:r="http://schemas.openxmlformats.org/officeDocument/2006/relationships" xmlns:p="http://schemas.openxmlformats.org/presentationml/2006/main" preserve="1">
   <p:cSld name="Name Card">
     <p:spTree>
@@ -1237,15 +1592,17 @@
         </p:nvSpPr>
         <p:spPr>
           <a:xfrm>
-            <a:off x="1154954" y="3124201"/>
-            <a:ext cx="8825660" cy="1653180"/>
+            <a:off x="677335" y="1931988"/>
+            <a:ext cx="8596668" cy="2595460"/>
           </a:xfrm>
         </p:spPr>
         <p:txBody>
-          <a:bodyPr anchor="b"/>
+          <a:bodyPr anchor="b">
+            <a:normAutofit/>
+          </a:bodyPr>
           <a:lstStyle>
             <a:lvl1pPr algn="l">
-              <a:defRPr sz="4000" b="0" cap="none"/>
+              <a:defRPr sz="4400" b="0" cap="none"/>
             </a:lvl1pPr>
           </a:lstStyle>
           <a:p>
@@ -1269,20 +1626,22 @@
         </p:nvSpPr>
         <p:spPr>
           <a:xfrm>
-            <a:off x="1154954" y="4777381"/>
-            <a:ext cx="8825659" cy="860400"/>
+            <a:off x="677335" y="4527448"/>
+            <a:ext cx="8596668" cy="1513914"/>
           </a:xfrm>
         </p:spPr>
         <p:txBody>
-          <a:bodyPr anchor="t"/>
+          <a:bodyPr anchor="t">
+            <a:normAutofit/>
+          </a:bodyPr>
           <a:lstStyle>
             <a:lvl1pPr marL="0" indent="0" algn="l">
               <a:buNone/>
-              <a:defRPr sz="2000" cap="none">
-                <a:solidFill>
-                  <a:schemeClr val="bg2">
-                    <a:lumMod val="40000"/>
-                    <a:lumOff val="60000"/>
+              <a:defRPr sz="1800">
+                <a:solidFill>
+                  <a:schemeClr val="tx1">
+                    <a:lumMod val="75000"/>
+                    <a:lumOff val="25000"/>
                   </a:schemeClr>
                 </a:solidFill>
               </a:defRPr>
@@ -1445,7 +1804,7 @@
     </p:spTree>
     <p:extLst>
       <p:ext uri="{BB962C8B-B14F-4D97-AF65-F5344CB8AC3E}">
-        <p14:creationId xmlns:p14="http://schemas.microsoft.com/office/powerpoint/2010/main" val="3466931369"/>
+        <p14:creationId xmlns:p14="http://schemas.microsoft.com/office/powerpoint/2010/main" val="1687764526"/>
       </p:ext>
     </p:extLst>
   </p:cSld>
@@ -1455,9 +1814,9 @@
 </p:sldLayout>
 </file>
 
-<file path=ppt/slideLayouts/slideLayout14.xml><?xml version="1.0" encoding="utf-8"?>
+<file path=ppt/slideLayouts/slideLayout13.xml><?xml version="1.0" encoding="utf-8"?>
 <p:sldLayout xmlns:a="http://schemas.openxmlformats.org/drawingml/2006/main" xmlns:r="http://schemas.openxmlformats.org/officeDocument/2006/relationships" xmlns:p="http://schemas.openxmlformats.org/presentationml/2006/main" preserve="1">
-  <p:cSld name="3 Column">
+  <p:cSld name="Quote Name Card">
     <p:spTree>
       <p:nvGrpSpPr>
         <p:cNvPr id="1" name=""/>
@@ -1482,12 +1841,19 @@
             <p:ph type="title"/>
           </p:nvPr>
         </p:nvSpPr>
-        <p:spPr/>
-        <p:txBody>
-          <a:bodyPr/>
+        <p:spPr>
+          <a:xfrm>
+            <a:off x="931334" y="609600"/>
+            <a:ext cx="8094134" cy="3022600"/>
+          </a:xfrm>
+        </p:spPr>
+        <p:txBody>
+          <a:bodyPr anchor="ctr">
+            <a:normAutofit/>
+          </a:bodyPr>
           <a:lstStyle>
-            <a:lvl1pPr>
-              <a:defRPr sz="4200"/>
+            <a:lvl1pPr algn="l">
+              <a:defRPr sz="4400" b="0" cap="none"/>
             </a:lvl1pPr>
           </a:lstStyle>
           <a:p>
@@ -1501,18 +1867,18 @@
       </p:sp>
       <p:sp>
         <p:nvSpPr>
-          <p:cNvPr id="3" name="Text Placeholder 2"/>
-          <p:cNvSpPr>
-            <a:spLocks noGrp="1"/>
-          </p:cNvSpPr>
-          <p:nvPr>
-            <p:ph type="body" idx="1"/>
+          <p:cNvPr id="23" name="Text Placeholder 9"/>
+          <p:cNvSpPr>
+            <a:spLocks noGrp="1"/>
+          </p:cNvSpPr>
+          <p:nvPr>
+            <p:ph type="body" sz="quarter" idx="13"/>
           </p:nvPr>
         </p:nvSpPr>
         <p:spPr>
           <a:xfrm>
-            <a:off x="632947" y="1981200"/>
-            <a:ext cx="2946866" cy="576262"/>
+            <a:off x="677332" y="4013200"/>
+            <a:ext cx="8596669" cy="514248"/>
           </a:xfrm>
         </p:spPr>
         <p:txBody>
@@ -1521,48 +1887,37 @@
           </a:bodyPr>
           <a:lstStyle>
             <a:lvl1pPr marL="0" indent="0">
-              <a:buNone/>
-              <a:defRPr sz="2400" b="0">
-                <a:solidFill>
-                  <a:schemeClr val="bg2">
-                    <a:lumMod val="40000"/>
-                    <a:lumOff val="60000"/>
+              <a:buFontTx/>
+              <a:buNone/>
+              <a:defRPr sz="2400">
+                <a:solidFill>
+                  <a:schemeClr val="tx1">
+                    <a:lumMod val="75000"/>
+                    <a:lumOff val="25000"/>
                   </a:schemeClr>
                 </a:solidFill>
               </a:defRPr>
             </a:lvl1pPr>
             <a:lvl2pPr marL="457200" indent="0">
-              <a:buNone/>
-              <a:defRPr sz="2000" b="1"/>
+              <a:buFontTx/>
+              <a:buNone/>
+              <a:defRPr/>
             </a:lvl2pPr>
             <a:lvl3pPr marL="914400" indent="0">
-              <a:buNone/>
-              <a:defRPr sz="1800" b="1"/>
+              <a:buFontTx/>
+              <a:buNone/>
+              <a:defRPr/>
             </a:lvl3pPr>
             <a:lvl4pPr marL="1371600" indent="0">
-              <a:buNone/>
-              <a:defRPr sz="1600" b="1"/>
+              <a:buFontTx/>
+              <a:buNone/>
+              <a:defRPr/>
             </a:lvl4pPr>
             <a:lvl5pPr marL="1828800" indent="0">
-              <a:buNone/>
-              <a:defRPr sz="1600" b="1"/>
+              <a:buFontTx/>
+              <a:buNone/>
+              <a:defRPr/>
             </a:lvl5pPr>
-            <a:lvl6pPr marL="2286000" indent="0">
-              <a:buNone/>
-              <a:defRPr sz="1600" b="1"/>
-            </a:lvl6pPr>
-            <a:lvl7pPr marL="2743200" indent="0">
-              <a:buNone/>
-              <a:defRPr sz="1600" b="1"/>
-            </a:lvl7pPr>
-            <a:lvl8pPr marL="3200400" indent="0">
-              <a:buNone/>
-              <a:defRPr sz="1600" b="1"/>
-            </a:lvl8pPr>
-            <a:lvl9pPr marL="3657600" indent="0">
-              <a:buNone/>
-              <a:defRPr sz="1600" b="1"/>
-            </a:lvl9pPr>
           </a:lstStyle>
           <a:p>
             <a:pPr lvl="0"/>
@@ -1575,18 +1930,18 @@
       </p:sp>
       <p:sp>
         <p:nvSpPr>
-          <p:cNvPr id="16" name="Text Placeholder 3"/>
-          <p:cNvSpPr>
-            <a:spLocks noGrp="1"/>
-          </p:cNvSpPr>
-          <p:nvPr>
-            <p:ph type="body" sz="half" idx="15"/>
+          <p:cNvPr id="3" name="Text Placeholder 2"/>
+          <p:cNvSpPr>
+            <a:spLocks noGrp="1"/>
+          </p:cNvSpPr>
+          <p:nvPr>
+            <p:ph type="body" idx="1"/>
           </p:nvPr>
         </p:nvSpPr>
         <p:spPr>
           <a:xfrm>
-            <a:off x="652463" y="2667000"/>
-            <a:ext cx="2927350" cy="3589338"/>
+            <a:off x="677335" y="4527448"/>
+            <a:ext cx="8596668" cy="1513914"/>
           </a:xfrm>
         </p:spPr>
         <p:txBody>
@@ -1594,115 +1949,96 @@
             <a:normAutofit/>
           </a:bodyPr>
           <a:lstStyle>
-            <a:lvl1pPr marL="0" indent="0">
-              <a:buNone/>
-              <a:defRPr sz="1400"/>
-            </a:lvl1pPr>
-            <a:lvl2pPr marL="457200" indent="0">
-              <a:buNone/>
-              <a:defRPr sz="1200"/>
-            </a:lvl2pPr>
-            <a:lvl3pPr marL="914400" indent="0">
-              <a:buNone/>
-              <a:defRPr sz="1000"/>
-            </a:lvl3pPr>
-            <a:lvl4pPr marL="1371600" indent="0">
-              <a:buNone/>
-              <a:defRPr sz="900"/>
-            </a:lvl4pPr>
-            <a:lvl5pPr marL="1828800" indent="0">
-              <a:buNone/>
-              <a:defRPr sz="900"/>
-            </a:lvl5pPr>
-            <a:lvl6pPr marL="2286000" indent="0">
-              <a:buNone/>
-              <a:defRPr sz="900"/>
-            </a:lvl6pPr>
-            <a:lvl7pPr marL="2743200" indent="0">
-              <a:buNone/>
-              <a:defRPr sz="900"/>
-            </a:lvl7pPr>
-            <a:lvl8pPr marL="3200400" indent="0">
-              <a:buNone/>
-              <a:defRPr sz="900"/>
-            </a:lvl8pPr>
-            <a:lvl9pPr marL="3657600" indent="0">
-              <a:buNone/>
-              <a:defRPr sz="900"/>
-            </a:lvl9pPr>
-          </a:lstStyle>
-          <a:p>
-            <a:pPr lvl="0"/>
-            <a:r>
-              <a:rPr lang="en-US" smtClean="0"/>
-              <a:t>Edit Master text styles</a:t>
-            </a:r>
-          </a:p>
-        </p:txBody>
-      </p:sp>
-      <p:sp>
-        <p:nvSpPr>
-          <p:cNvPr id="5" name="Text Placeholder 4"/>
-          <p:cNvSpPr>
-            <a:spLocks noGrp="1"/>
-          </p:cNvSpPr>
-          <p:nvPr>
-            <p:ph type="body" sz="quarter" idx="3"/>
-          </p:nvPr>
-        </p:nvSpPr>
-        <p:spPr>
-          <a:xfrm>
-            <a:off x="3883659" y="1981200"/>
-            <a:ext cx="2936241" cy="576262"/>
-          </a:xfrm>
-        </p:spPr>
-        <p:txBody>
-          <a:bodyPr anchor="b">
-            <a:noAutofit/>
-          </a:bodyPr>
-          <a:lstStyle>
-            <a:lvl1pPr marL="0" indent="0">
-              <a:buNone/>
-              <a:defRPr sz="2400" b="0">
-                <a:solidFill>
-                  <a:schemeClr val="bg2">
-                    <a:lumMod val="40000"/>
-                    <a:lumOff val="60000"/>
+            <a:lvl1pPr marL="0" indent="0" algn="l">
+              <a:buNone/>
+              <a:defRPr sz="1800">
+                <a:solidFill>
+                  <a:schemeClr val="tx1">
+                    <a:lumMod val="50000"/>
+                    <a:lumOff val="50000"/>
                   </a:schemeClr>
                 </a:solidFill>
               </a:defRPr>
             </a:lvl1pPr>
             <a:lvl2pPr marL="457200" indent="0">
               <a:buNone/>
-              <a:defRPr sz="2000" b="1"/>
+              <a:defRPr sz="1800">
+                <a:solidFill>
+                  <a:schemeClr val="tx1">
+                    <a:tint val="75000"/>
+                  </a:schemeClr>
+                </a:solidFill>
+              </a:defRPr>
             </a:lvl2pPr>
             <a:lvl3pPr marL="914400" indent="0">
               <a:buNone/>
-              <a:defRPr sz="1800" b="1"/>
+              <a:defRPr sz="1600">
+                <a:solidFill>
+                  <a:schemeClr val="tx1">
+                    <a:tint val="75000"/>
+                  </a:schemeClr>
+                </a:solidFill>
+              </a:defRPr>
             </a:lvl3pPr>
             <a:lvl4pPr marL="1371600" indent="0">
               <a:buNone/>
-              <a:defRPr sz="1600" b="1"/>
+              <a:defRPr sz="1400">
+                <a:solidFill>
+                  <a:schemeClr val="tx1">
+                    <a:tint val="75000"/>
+                  </a:schemeClr>
+                </a:solidFill>
+              </a:defRPr>
             </a:lvl4pPr>
             <a:lvl5pPr marL="1828800" indent="0">
               <a:buNone/>
-              <a:defRPr sz="1600" b="1"/>
+              <a:defRPr sz="1400">
+                <a:solidFill>
+                  <a:schemeClr val="tx1">
+                    <a:tint val="75000"/>
+                  </a:schemeClr>
+                </a:solidFill>
+              </a:defRPr>
             </a:lvl5pPr>
             <a:lvl6pPr marL="2286000" indent="0">
               <a:buNone/>
-              <a:defRPr sz="1600" b="1"/>
+              <a:defRPr sz="1400">
+                <a:solidFill>
+                  <a:schemeClr val="tx1">
+                    <a:tint val="75000"/>
+                  </a:schemeClr>
+                </a:solidFill>
+              </a:defRPr>
             </a:lvl6pPr>
             <a:lvl7pPr marL="2743200" indent="0">
               <a:buNone/>
-              <a:defRPr sz="1600" b="1"/>
+              <a:defRPr sz="1400">
+                <a:solidFill>
+                  <a:schemeClr val="tx1">
+                    <a:tint val="75000"/>
+                  </a:schemeClr>
+                </a:solidFill>
+              </a:defRPr>
             </a:lvl7pPr>
             <a:lvl8pPr marL="3200400" indent="0">
               <a:buNone/>
-              <a:defRPr sz="1600" b="1"/>
+              <a:defRPr sz="1400">
+                <a:solidFill>
+                  <a:schemeClr val="tx1">
+                    <a:tint val="75000"/>
+                  </a:schemeClr>
+                </a:solidFill>
+              </a:defRPr>
             </a:lvl8pPr>
             <a:lvl9pPr marL="3657600" indent="0">
               <a:buNone/>
-              <a:defRPr sz="1600" b="1"/>
+              <a:defRPr sz="1400">
+                <a:solidFill>
+                  <a:schemeClr val="tx1">
+                    <a:tint val="75000"/>
+                  </a:schemeClr>
+                </a:solidFill>
+              </a:defRPr>
             </a:lvl9pPr>
           </a:lstStyle>
           <a:p>
@@ -1716,293 +2052,7 @@
       </p:sp>
       <p:sp>
         <p:nvSpPr>
-          <p:cNvPr id="19" name="Text Placeholder 3"/>
-          <p:cNvSpPr>
-            <a:spLocks noGrp="1"/>
-          </p:cNvSpPr>
-          <p:nvPr>
-            <p:ph type="body" sz="half" idx="16"/>
-          </p:nvPr>
-        </p:nvSpPr>
-        <p:spPr>
-          <a:xfrm>
-            <a:off x="3873106" y="2667000"/>
-            <a:ext cx="2946794" cy="3589338"/>
-          </a:xfrm>
-        </p:spPr>
-        <p:txBody>
-          <a:bodyPr anchor="t">
-            <a:normAutofit/>
-          </a:bodyPr>
-          <a:lstStyle>
-            <a:lvl1pPr marL="0" indent="0">
-              <a:buNone/>
-              <a:defRPr sz="1400"/>
-            </a:lvl1pPr>
-            <a:lvl2pPr marL="457200" indent="0">
-              <a:buNone/>
-              <a:defRPr sz="1200"/>
-            </a:lvl2pPr>
-            <a:lvl3pPr marL="914400" indent="0">
-              <a:buNone/>
-              <a:defRPr sz="1000"/>
-            </a:lvl3pPr>
-            <a:lvl4pPr marL="1371600" indent="0">
-              <a:buNone/>
-              <a:defRPr sz="900"/>
-            </a:lvl4pPr>
-            <a:lvl5pPr marL="1828800" indent="0">
-              <a:buNone/>
-              <a:defRPr sz="900"/>
-            </a:lvl5pPr>
-            <a:lvl6pPr marL="2286000" indent="0">
-              <a:buNone/>
-              <a:defRPr sz="900"/>
-            </a:lvl6pPr>
-            <a:lvl7pPr marL="2743200" indent="0">
-              <a:buNone/>
-              <a:defRPr sz="900"/>
-            </a:lvl7pPr>
-            <a:lvl8pPr marL="3200400" indent="0">
-              <a:buNone/>
-              <a:defRPr sz="900"/>
-            </a:lvl8pPr>
-            <a:lvl9pPr marL="3657600" indent="0">
-              <a:buNone/>
-              <a:defRPr sz="900"/>
-            </a:lvl9pPr>
-          </a:lstStyle>
-          <a:p>
-            <a:pPr lvl="0"/>
-            <a:r>
-              <a:rPr lang="en-US" smtClean="0"/>
-              <a:t>Edit Master text styles</a:t>
-            </a:r>
-          </a:p>
-        </p:txBody>
-      </p:sp>
-      <p:sp>
-        <p:nvSpPr>
-          <p:cNvPr id="14" name="Text Placeholder 4"/>
-          <p:cNvSpPr>
-            <a:spLocks noGrp="1"/>
-          </p:cNvSpPr>
-          <p:nvPr>
-            <p:ph type="body" sz="quarter" idx="13"/>
-          </p:nvPr>
-        </p:nvSpPr>
-        <p:spPr>
-          <a:xfrm>
-            <a:off x="7124700" y="1981200"/>
-            <a:ext cx="2932113" cy="576262"/>
-          </a:xfrm>
-        </p:spPr>
-        <p:txBody>
-          <a:bodyPr anchor="b">
-            <a:noAutofit/>
-          </a:bodyPr>
-          <a:lstStyle>
-            <a:lvl1pPr marL="0" indent="0">
-              <a:buNone/>
-              <a:defRPr sz="2400" b="0">
-                <a:solidFill>
-                  <a:schemeClr val="bg2">
-                    <a:lumMod val="40000"/>
-                    <a:lumOff val="60000"/>
-                  </a:schemeClr>
-                </a:solidFill>
-              </a:defRPr>
-            </a:lvl1pPr>
-            <a:lvl2pPr marL="457200" indent="0">
-              <a:buNone/>
-              <a:defRPr sz="2000" b="1"/>
-            </a:lvl2pPr>
-            <a:lvl3pPr marL="914400" indent="0">
-              <a:buNone/>
-              <a:defRPr sz="1800" b="1"/>
-            </a:lvl3pPr>
-            <a:lvl4pPr marL="1371600" indent="0">
-              <a:buNone/>
-              <a:defRPr sz="1600" b="1"/>
-            </a:lvl4pPr>
-            <a:lvl5pPr marL="1828800" indent="0">
-              <a:buNone/>
-              <a:defRPr sz="1600" b="1"/>
-            </a:lvl5pPr>
-            <a:lvl6pPr marL="2286000" indent="0">
-              <a:buNone/>
-              <a:defRPr sz="1600" b="1"/>
-            </a:lvl6pPr>
-            <a:lvl7pPr marL="2743200" indent="0">
-              <a:buNone/>
-              <a:defRPr sz="1600" b="1"/>
-            </a:lvl7pPr>
-            <a:lvl8pPr marL="3200400" indent="0">
-              <a:buNone/>
-              <a:defRPr sz="1600" b="1"/>
-            </a:lvl8pPr>
-            <a:lvl9pPr marL="3657600" indent="0">
-              <a:buNone/>
-              <a:defRPr sz="1600" b="1"/>
-            </a:lvl9pPr>
-          </a:lstStyle>
-          <a:p>
-            <a:pPr lvl="0"/>
-            <a:r>
-              <a:rPr lang="en-US" smtClean="0"/>
-              <a:t>Edit Master text styles</a:t>
-            </a:r>
-          </a:p>
-        </p:txBody>
-      </p:sp>
-      <p:sp>
-        <p:nvSpPr>
-          <p:cNvPr id="20" name="Text Placeholder 3"/>
-          <p:cNvSpPr>
-            <a:spLocks noGrp="1"/>
-          </p:cNvSpPr>
-          <p:nvPr>
-            <p:ph type="body" sz="half" idx="17"/>
-          </p:nvPr>
-        </p:nvSpPr>
-        <p:spPr>
-          <a:xfrm>
-            <a:off x="7124700" y="2667000"/>
-            <a:ext cx="2932113" cy="3589338"/>
-          </a:xfrm>
-        </p:spPr>
-        <p:txBody>
-          <a:bodyPr anchor="t">
-            <a:normAutofit/>
-          </a:bodyPr>
-          <a:lstStyle>
-            <a:lvl1pPr marL="0" indent="0">
-              <a:buNone/>
-              <a:defRPr sz="1400"/>
-            </a:lvl1pPr>
-            <a:lvl2pPr marL="457200" indent="0">
-              <a:buNone/>
-              <a:defRPr sz="1200"/>
-            </a:lvl2pPr>
-            <a:lvl3pPr marL="914400" indent="0">
-              <a:buNone/>
-              <a:defRPr sz="1000"/>
-            </a:lvl3pPr>
-            <a:lvl4pPr marL="1371600" indent="0">
-              <a:buNone/>
-              <a:defRPr sz="900"/>
-            </a:lvl4pPr>
-            <a:lvl5pPr marL="1828800" indent="0">
-              <a:buNone/>
-              <a:defRPr sz="900"/>
-            </a:lvl5pPr>
-            <a:lvl6pPr marL="2286000" indent="0">
-              <a:buNone/>
-              <a:defRPr sz="900"/>
-            </a:lvl6pPr>
-            <a:lvl7pPr marL="2743200" indent="0">
-              <a:buNone/>
-              <a:defRPr sz="900"/>
-            </a:lvl7pPr>
-            <a:lvl8pPr marL="3200400" indent="0">
-              <a:buNone/>
-              <a:defRPr sz="900"/>
-            </a:lvl8pPr>
-            <a:lvl9pPr marL="3657600" indent="0">
-              <a:buNone/>
-              <a:defRPr sz="900"/>
-            </a:lvl9pPr>
-          </a:lstStyle>
-          <a:p>
-            <a:pPr lvl="0"/>
-            <a:r>
-              <a:rPr lang="en-US" smtClean="0"/>
-              <a:t>Edit Master text styles</a:t>
-            </a:r>
-          </a:p>
-        </p:txBody>
-      </p:sp>
-      <p:cxnSp>
-        <p:nvCxnSpPr>
-          <p:cNvPr id="17" name="Straight Connector 16"/>
-          <p:cNvCxnSpPr/>
-          <p:nvPr/>
-        </p:nvCxnSpPr>
-        <p:spPr>
-          <a:xfrm>
-            <a:off x="3726142" y="2133600"/>
-            <a:ext cx="0" cy="3962400"/>
-          </a:xfrm>
-          <a:prstGeom prst="line">
-            <a:avLst/>
-          </a:prstGeom>
-          <a:ln w="12700" cmpd="sng">
-            <a:solidFill>
-              <a:schemeClr val="bg2">
-                <a:lumMod val="40000"/>
-                <a:lumOff val="60000"/>
-                <a:alpha val="40000"/>
-              </a:schemeClr>
-            </a:solidFill>
-          </a:ln>
-        </p:spPr>
-        <p:style>
-          <a:lnRef idx="2">
-            <a:schemeClr val="accent1"/>
-          </a:lnRef>
-          <a:fillRef idx="0">
-            <a:schemeClr val="accent1"/>
-          </a:fillRef>
-          <a:effectRef idx="1">
-            <a:schemeClr val="accent1"/>
-          </a:effectRef>
-          <a:fontRef idx="minor">
-            <a:schemeClr val="tx1"/>
-          </a:fontRef>
-        </p:style>
-      </p:cxnSp>
-      <p:cxnSp>
-        <p:nvCxnSpPr>
-          <p:cNvPr id="18" name="Straight Connector 17"/>
-          <p:cNvCxnSpPr/>
-          <p:nvPr/>
-        </p:nvCxnSpPr>
-        <p:spPr>
-          <a:xfrm>
-            <a:off x="6962227" y="2133600"/>
-            <a:ext cx="0" cy="3966882"/>
-          </a:xfrm>
-          <a:prstGeom prst="line">
-            <a:avLst/>
-          </a:prstGeom>
-          <a:ln w="12700" cmpd="sng">
-            <a:solidFill>
-              <a:schemeClr val="bg2">
-                <a:lumMod val="40000"/>
-                <a:lumOff val="60000"/>
-                <a:alpha val="40000"/>
-              </a:schemeClr>
-            </a:solidFill>
-          </a:ln>
-        </p:spPr>
-        <p:style>
-          <a:lnRef idx="2">
-            <a:schemeClr val="accent1"/>
-          </a:lnRef>
-          <a:fillRef idx="0">
-            <a:schemeClr val="accent1"/>
-          </a:fillRef>
-          <a:effectRef idx="1">
-            <a:schemeClr val="accent1"/>
-          </a:effectRef>
-          <a:fontRef idx="minor">
-            <a:schemeClr val="tx1"/>
-          </a:fontRef>
-        </p:style>
-      </p:cxnSp>
-      <p:sp>
-        <p:nvSpPr>
-          <p:cNvPr id="7" name="Date Placeholder 3"/>
+          <p:cNvPr id="4" name="Date Placeholder 3"/>
           <p:cNvSpPr>
             <a:spLocks noGrp="1"/>
           </p:cNvSpPr>
@@ -2025,7 +2075,7 @@
       </p:sp>
       <p:sp>
         <p:nvSpPr>
-          <p:cNvPr id="4" name="Footer Placeholder 4"/>
+          <p:cNvPr id="5" name="Footer Placeholder 4"/>
           <p:cNvSpPr>
             <a:spLocks noGrp="1"/>
           </p:cNvSpPr>
@@ -2065,10 +2115,92 @@
           </a:p>
         </p:txBody>
       </p:sp>
+      <p:sp>
+        <p:nvSpPr>
+          <p:cNvPr id="24" name="TextBox 23"/>
+          <p:cNvSpPr txBox="1"/>
+          <p:nvPr/>
+        </p:nvSpPr>
+        <p:spPr>
+          <a:xfrm>
+            <a:off x="541870" y="790378"/>
+            <a:ext cx="609600" cy="584776"/>
+          </a:xfrm>
+          <a:prstGeom prst="rect">
+            <a:avLst/>
+          </a:prstGeom>
+        </p:spPr>
+        <p:txBody>
+          <a:bodyPr vert="horz" lIns="91440" tIns="45720" rIns="91440" bIns="45720" rtlCol="0" anchor="ctr">
+            <a:noAutofit/>
+          </a:bodyPr>
+          <a:lstStyle/>
+          <a:p>
+            <a:pPr lvl="0"/>
+            <a:r>
+              <a:rPr lang="en-US" sz="8000" baseline="0" dirty="0">
+                <a:ln w="3175" cmpd="sng">
+                  <a:noFill/>
+                </a:ln>
+                <a:solidFill>
+                  <a:schemeClr val="accent1">
+                    <a:lumMod val="60000"/>
+                    <a:lumOff val="40000"/>
+                  </a:schemeClr>
+                </a:solidFill>
+                <a:effectLst/>
+                <a:latin typeface="Arial"/>
+              </a:rPr>
+              <a:t>“</a:t>
+            </a:r>
+          </a:p>
+        </p:txBody>
+      </p:sp>
+      <p:sp>
+        <p:nvSpPr>
+          <p:cNvPr id="25" name="TextBox 24"/>
+          <p:cNvSpPr txBox="1"/>
+          <p:nvPr/>
+        </p:nvSpPr>
+        <p:spPr>
+          <a:xfrm>
+            <a:off x="8893011" y="2886556"/>
+            <a:ext cx="609600" cy="584776"/>
+          </a:xfrm>
+          <a:prstGeom prst="rect">
+            <a:avLst/>
+          </a:prstGeom>
+        </p:spPr>
+        <p:txBody>
+          <a:bodyPr vert="horz" lIns="91440" tIns="45720" rIns="91440" bIns="45720" rtlCol="0" anchor="ctr">
+            <a:noAutofit/>
+          </a:bodyPr>
+          <a:lstStyle/>
+          <a:p>
+            <a:pPr lvl="0"/>
+            <a:r>
+              <a:rPr lang="en-US" sz="8000" baseline="0" dirty="0">
+                <a:ln w="3175" cmpd="sng">
+                  <a:noFill/>
+                </a:ln>
+                <a:solidFill>
+                  <a:schemeClr val="accent1">
+                    <a:lumMod val="60000"/>
+                    <a:lumOff val="40000"/>
+                  </a:schemeClr>
+                </a:solidFill>
+                <a:effectLst/>
+                <a:latin typeface="Arial"/>
+              </a:rPr>
+              <a:t>”</a:t>
+            </a:r>
+          </a:p>
+        </p:txBody>
+      </p:sp>
     </p:spTree>
     <p:extLst>
       <p:ext uri="{BB962C8B-B14F-4D97-AF65-F5344CB8AC3E}">
-        <p14:creationId xmlns:p14="http://schemas.microsoft.com/office/powerpoint/2010/main" val="3791077861"/>
+        <p14:creationId xmlns:p14="http://schemas.microsoft.com/office/powerpoint/2010/main" val="2960925392"/>
       </p:ext>
     </p:extLst>
   </p:cSld>
@@ -2078,9 +2210,9 @@
 </p:sldLayout>
 </file>
 
-<file path=ppt/slideLayouts/slideLayout15.xml><?xml version="1.0" encoding="utf-8"?>
+<file path=ppt/slideLayouts/slideLayout14.xml><?xml version="1.0" encoding="utf-8"?>
 <p:sldLayout xmlns:a="http://schemas.openxmlformats.org/drawingml/2006/main" xmlns:r="http://schemas.openxmlformats.org/officeDocument/2006/relationships" xmlns:p="http://schemas.openxmlformats.org/presentationml/2006/main" preserve="1">
-  <p:cSld name="3 Picture Column">
+  <p:cSld name="True or False">
     <p:spTree>
       <p:nvGrpSpPr>
         <p:cNvPr id="1" name=""/>
@@ -2105,12 +2237,19 @@
             <p:ph type="title"/>
           </p:nvPr>
         </p:nvSpPr>
-        <p:spPr/>
-        <p:txBody>
-          <a:bodyPr/>
+        <p:spPr>
+          <a:xfrm>
+            <a:off x="685799" y="609600"/>
+            <a:ext cx="8588203" cy="3022600"/>
+          </a:xfrm>
+        </p:spPr>
+        <p:txBody>
+          <a:bodyPr anchor="ctr">
+            <a:normAutofit/>
+          </a:bodyPr>
           <a:lstStyle>
-            <a:lvl1pPr>
-              <a:defRPr sz="4200"/>
+            <a:lvl1pPr algn="l">
+              <a:defRPr sz="4400" b="0" cap="none"/>
             </a:lvl1pPr>
           </a:lstStyle>
           <a:p>
@@ -2124,18 +2263,18 @@
       </p:sp>
       <p:sp>
         <p:nvSpPr>
-          <p:cNvPr id="3" name="Text Placeholder 2"/>
-          <p:cNvSpPr>
-            <a:spLocks noGrp="1"/>
-          </p:cNvSpPr>
-          <p:nvPr>
-            <p:ph type="body" idx="1"/>
+          <p:cNvPr id="23" name="Text Placeholder 9"/>
+          <p:cNvSpPr>
+            <a:spLocks noGrp="1"/>
+          </p:cNvSpPr>
+          <p:nvPr>
+            <p:ph type="body" sz="quarter" idx="13"/>
           </p:nvPr>
         </p:nvSpPr>
         <p:spPr>
           <a:xfrm>
-            <a:off x="652463" y="4250949"/>
-            <a:ext cx="2940050" cy="576262"/>
+            <a:off x="677332" y="4013200"/>
+            <a:ext cx="8596669" cy="514248"/>
           </a:xfrm>
         </p:spPr>
         <p:txBody>
@@ -2144,48 +2283,34 @@
           </a:bodyPr>
           <a:lstStyle>
             <a:lvl1pPr marL="0" indent="0">
-              <a:buNone/>
-              <a:defRPr sz="2400" b="0">
-                <a:solidFill>
-                  <a:schemeClr val="bg2">
-                    <a:lumMod val="40000"/>
-                    <a:lumOff val="60000"/>
-                  </a:schemeClr>
+              <a:buFontTx/>
+              <a:buNone/>
+              <a:defRPr sz="2400">
+                <a:solidFill>
+                  <a:schemeClr val="accent1"/>
                 </a:solidFill>
               </a:defRPr>
             </a:lvl1pPr>
             <a:lvl2pPr marL="457200" indent="0">
-              <a:buNone/>
-              <a:defRPr sz="2000" b="1"/>
+              <a:buFontTx/>
+              <a:buNone/>
+              <a:defRPr/>
             </a:lvl2pPr>
             <a:lvl3pPr marL="914400" indent="0">
-              <a:buNone/>
-              <a:defRPr sz="1800" b="1"/>
+              <a:buFontTx/>
+              <a:buNone/>
+              <a:defRPr/>
             </a:lvl3pPr>
             <a:lvl4pPr marL="1371600" indent="0">
-              <a:buNone/>
-              <a:defRPr sz="1600" b="1"/>
+              <a:buFontTx/>
+              <a:buNone/>
+              <a:defRPr/>
             </a:lvl4pPr>
             <a:lvl5pPr marL="1828800" indent="0">
-              <a:buNone/>
-              <a:defRPr sz="1600" b="1"/>
+              <a:buFontTx/>
+              <a:buNone/>
+              <a:defRPr/>
             </a:lvl5pPr>
-            <a:lvl6pPr marL="2286000" indent="0">
-              <a:buNone/>
-              <a:defRPr sz="1600" b="1"/>
-            </a:lvl6pPr>
-            <a:lvl7pPr marL="2743200" indent="0">
-              <a:buNone/>
-              <a:defRPr sz="1600" b="1"/>
-            </a:lvl7pPr>
-            <a:lvl8pPr marL="3200400" indent="0">
-              <a:buNone/>
-              <a:defRPr sz="1600" b="1"/>
-            </a:lvl8pPr>
-            <a:lvl9pPr marL="3657600" indent="0">
-              <a:buNone/>
-              <a:defRPr sz="1600" b="1"/>
-            </a:lvl9pPr>
           </a:lstStyle>
           <a:p>
             <a:pPr lvl="0"/>
@@ -2198,213 +2323,115 @@
       </p:sp>
       <p:sp>
         <p:nvSpPr>
-          <p:cNvPr id="29" name="Picture Placeholder 2"/>
-          <p:cNvSpPr>
-            <a:spLocks noGrp="1" noChangeAspect="1"/>
-          </p:cNvSpPr>
-          <p:nvPr>
-            <p:ph type="pic" idx="15"/>
+          <p:cNvPr id="3" name="Text Placeholder 2"/>
+          <p:cNvSpPr>
+            <a:spLocks noGrp="1"/>
+          </p:cNvSpPr>
+          <p:nvPr>
+            <p:ph type="body" idx="1"/>
           </p:nvPr>
         </p:nvSpPr>
         <p:spPr>
           <a:xfrm>
-            <a:off x="652463" y="2209800"/>
-            <a:ext cx="2940050" cy="1524000"/>
+            <a:off x="677335" y="4527448"/>
+            <a:ext cx="8596668" cy="1513914"/>
           </a:xfrm>
-          <a:prstGeom prst="roundRect">
-            <a:avLst>
-              <a:gd name="adj" fmla="val 1858"/>
-            </a:avLst>
-          </a:prstGeom>
-          <a:effectLst>
-            <a:outerShdw blurRad="50800" dist="50800" dir="5400000" algn="tl" rotWithShape="0">
-              <a:srgbClr val="000000">
-                <a:alpha val="43000"/>
-              </a:srgbClr>
-            </a:outerShdw>
-          </a:effectLst>
         </p:spPr>
         <p:txBody>
           <a:bodyPr anchor="t">
             <a:normAutofit/>
           </a:bodyPr>
           <a:lstStyle>
-            <a:lvl1pPr marL="0" indent="0" algn="ctr">
-              <a:buNone/>
-              <a:defRPr sz="1600"/>
-            </a:lvl1pPr>
-            <a:lvl2pPr marL="457200" indent="0">
-              <a:buNone/>
-              <a:defRPr sz="1600"/>
-            </a:lvl2pPr>
-            <a:lvl3pPr marL="914400" indent="0">
-              <a:buNone/>
-              <a:defRPr sz="1600"/>
-            </a:lvl3pPr>
-            <a:lvl4pPr marL="1371600" indent="0">
-              <a:buNone/>
-              <a:defRPr sz="1600"/>
-            </a:lvl4pPr>
-            <a:lvl5pPr marL="1828800" indent="0">
-              <a:buNone/>
-              <a:defRPr sz="1600"/>
-            </a:lvl5pPr>
-            <a:lvl6pPr marL="2286000" indent="0">
-              <a:buNone/>
-              <a:defRPr sz="1600"/>
-            </a:lvl6pPr>
-            <a:lvl7pPr marL="2743200" indent="0">
-              <a:buNone/>
-              <a:defRPr sz="1600"/>
-            </a:lvl7pPr>
-            <a:lvl8pPr marL="3200400" indent="0">
-              <a:buNone/>
-              <a:defRPr sz="1600"/>
-            </a:lvl8pPr>
-            <a:lvl9pPr marL="3657600" indent="0">
-              <a:buNone/>
-              <a:defRPr sz="1600"/>
-            </a:lvl9pPr>
-          </a:lstStyle>
-          <a:p>
-            <a:r>
-              <a:rPr lang="en-US" smtClean="0"/>
-              <a:t>Click icon to add picture</a:t>
-            </a:r>
-            <a:endParaRPr lang="en-US" dirty="0"/>
-          </a:p>
-        </p:txBody>
-      </p:sp>
-      <p:sp>
-        <p:nvSpPr>
-          <p:cNvPr id="22" name="Text Placeholder 3"/>
-          <p:cNvSpPr>
-            <a:spLocks noGrp="1"/>
-          </p:cNvSpPr>
-          <p:nvPr>
-            <p:ph type="body" sz="half" idx="18"/>
-          </p:nvPr>
-        </p:nvSpPr>
-        <p:spPr>
-          <a:xfrm>
-            <a:off x="652463" y="4827211"/>
-            <a:ext cx="2940050" cy="659189"/>
-          </a:xfrm>
-        </p:spPr>
-        <p:txBody>
-          <a:bodyPr anchor="t">
-            <a:normAutofit/>
-          </a:bodyPr>
-          <a:lstStyle>
-            <a:lvl1pPr marL="0" indent="0">
-              <a:buNone/>
-              <a:defRPr sz="1400"/>
-            </a:lvl1pPr>
-            <a:lvl2pPr marL="457200" indent="0">
-              <a:buNone/>
-              <a:defRPr sz="1200"/>
-            </a:lvl2pPr>
-            <a:lvl3pPr marL="914400" indent="0">
-              <a:buNone/>
-              <a:defRPr sz="1000"/>
-            </a:lvl3pPr>
-            <a:lvl4pPr marL="1371600" indent="0">
-              <a:buNone/>
-              <a:defRPr sz="900"/>
-            </a:lvl4pPr>
-            <a:lvl5pPr marL="1828800" indent="0">
-              <a:buNone/>
-              <a:defRPr sz="900"/>
-            </a:lvl5pPr>
-            <a:lvl6pPr marL="2286000" indent="0">
-              <a:buNone/>
-              <a:defRPr sz="900"/>
-            </a:lvl6pPr>
-            <a:lvl7pPr marL="2743200" indent="0">
-              <a:buNone/>
-              <a:defRPr sz="900"/>
-            </a:lvl7pPr>
-            <a:lvl8pPr marL="3200400" indent="0">
-              <a:buNone/>
-              <a:defRPr sz="900"/>
-            </a:lvl8pPr>
-            <a:lvl9pPr marL="3657600" indent="0">
-              <a:buNone/>
-              <a:defRPr sz="900"/>
-            </a:lvl9pPr>
-          </a:lstStyle>
-          <a:p>
-            <a:pPr lvl="0"/>
-            <a:r>
-              <a:rPr lang="en-US" smtClean="0"/>
-              <a:t>Edit Master text styles</a:t>
-            </a:r>
-          </a:p>
-        </p:txBody>
-      </p:sp>
-      <p:sp>
-        <p:nvSpPr>
-          <p:cNvPr id="5" name="Text Placeholder 4"/>
-          <p:cNvSpPr>
-            <a:spLocks noGrp="1"/>
-          </p:cNvSpPr>
-          <p:nvPr>
-            <p:ph type="body" sz="quarter" idx="3"/>
-          </p:nvPr>
-        </p:nvSpPr>
-        <p:spPr>
-          <a:xfrm>
-            <a:off x="3889375" y="4250949"/>
-            <a:ext cx="2930525" cy="576262"/>
-          </a:xfrm>
-        </p:spPr>
-        <p:txBody>
-          <a:bodyPr anchor="b">
-            <a:noAutofit/>
-          </a:bodyPr>
-          <a:lstStyle>
-            <a:lvl1pPr marL="0" indent="0">
-              <a:buNone/>
-              <a:defRPr sz="2400" b="0">
-                <a:solidFill>
-                  <a:schemeClr val="bg2">
-                    <a:lumMod val="40000"/>
-                    <a:lumOff val="60000"/>
+            <a:lvl1pPr marL="0" indent="0" algn="l">
+              <a:buNone/>
+              <a:defRPr sz="1800">
+                <a:solidFill>
+                  <a:schemeClr val="tx1">
+                    <a:lumMod val="50000"/>
+                    <a:lumOff val="50000"/>
                   </a:schemeClr>
                 </a:solidFill>
               </a:defRPr>
             </a:lvl1pPr>
             <a:lvl2pPr marL="457200" indent="0">
               <a:buNone/>
-              <a:defRPr sz="2000" b="1"/>
+              <a:defRPr sz="1800">
+                <a:solidFill>
+                  <a:schemeClr val="tx1">
+                    <a:tint val="75000"/>
+                  </a:schemeClr>
+                </a:solidFill>
+              </a:defRPr>
             </a:lvl2pPr>
             <a:lvl3pPr marL="914400" indent="0">
               <a:buNone/>
-              <a:defRPr sz="1800" b="1"/>
+              <a:defRPr sz="1600">
+                <a:solidFill>
+                  <a:schemeClr val="tx1">
+                    <a:tint val="75000"/>
+                  </a:schemeClr>
+                </a:solidFill>
+              </a:defRPr>
             </a:lvl3pPr>
             <a:lvl4pPr marL="1371600" indent="0">
               <a:buNone/>
-              <a:defRPr sz="1600" b="1"/>
+              <a:defRPr sz="1400">
+                <a:solidFill>
+                  <a:schemeClr val="tx1">
+                    <a:tint val="75000"/>
+                  </a:schemeClr>
+                </a:solidFill>
+              </a:defRPr>
             </a:lvl4pPr>
             <a:lvl5pPr marL="1828800" indent="0">
               <a:buNone/>
-              <a:defRPr sz="1600" b="1"/>
+              <a:defRPr sz="1400">
+                <a:solidFill>
+                  <a:schemeClr val="tx1">
+                    <a:tint val="75000"/>
+                  </a:schemeClr>
+                </a:solidFill>
+              </a:defRPr>
             </a:lvl5pPr>
             <a:lvl6pPr marL="2286000" indent="0">
               <a:buNone/>
-              <a:defRPr sz="1600" b="1"/>
+              <a:defRPr sz="1400">
+                <a:solidFill>
+                  <a:schemeClr val="tx1">
+                    <a:tint val="75000"/>
+                  </a:schemeClr>
+                </a:solidFill>
+              </a:defRPr>
             </a:lvl6pPr>
             <a:lvl7pPr marL="2743200" indent="0">
               <a:buNone/>
-              <a:defRPr sz="1600" b="1"/>
+              <a:defRPr sz="1400">
+                <a:solidFill>
+                  <a:schemeClr val="tx1">
+                    <a:tint val="75000"/>
+                  </a:schemeClr>
+                </a:solidFill>
+              </a:defRPr>
             </a:lvl7pPr>
             <a:lvl8pPr marL="3200400" indent="0">
               <a:buNone/>
-              <a:defRPr sz="1600" b="1"/>
+              <a:defRPr sz="1400">
+                <a:solidFill>
+                  <a:schemeClr val="tx1">
+                    <a:tint val="75000"/>
+                  </a:schemeClr>
+                </a:solidFill>
+              </a:defRPr>
             </a:lvl8pPr>
             <a:lvl9pPr marL="3657600" indent="0">
               <a:buNone/>
-              <a:defRPr sz="1600" b="1"/>
+              <a:defRPr sz="1400">
+                <a:solidFill>
+                  <a:schemeClr val="tx1">
+                    <a:tint val="75000"/>
+                  </a:schemeClr>
+                </a:solidFill>
+              </a:defRPr>
             </a:lvl9pPr>
           </a:lstStyle>
           <a:p>
@@ -2418,451 +2445,7 @@
       </p:sp>
       <p:sp>
         <p:nvSpPr>
-          <p:cNvPr id="30" name="Picture Placeholder 2"/>
-          <p:cNvSpPr>
-            <a:spLocks noGrp="1" noChangeAspect="1"/>
-          </p:cNvSpPr>
-          <p:nvPr>
-            <p:ph type="pic" idx="21"/>
-          </p:nvPr>
-        </p:nvSpPr>
-        <p:spPr>
-          <a:xfrm>
-            <a:off x="3889374" y="2209800"/>
-            <a:ext cx="2930525" cy="1524000"/>
-          </a:xfrm>
-          <a:prstGeom prst="roundRect">
-            <a:avLst>
-              <a:gd name="adj" fmla="val 1858"/>
-            </a:avLst>
-          </a:prstGeom>
-          <a:effectLst>
-            <a:outerShdw blurRad="50800" dist="50800" dir="5400000" algn="tl" rotWithShape="0">
-              <a:srgbClr val="000000">
-                <a:alpha val="43000"/>
-              </a:srgbClr>
-            </a:outerShdw>
-          </a:effectLst>
-        </p:spPr>
-        <p:txBody>
-          <a:bodyPr anchor="t">
-            <a:normAutofit/>
-          </a:bodyPr>
-          <a:lstStyle>
-            <a:lvl1pPr marL="0" indent="0" algn="ctr">
-              <a:buNone/>
-              <a:defRPr sz="1600"/>
-            </a:lvl1pPr>
-            <a:lvl2pPr marL="457200" indent="0">
-              <a:buNone/>
-              <a:defRPr sz="1600"/>
-            </a:lvl2pPr>
-            <a:lvl3pPr marL="914400" indent="0">
-              <a:buNone/>
-              <a:defRPr sz="1600"/>
-            </a:lvl3pPr>
-            <a:lvl4pPr marL="1371600" indent="0">
-              <a:buNone/>
-              <a:defRPr sz="1600"/>
-            </a:lvl4pPr>
-            <a:lvl5pPr marL="1828800" indent="0">
-              <a:buNone/>
-              <a:defRPr sz="1600"/>
-            </a:lvl5pPr>
-            <a:lvl6pPr marL="2286000" indent="0">
-              <a:buNone/>
-              <a:defRPr sz="1600"/>
-            </a:lvl6pPr>
-            <a:lvl7pPr marL="2743200" indent="0">
-              <a:buNone/>
-              <a:defRPr sz="1600"/>
-            </a:lvl7pPr>
-            <a:lvl8pPr marL="3200400" indent="0">
-              <a:buNone/>
-              <a:defRPr sz="1600"/>
-            </a:lvl8pPr>
-            <a:lvl9pPr marL="3657600" indent="0">
-              <a:buNone/>
-              <a:defRPr sz="1600"/>
-            </a:lvl9pPr>
-          </a:lstStyle>
-          <a:p>
-            <a:r>
-              <a:rPr lang="en-US" smtClean="0"/>
-              <a:t>Click icon to add picture</a:t>
-            </a:r>
-            <a:endParaRPr lang="en-US" dirty="0"/>
-          </a:p>
-        </p:txBody>
-      </p:sp>
-      <p:sp>
-        <p:nvSpPr>
-          <p:cNvPr id="23" name="Text Placeholder 3"/>
-          <p:cNvSpPr>
-            <a:spLocks noGrp="1"/>
-          </p:cNvSpPr>
-          <p:nvPr>
-            <p:ph type="body" sz="half" idx="19"/>
-          </p:nvPr>
-        </p:nvSpPr>
-        <p:spPr>
-          <a:xfrm>
-            <a:off x="3888022" y="4827210"/>
-            <a:ext cx="2934406" cy="659189"/>
-          </a:xfrm>
-        </p:spPr>
-        <p:txBody>
-          <a:bodyPr anchor="t">
-            <a:normAutofit/>
-          </a:bodyPr>
-          <a:lstStyle>
-            <a:lvl1pPr marL="0" indent="0">
-              <a:buNone/>
-              <a:defRPr sz="1400"/>
-            </a:lvl1pPr>
-            <a:lvl2pPr marL="457200" indent="0">
-              <a:buNone/>
-              <a:defRPr sz="1200"/>
-            </a:lvl2pPr>
-            <a:lvl3pPr marL="914400" indent="0">
-              <a:buNone/>
-              <a:defRPr sz="1000"/>
-            </a:lvl3pPr>
-            <a:lvl4pPr marL="1371600" indent="0">
-              <a:buNone/>
-              <a:defRPr sz="900"/>
-            </a:lvl4pPr>
-            <a:lvl5pPr marL="1828800" indent="0">
-              <a:buNone/>
-              <a:defRPr sz="900"/>
-            </a:lvl5pPr>
-            <a:lvl6pPr marL="2286000" indent="0">
-              <a:buNone/>
-              <a:defRPr sz="900"/>
-            </a:lvl6pPr>
-            <a:lvl7pPr marL="2743200" indent="0">
-              <a:buNone/>
-              <a:defRPr sz="900"/>
-            </a:lvl7pPr>
-            <a:lvl8pPr marL="3200400" indent="0">
-              <a:buNone/>
-              <a:defRPr sz="900"/>
-            </a:lvl8pPr>
-            <a:lvl9pPr marL="3657600" indent="0">
-              <a:buNone/>
-              <a:defRPr sz="900"/>
-            </a:lvl9pPr>
-          </a:lstStyle>
-          <a:p>
-            <a:pPr lvl="0"/>
-            <a:r>
-              <a:rPr lang="en-US" smtClean="0"/>
-              <a:t>Edit Master text styles</a:t>
-            </a:r>
-          </a:p>
-        </p:txBody>
-      </p:sp>
-      <p:sp>
-        <p:nvSpPr>
-          <p:cNvPr id="14" name="Text Placeholder 4"/>
-          <p:cNvSpPr>
-            <a:spLocks noGrp="1"/>
-          </p:cNvSpPr>
-          <p:nvPr>
-            <p:ph type="body" sz="quarter" idx="13"/>
-          </p:nvPr>
-        </p:nvSpPr>
-        <p:spPr>
-          <a:xfrm>
-            <a:off x="7124700" y="4250949"/>
-            <a:ext cx="2932113" cy="576262"/>
-          </a:xfrm>
-        </p:spPr>
-        <p:txBody>
-          <a:bodyPr anchor="b">
-            <a:noAutofit/>
-          </a:bodyPr>
-          <a:lstStyle>
-            <a:lvl1pPr marL="0" indent="0">
-              <a:buNone/>
-              <a:defRPr sz="2400" b="0">
-                <a:solidFill>
-                  <a:schemeClr val="bg2">
-                    <a:lumMod val="40000"/>
-                    <a:lumOff val="60000"/>
-                  </a:schemeClr>
-                </a:solidFill>
-              </a:defRPr>
-            </a:lvl1pPr>
-            <a:lvl2pPr marL="457200" indent="0">
-              <a:buNone/>
-              <a:defRPr sz="2000" b="1"/>
-            </a:lvl2pPr>
-            <a:lvl3pPr marL="914400" indent="0">
-              <a:buNone/>
-              <a:defRPr sz="1800" b="1"/>
-            </a:lvl3pPr>
-            <a:lvl4pPr marL="1371600" indent="0">
-              <a:buNone/>
-              <a:defRPr sz="1600" b="1"/>
-            </a:lvl4pPr>
-            <a:lvl5pPr marL="1828800" indent="0">
-              <a:buNone/>
-              <a:defRPr sz="1600" b="1"/>
-            </a:lvl5pPr>
-            <a:lvl6pPr marL="2286000" indent="0">
-              <a:buNone/>
-              <a:defRPr sz="1600" b="1"/>
-            </a:lvl6pPr>
-            <a:lvl7pPr marL="2743200" indent="0">
-              <a:buNone/>
-              <a:defRPr sz="1600" b="1"/>
-            </a:lvl7pPr>
-            <a:lvl8pPr marL="3200400" indent="0">
-              <a:buNone/>
-              <a:defRPr sz="1600" b="1"/>
-            </a:lvl8pPr>
-            <a:lvl9pPr marL="3657600" indent="0">
-              <a:buNone/>
-              <a:defRPr sz="1600" b="1"/>
-            </a:lvl9pPr>
-          </a:lstStyle>
-          <a:p>
-            <a:pPr lvl="0"/>
-            <a:r>
-              <a:rPr lang="en-US" smtClean="0"/>
-              <a:t>Edit Master text styles</a:t>
-            </a:r>
-          </a:p>
-        </p:txBody>
-      </p:sp>
-      <p:sp>
-        <p:nvSpPr>
-          <p:cNvPr id="31" name="Picture Placeholder 2"/>
-          <p:cNvSpPr>
-            <a:spLocks noGrp="1" noChangeAspect="1"/>
-          </p:cNvSpPr>
-          <p:nvPr>
-            <p:ph type="pic" idx="22"/>
-          </p:nvPr>
-        </p:nvSpPr>
-        <p:spPr>
-          <a:xfrm>
-            <a:off x="7124699" y="2209800"/>
-            <a:ext cx="2932113" cy="1524000"/>
-          </a:xfrm>
-          <a:prstGeom prst="roundRect">
-            <a:avLst>
-              <a:gd name="adj" fmla="val 1858"/>
-            </a:avLst>
-          </a:prstGeom>
-          <a:effectLst>
-            <a:outerShdw blurRad="50800" dist="50800" dir="5400000" algn="tl" rotWithShape="0">
-              <a:srgbClr val="000000">
-                <a:alpha val="43000"/>
-              </a:srgbClr>
-            </a:outerShdw>
-          </a:effectLst>
-        </p:spPr>
-        <p:txBody>
-          <a:bodyPr anchor="t">
-            <a:normAutofit/>
-          </a:bodyPr>
-          <a:lstStyle>
-            <a:lvl1pPr marL="0" indent="0" algn="ctr">
-              <a:buNone/>
-              <a:defRPr sz="1600"/>
-            </a:lvl1pPr>
-            <a:lvl2pPr marL="457200" indent="0">
-              <a:buNone/>
-              <a:defRPr sz="1600"/>
-            </a:lvl2pPr>
-            <a:lvl3pPr marL="914400" indent="0">
-              <a:buNone/>
-              <a:defRPr sz="1600"/>
-            </a:lvl3pPr>
-            <a:lvl4pPr marL="1371600" indent="0">
-              <a:buNone/>
-              <a:defRPr sz="1600"/>
-            </a:lvl4pPr>
-            <a:lvl5pPr marL="1828800" indent="0">
-              <a:buNone/>
-              <a:defRPr sz="1600"/>
-            </a:lvl5pPr>
-            <a:lvl6pPr marL="2286000" indent="0">
-              <a:buNone/>
-              <a:defRPr sz="1600"/>
-            </a:lvl6pPr>
-            <a:lvl7pPr marL="2743200" indent="0">
-              <a:buNone/>
-              <a:defRPr sz="1600"/>
-            </a:lvl7pPr>
-            <a:lvl8pPr marL="3200400" indent="0">
-              <a:buNone/>
-              <a:defRPr sz="1600"/>
-            </a:lvl8pPr>
-            <a:lvl9pPr marL="3657600" indent="0">
-              <a:buNone/>
-              <a:defRPr sz="1600"/>
-            </a:lvl9pPr>
-          </a:lstStyle>
-          <a:p>
-            <a:r>
-              <a:rPr lang="en-US" smtClean="0"/>
-              <a:t>Click icon to add picture</a:t>
-            </a:r>
-            <a:endParaRPr lang="en-US" dirty="0"/>
-          </a:p>
-        </p:txBody>
-      </p:sp>
-      <p:sp>
-        <p:nvSpPr>
-          <p:cNvPr id="24" name="Text Placeholder 3"/>
-          <p:cNvSpPr>
-            <a:spLocks noGrp="1"/>
-          </p:cNvSpPr>
-          <p:nvPr>
-            <p:ph type="body" sz="half" idx="20"/>
-          </p:nvPr>
-        </p:nvSpPr>
-        <p:spPr>
-          <a:xfrm>
-            <a:off x="7124575" y="4827208"/>
-            <a:ext cx="2935997" cy="659189"/>
-          </a:xfrm>
-        </p:spPr>
-        <p:txBody>
-          <a:bodyPr anchor="t">
-            <a:normAutofit/>
-          </a:bodyPr>
-          <a:lstStyle>
-            <a:lvl1pPr marL="0" indent="0">
-              <a:buNone/>
-              <a:defRPr sz="1400"/>
-            </a:lvl1pPr>
-            <a:lvl2pPr marL="457200" indent="0">
-              <a:buNone/>
-              <a:defRPr sz="1200"/>
-            </a:lvl2pPr>
-            <a:lvl3pPr marL="914400" indent="0">
-              <a:buNone/>
-              <a:defRPr sz="1000"/>
-            </a:lvl3pPr>
-            <a:lvl4pPr marL="1371600" indent="0">
-              <a:buNone/>
-              <a:defRPr sz="900"/>
-            </a:lvl4pPr>
-            <a:lvl5pPr marL="1828800" indent="0">
-              <a:buNone/>
-              <a:defRPr sz="900"/>
-            </a:lvl5pPr>
-            <a:lvl6pPr marL="2286000" indent="0">
-              <a:buNone/>
-              <a:defRPr sz="900"/>
-            </a:lvl6pPr>
-            <a:lvl7pPr marL="2743200" indent="0">
-              <a:buNone/>
-              <a:defRPr sz="900"/>
-            </a:lvl7pPr>
-            <a:lvl8pPr marL="3200400" indent="0">
-              <a:buNone/>
-              <a:defRPr sz="900"/>
-            </a:lvl8pPr>
-            <a:lvl9pPr marL="3657600" indent="0">
-              <a:buNone/>
-              <a:defRPr sz="900"/>
-            </a:lvl9pPr>
-          </a:lstStyle>
-          <a:p>
-            <a:pPr lvl="0"/>
-            <a:r>
-              <a:rPr lang="en-US" smtClean="0"/>
-              <a:t>Edit Master text styles</a:t>
-            </a:r>
-          </a:p>
-        </p:txBody>
-      </p:sp>
-      <p:cxnSp>
-        <p:nvCxnSpPr>
-          <p:cNvPr id="19" name="Straight Connector 18"/>
-          <p:cNvCxnSpPr/>
-          <p:nvPr/>
-        </p:nvCxnSpPr>
-        <p:spPr>
-          <a:xfrm>
-            <a:off x="3726142" y="2133600"/>
-            <a:ext cx="0" cy="3962400"/>
-          </a:xfrm>
-          <a:prstGeom prst="line">
-            <a:avLst/>
-          </a:prstGeom>
-          <a:ln w="12700" cmpd="sng">
-            <a:solidFill>
-              <a:schemeClr val="bg2">
-                <a:lumMod val="40000"/>
-                <a:lumOff val="60000"/>
-                <a:alpha val="40000"/>
-              </a:schemeClr>
-            </a:solidFill>
-          </a:ln>
-        </p:spPr>
-        <p:style>
-          <a:lnRef idx="2">
-            <a:schemeClr val="accent1"/>
-          </a:lnRef>
-          <a:fillRef idx="0">
-            <a:schemeClr val="accent1"/>
-          </a:fillRef>
-          <a:effectRef idx="1">
-            <a:schemeClr val="accent1"/>
-          </a:effectRef>
-          <a:fontRef idx="minor">
-            <a:schemeClr val="tx1"/>
-          </a:fontRef>
-        </p:style>
-      </p:cxnSp>
-      <p:cxnSp>
-        <p:nvCxnSpPr>
-          <p:cNvPr id="20" name="Straight Connector 19"/>
-          <p:cNvCxnSpPr/>
-          <p:nvPr/>
-        </p:nvCxnSpPr>
-        <p:spPr>
-          <a:xfrm>
-            <a:off x="6962227" y="2133600"/>
-            <a:ext cx="0" cy="3966882"/>
-          </a:xfrm>
-          <a:prstGeom prst="line">
-            <a:avLst/>
-          </a:prstGeom>
-          <a:ln w="12700" cmpd="sng">
-            <a:solidFill>
-              <a:schemeClr val="bg2">
-                <a:lumMod val="40000"/>
-                <a:lumOff val="60000"/>
-                <a:alpha val="40000"/>
-              </a:schemeClr>
-            </a:solidFill>
-          </a:ln>
-        </p:spPr>
-        <p:style>
-          <a:lnRef idx="2">
-            <a:schemeClr val="accent1"/>
-          </a:lnRef>
-          <a:fillRef idx="0">
-            <a:schemeClr val="accent1"/>
-          </a:fillRef>
-          <a:effectRef idx="1">
-            <a:schemeClr val="accent1"/>
-          </a:effectRef>
-          <a:fontRef idx="minor">
-            <a:schemeClr val="tx1"/>
-          </a:fontRef>
-        </p:style>
-      </p:cxnSp>
-      <p:sp>
-        <p:nvSpPr>
-          <p:cNvPr id="7" name="Date Placeholder 3"/>
+          <p:cNvPr id="4" name="Date Placeholder 3"/>
           <p:cNvSpPr>
             <a:spLocks noGrp="1"/>
           </p:cNvSpPr>
@@ -2885,7 +2468,7 @@
       </p:sp>
       <p:sp>
         <p:nvSpPr>
-          <p:cNvPr id="4" name="Footer Placeholder 4"/>
+          <p:cNvPr id="5" name="Footer Placeholder 4"/>
           <p:cNvSpPr>
             <a:spLocks noGrp="1"/>
           </p:cNvSpPr>
@@ -2928,7 +2511,7 @@
     </p:spTree>
     <p:extLst>
       <p:ext uri="{BB962C8B-B14F-4D97-AF65-F5344CB8AC3E}">
-        <p14:creationId xmlns:p14="http://schemas.microsoft.com/office/powerpoint/2010/main" val="4108419157"/>
+        <p14:creationId xmlns:p14="http://schemas.microsoft.com/office/powerpoint/2010/main" val="72484045"/>
       </p:ext>
     </p:extLst>
   </p:cSld>
@@ -2938,7 +2521,7 @@
 </p:sldLayout>
 </file>
 
-<file path=ppt/slideLayouts/slideLayout16.xml><?xml version="1.0" encoding="utf-8"?>
+<file path=ppt/slideLayouts/slideLayout15.xml><?xml version="1.0" encoding="utf-8"?>
 <p:sldLayout xmlns:a="http://schemas.openxmlformats.org/drawingml/2006/main" xmlns:r="http://schemas.openxmlformats.org/officeDocument/2006/relationships" xmlns:p="http://schemas.openxmlformats.org/presentationml/2006/main" type="vertTx" preserve="1">
   <p:cSld name="Title and Vertical Text">
     <p:spTree>
@@ -2990,7 +2573,7 @@
         </p:nvSpPr>
         <p:spPr/>
         <p:txBody>
-          <a:bodyPr vert="eaVert" anchor="t" anchorCtr="0"/>
+          <a:bodyPr vert="eaVert"/>
           <a:lstStyle/>
           <a:p>
             <a:pPr lvl="0"/>
@@ -3098,7 +2681,7 @@
     </p:spTree>
     <p:extLst>
       <p:ext uri="{BB962C8B-B14F-4D97-AF65-F5344CB8AC3E}">
-        <p14:creationId xmlns:p14="http://schemas.microsoft.com/office/powerpoint/2010/main" val="1688329842"/>
+        <p14:creationId xmlns:p14="http://schemas.microsoft.com/office/powerpoint/2010/main" val="2206717064"/>
       </p:ext>
     </p:extLst>
   </p:cSld>
@@ -3108,7 +2691,7 @@
 </p:sldLayout>
 </file>
 
-<file path=ppt/slideLayouts/slideLayout17.xml><?xml version="1.0" encoding="utf-8"?>
+<file path=ppt/slideLayouts/slideLayout16.xml><?xml version="1.0" encoding="utf-8"?>
 <p:sldLayout xmlns:a="http://schemas.openxmlformats.org/drawingml/2006/main" xmlns:r="http://schemas.openxmlformats.org/officeDocument/2006/relationships" xmlns:p="http://schemas.openxmlformats.org/presentationml/2006/main" type="vertTitleAndTx" preserve="1">
   <p:cSld name="Vertical Title and Text">
     <p:spTree>
@@ -3137,12 +2720,12 @@
         </p:nvSpPr>
         <p:spPr>
           <a:xfrm>
-            <a:off x="8304212" y="430213"/>
-            <a:ext cx="1752601" cy="5826125"/>
+            <a:off x="7967673" y="609599"/>
+            <a:ext cx="1304743" cy="5251451"/>
           </a:xfrm>
         </p:spPr>
         <p:txBody>
-          <a:bodyPr vert="eaVert" anchor="b" anchorCtr="0"/>
+          <a:bodyPr vert="eaVert" anchor="ctr"/>
           <a:lstStyle/>
           <a:p>
             <a:r>
@@ -3165,8 +2748,8 @@
         </p:nvSpPr>
         <p:spPr>
           <a:xfrm>
-            <a:off x="652463" y="887414"/>
-            <a:ext cx="7423149" cy="5368924"/>
+            <a:off x="677335" y="609600"/>
+            <a:ext cx="7060150" cy="5251450"/>
           </a:xfrm>
         </p:spPr>
         <p:txBody>
@@ -3278,7 +2861,7 @@
     </p:spTree>
     <p:extLst>
       <p:ext uri="{BB962C8B-B14F-4D97-AF65-F5344CB8AC3E}">
-        <p14:creationId xmlns:p14="http://schemas.microsoft.com/office/powerpoint/2010/main" val="2176974729"/>
+        <p14:creationId xmlns:p14="http://schemas.microsoft.com/office/powerpoint/2010/main" val="1121468924"/>
       </p:ext>
     </p:extLst>
   </p:cSld>
@@ -3317,12 +2900,70 @@
         </p:nvSpPr>
         <p:spPr/>
         <p:txBody>
+          <a:bodyPr>
+            <a:normAutofit/>
+          </a:bodyPr>
+          <a:lstStyle>
+            <a:lvl1pPr>
+              <a:defRPr sz="3600"/>
+            </a:lvl1pPr>
+          </a:lstStyle>
+          <a:p>
+            <a:r>
+              <a:rPr lang="en-US" smtClean="0"/>
+              <a:t>Click to edit Master title style</a:t>
+            </a:r>
+            <a:endParaRPr lang="en-US" dirty="0"/>
+          </a:p>
+        </p:txBody>
+      </p:sp>
+      <p:sp>
+        <p:nvSpPr>
+          <p:cNvPr id="3" name="Content Placeholder 2"/>
+          <p:cNvSpPr>
+            <a:spLocks noGrp="1"/>
+          </p:cNvSpPr>
+          <p:nvPr>
+            <p:ph idx="1"/>
+          </p:nvPr>
+        </p:nvSpPr>
+        <p:spPr/>
+        <p:txBody>
           <a:bodyPr/>
           <a:lstStyle/>
           <a:p>
-            <a:r>
-              <a:rPr lang="en-US" smtClean="0"/>
-              <a:t>Click to edit Master title style</a:t>
+            <a:pPr lvl="0"/>
+            <a:r>
+              <a:rPr lang="en-US" smtClean="0"/>
+              <a:t>Edit Master text styles</a:t>
+            </a:r>
+          </a:p>
+          <a:p>
+            <a:pPr lvl="1"/>
+            <a:r>
+              <a:rPr lang="en-US" smtClean="0"/>
+              <a:t>Second level</a:t>
+            </a:r>
+          </a:p>
+          <a:p>
+            <a:pPr lvl="2"/>
+            <a:r>
+              <a:rPr lang="en-US" smtClean="0"/>
+              <a:t>Third level</a:t>
+            </a:r>
+          </a:p>
+          <a:p>
+            <a:pPr lvl="3"/>
+            <a:r>
+              <a:rPr lang="en-US" smtClean="0"/>
+              <a:t>Fourth level</a:t>
+            </a:r>
+          </a:p>
+          <a:p>
+            <a:pPr lvl="4"/>
+            <a:r>
+              <a:rPr lang="en-US" smtClean="0"/>
+              <a:t>Fifth level</a:t>
             </a:r>
             <a:endParaRPr lang="en-US" dirty="0"/>
           </a:p>
@@ -3330,59 +2971,7 @@
       </p:sp>
       <p:sp>
         <p:nvSpPr>
-          <p:cNvPr id="3" name="Content Placeholder 2"/>
-          <p:cNvSpPr>
-            <a:spLocks noGrp="1"/>
-          </p:cNvSpPr>
-          <p:nvPr>
-            <p:ph idx="1"/>
-          </p:nvPr>
-        </p:nvSpPr>
-        <p:spPr/>
-        <p:txBody>
-          <a:bodyPr/>
-          <a:lstStyle/>
-          <a:p>
-            <a:pPr lvl="0"/>
-            <a:r>
-              <a:rPr lang="en-US" smtClean="0"/>
-              <a:t>Edit Master text styles</a:t>
-            </a:r>
-          </a:p>
-          <a:p>
-            <a:pPr lvl="1"/>
-            <a:r>
-              <a:rPr lang="en-US" smtClean="0"/>
-              <a:t>Second level</a:t>
-            </a:r>
-          </a:p>
-          <a:p>
-            <a:pPr lvl="2"/>
-            <a:r>
-              <a:rPr lang="en-US" smtClean="0"/>
-              <a:t>Third level</a:t>
-            </a:r>
-          </a:p>
-          <a:p>
-            <a:pPr lvl="3"/>
-            <a:r>
-              <a:rPr lang="en-US" smtClean="0"/>
-              <a:t>Fourth level</a:t>
-            </a:r>
-          </a:p>
-          <a:p>
-            <a:pPr lvl="4"/>
-            <a:r>
-              <a:rPr lang="en-US" smtClean="0"/>
-              <a:t>Fifth level</a:t>
-            </a:r>
-            <a:endParaRPr lang="en-US" dirty="0"/>
-          </a:p>
-        </p:txBody>
-      </p:sp>
-      <p:sp>
-        <p:nvSpPr>
-          <p:cNvPr id="7" name="Date Placeholder 3"/>
+          <p:cNvPr id="4" name="Date Placeholder 3"/>
           <p:cNvSpPr>
             <a:spLocks noGrp="1"/>
           </p:cNvSpPr>
@@ -3448,7 +3037,7 @@
     </p:spTree>
     <p:extLst>
       <p:ext uri="{BB962C8B-B14F-4D97-AF65-F5344CB8AC3E}">
-        <p14:creationId xmlns:p14="http://schemas.microsoft.com/office/powerpoint/2010/main" val="2603770253"/>
+        <p14:creationId xmlns:p14="http://schemas.microsoft.com/office/powerpoint/2010/main" val="2137818181"/>
       </p:ext>
     </p:extLst>
   </p:cSld>
@@ -3487,8 +3076,8 @@
         </p:nvSpPr>
         <p:spPr>
           <a:xfrm>
-            <a:off x="1154956" y="2861733"/>
-            <a:ext cx="8825657" cy="1915647"/>
+            <a:off x="677335" y="2700867"/>
+            <a:ext cx="8596668" cy="1826581"/>
           </a:xfrm>
         </p:spPr>
         <p:txBody>
@@ -3519,8 +3108,8 @@
         </p:nvSpPr>
         <p:spPr>
           <a:xfrm>
-            <a:off x="1154955" y="4777381"/>
-            <a:ext cx="8825658" cy="860400"/>
+            <a:off x="677335" y="4527448"/>
+            <a:ext cx="8596668" cy="860400"/>
           </a:xfrm>
         </p:spPr>
         <p:txBody>
@@ -3528,11 +3117,11 @@
           <a:lstStyle>
             <a:lvl1pPr marL="0" indent="0" algn="l">
               <a:buNone/>
-              <a:defRPr sz="2000" cap="all">
-                <a:solidFill>
-                  <a:schemeClr val="bg2">
-                    <a:lumMod val="40000"/>
-                    <a:lumOff val="60000"/>
+              <a:defRPr sz="2000">
+                <a:solidFill>
+                  <a:schemeClr val="tx1">
+                    <a:lumMod val="50000"/>
+                    <a:lumOff val="50000"/>
                   </a:schemeClr>
                 </a:solidFill>
               </a:defRPr>
@@ -3695,7 +3284,7 @@
     </p:spTree>
     <p:extLst>
       <p:ext uri="{BB962C8B-B14F-4D97-AF65-F5344CB8AC3E}">
-        <p14:creationId xmlns:p14="http://schemas.microsoft.com/office/powerpoint/2010/main" val="790817963"/>
+        <p14:creationId xmlns:p14="http://schemas.microsoft.com/office/powerpoint/2010/main" val="627016056"/>
       </p:ext>
     </p:extLst>
   </p:cSld>
@@ -3757,43 +3346,13 @@
         </p:nvSpPr>
         <p:spPr>
           <a:xfrm>
-            <a:off x="1103312" y="2060575"/>
-            <a:ext cx="4396339" cy="4195763"/>
+            <a:off x="677334" y="2160589"/>
+            <a:ext cx="4184035" cy="3880772"/>
           </a:xfrm>
         </p:spPr>
         <p:txBody>
-          <a:bodyPr>
-            <a:normAutofit/>
-          </a:bodyPr>
-          <a:lstStyle>
-            <a:lvl1pPr>
-              <a:defRPr sz="1800"/>
-            </a:lvl1pPr>
-            <a:lvl2pPr>
-              <a:defRPr sz="1600"/>
-            </a:lvl2pPr>
-            <a:lvl3pPr>
-              <a:defRPr sz="1400"/>
-            </a:lvl3pPr>
-            <a:lvl4pPr>
-              <a:defRPr sz="1200"/>
-            </a:lvl4pPr>
-            <a:lvl5pPr>
-              <a:defRPr sz="1200"/>
-            </a:lvl5pPr>
-            <a:lvl6pPr>
-              <a:defRPr sz="1200"/>
-            </a:lvl6pPr>
-            <a:lvl7pPr>
-              <a:defRPr sz="1200"/>
-            </a:lvl7pPr>
-            <a:lvl8pPr>
-              <a:defRPr sz="1200"/>
-            </a:lvl8pPr>
-            <a:lvl9pPr>
-              <a:defRPr sz="1200"/>
-            </a:lvl9pPr>
-          </a:lstStyle>
+          <a:bodyPr/>
+          <a:lstStyle/>
           <a:p>
             <a:pPr lvl="0"/>
             <a:r>
@@ -3844,43 +3403,13 @@
         </p:nvSpPr>
         <p:spPr>
           <a:xfrm>
-            <a:off x="5654493" y="2056092"/>
-            <a:ext cx="4396341" cy="4200245"/>
+            <a:off x="5089970" y="2160589"/>
+            <a:ext cx="4184034" cy="3880773"/>
           </a:xfrm>
         </p:spPr>
         <p:txBody>
-          <a:bodyPr>
-            <a:normAutofit/>
-          </a:bodyPr>
-          <a:lstStyle>
-            <a:lvl1pPr>
-              <a:defRPr sz="1800"/>
-            </a:lvl1pPr>
-            <a:lvl2pPr>
-              <a:defRPr sz="1600"/>
-            </a:lvl2pPr>
-            <a:lvl3pPr>
-              <a:defRPr sz="1400"/>
-            </a:lvl3pPr>
-            <a:lvl4pPr>
-              <a:defRPr sz="1200"/>
-            </a:lvl4pPr>
-            <a:lvl5pPr>
-              <a:defRPr sz="1200"/>
-            </a:lvl5pPr>
-            <a:lvl6pPr>
-              <a:defRPr sz="1200"/>
-            </a:lvl6pPr>
-            <a:lvl7pPr>
-              <a:defRPr sz="1200"/>
-            </a:lvl7pPr>
-            <a:lvl8pPr>
-              <a:defRPr sz="1200"/>
-            </a:lvl8pPr>
-            <a:lvl9pPr>
-              <a:defRPr sz="1200"/>
-            </a:lvl9pPr>
-          </a:lstStyle>
+          <a:bodyPr/>
+          <a:lstStyle/>
           <a:p>
             <a:pPr lvl="0"/>
             <a:r>
@@ -3987,7 +3516,7 @@
     </p:spTree>
     <p:extLst>
       <p:ext uri="{BB962C8B-B14F-4D97-AF65-F5344CB8AC3E}">
-        <p14:creationId xmlns:p14="http://schemas.microsoft.com/office/powerpoint/2010/main" val="2632600778"/>
+        <p14:creationId xmlns:p14="http://schemas.microsoft.com/office/powerpoint/2010/main" val="202068205"/>
       </p:ext>
     </p:extLst>
   </p:cSld>
@@ -4053,8 +3582,8 @@
         </p:nvSpPr>
         <p:spPr>
           <a:xfrm>
-            <a:off x="1103313" y="1905000"/>
-            <a:ext cx="4396338" cy="576262"/>
+            <a:off x="675745" y="2160983"/>
+            <a:ext cx="4185623" cy="576262"/>
           </a:xfrm>
         </p:spPr>
         <p:txBody>
@@ -4064,14 +3593,7 @@
           <a:lstStyle>
             <a:lvl1pPr marL="0" indent="0">
               <a:buNone/>
-              <a:defRPr sz="2400" b="0">
-                <a:solidFill>
-                  <a:schemeClr val="bg2">
-                    <a:lumMod val="40000"/>
-                    <a:lumOff val="60000"/>
-                  </a:schemeClr>
-                </a:solidFill>
-              </a:defRPr>
+              <a:defRPr sz="2400" b="0"/>
             </a:lvl1pPr>
             <a:lvl2pPr marL="457200" indent="0">
               <a:buNone/>
@@ -4127,43 +3649,15 @@
         </p:nvSpPr>
         <p:spPr>
           <a:xfrm>
-            <a:off x="1103312" y="2514600"/>
-            <a:ext cx="4396339" cy="3741738"/>
+            <a:off x="675745" y="2737245"/>
+            <a:ext cx="4185623" cy="3304117"/>
           </a:xfrm>
         </p:spPr>
         <p:txBody>
           <a:bodyPr>
             <a:normAutofit/>
           </a:bodyPr>
-          <a:lstStyle>
-            <a:lvl1pPr>
-              <a:defRPr sz="1800"/>
-            </a:lvl1pPr>
-            <a:lvl2pPr>
-              <a:defRPr sz="1600"/>
-            </a:lvl2pPr>
-            <a:lvl3pPr>
-              <a:defRPr sz="1400"/>
-            </a:lvl3pPr>
-            <a:lvl4pPr>
-              <a:defRPr sz="1200"/>
-            </a:lvl4pPr>
-            <a:lvl5pPr>
-              <a:defRPr sz="1200"/>
-            </a:lvl5pPr>
-            <a:lvl6pPr>
-              <a:defRPr sz="1200"/>
-            </a:lvl6pPr>
-            <a:lvl7pPr>
-              <a:defRPr sz="1200"/>
-            </a:lvl7pPr>
-            <a:lvl8pPr>
-              <a:defRPr sz="1200"/>
-            </a:lvl8pPr>
-            <a:lvl9pPr>
-              <a:defRPr sz="1200"/>
-            </a:lvl9pPr>
-          </a:lstStyle>
+          <a:lstStyle/>
           <a:p>
             <a:pPr lvl="0"/>
             <a:r>
@@ -4214,8 +3708,8 @@
         </p:nvSpPr>
         <p:spPr>
           <a:xfrm>
-            <a:off x="5654495" y="1905000"/>
-            <a:ext cx="4396339" cy="576262"/>
+            <a:off x="5088383" y="2160983"/>
+            <a:ext cx="4185618" cy="576262"/>
           </a:xfrm>
         </p:spPr>
         <p:txBody>
@@ -4225,14 +3719,7 @@
           <a:lstStyle>
             <a:lvl1pPr marL="0" indent="0">
               <a:buNone/>
-              <a:defRPr sz="2400" b="0">
-                <a:solidFill>
-                  <a:schemeClr val="bg2">
-                    <a:lumMod val="40000"/>
-                    <a:lumOff val="60000"/>
-                  </a:schemeClr>
-                </a:solidFill>
-              </a:defRPr>
+              <a:defRPr sz="2400" b="0"/>
             </a:lvl1pPr>
             <a:lvl2pPr marL="457200" indent="0">
               <a:buNone/>
@@ -4288,43 +3775,15 @@
         </p:nvSpPr>
         <p:spPr>
           <a:xfrm>
-            <a:off x="5654495" y="2514600"/>
-            <a:ext cx="4396339" cy="3741738"/>
+            <a:off x="5088384" y="2737245"/>
+            <a:ext cx="4185617" cy="3304117"/>
           </a:xfrm>
         </p:spPr>
         <p:txBody>
           <a:bodyPr>
             <a:normAutofit/>
           </a:bodyPr>
-          <a:lstStyle>
-            <a:lvl1pPr>
-              <a:defRPr sz="1800"/>
-            </a:lvl1pPr>
-            <a:lvl2pPr>
-              <a:defRPr sz="1600"/>
-            </a:lvl2pPr>
-            <a:lvl3pPr>
-              <a:defRPr sz="1400"/>
-            </a:lvl3pPr>
-            <a:lvl4pPr>
-              <a:defRPr sz="1200"/>
-            </a:lvl4pPr>
-            <a:lvl5pPr>
-              <a:defRPr sz="1200"/>
-            </a:lvl5pPr>
-            <a:lvl6pPr>
-              <a:defRPr sz="1200"/>
-            </a:lvl6pPr>
-            <a:lvl7pPr>
-              <a:defRPr sz="1200"/>
-            </a:lvl7pPr>
-            <a:lvl8pPr>
-              <a:defRPr sz="1200"/>
-            </a:lvl8pPr>
-            <a:lvl9pPr>
-              <a:defRPr sz="1200"/>
-            </a:lvl9pPr>
-          </a:lstStyle>
+          <a:lstStyle/>
           <a:p>
             <a:pPr lvl="0"/>
             <a:r>
@@ -4431,7 +3890,7 @@
     </p:spTree>
     <p:extLst>
       <p:ext uri="{BB962C8B-B14F-4D97-AF65-F5344CB8AC3E}">
-        <p14:creationId xmlns:p14="http://schemas.microsoft.com/office/powerpoint/2010/main" val="1785022429"/>
+        <p14:creationId xmlns:p14="http://schemas.microsoft.com/office/powerpoint/2010/main" val="329848565"/>
       </p:ext>
     </p:extLst>
   </p:cSld>
@@ -4468,7 +3927,12 @@
             <p:ph type="title"/>
           </p:nvPr>
         </p:nvSpPr>
-        <p:spPr/>
+        <p:spPr>
+          <a:xfrm>
+            <a:off x="677334" y="609600"/>
+            <a:ext cx="8596668" cy="1320800"/>
+          </a:xfrm>
+        </p:spPr>
         <p:txBody>
           <a:bodyPr/>
           <a:lstStyle/>
@@ -4483,7 +3947,7 @@
       </p:sp>
       <p:sp>
         <p:nvSpPr>
-          <p:cNvPr id="7" name="Date Placeholder 2"/>
+          <p:cNvPr id="3" name="Date Placeholder 2"/>
           <p:cNvSpPr>
             <a:spLocks noGrp="1"/>
           </p:cNvSpPr>
@@ -4506,7 +3970,7 @@
       </p:sp>
       <p:sp>
         <p:nvSpPr>
-          <p:cNvPr id="5" name="Footer Placeholder 3"/>
+          <p:cNvPr id="4" name="Footer Placeholder 3"/>
           <p:cNvSpPr>
             <a:spLocks noGrp="1"/>
           </p:cNvSpPr>
@@ -4525,7 +3989,7 @@
       </p:sp>
       <p:sp>
         <p:nvSpPr>
-          <p:cNvPr id="6" name="Slide Number Placeholder 4"/>
+          <p:cNvPr id="5" name="Slide Number Placeholder 4"/>
           <p:cNvSpPr>
             <a:spLocks noGrp="1"/>
           </p:cNvSpPr>
@@ -4549,7 +4013,7 @@
     </p:spTree>
     <p:extLst>
       <p:ext uri="{BB962C8B-B14F-4D97-AF65-F5344CB8AC3E}">
-        <p14:creationId xmlns:p14="http://schemas.microsoft.com/office/powerpoint/2010/main" val="3994900632"/>
+        <p14:creationId xmlns:p14="http://schemas.microsoft.com/office/powerpoint/2010/main" val="668387897"/>
       </p:ext>
     </p:extLst>
   </p:cSld>
@@ -4578,7 +4042,7 @@
       </p:grpSpPr>
       <p:sp>
         <p:nvSpPr>
-          <p:cNvPr id="7" name="Date Placeholder 1"/>
+          <p:cNvPr id="2" name="Date Placeholder 1"/>
           <p:cNvSpPr>
             <a:spLocks noGrp="1"/>
           </p:cNvSpPr>
@@ -4601,7 +4065,7 @@
       </p:sp>
       <p:sp>
         <p:nvSpPr>
-          <p:cNvPr id="5" name="Footer Placeholder 2"/>
+          <p:cNvPr id="3" name="Footer Placeholder 2"/>
           <p:cNvSpPr>
             <a:spLocks noGrp="1"/>
           </p:cNvSpPr>
@@ -4620,7 +4084,7 @@
       </p:sp>
       <p:sp>
         <p:nvSpPr>
-          <p:cNvPr id="6" name="Slide Number Placeholder 3"/>
+          <p:cNvPr id="4" name="Slide Number Placeholder 3"/>
           <p:cNvSpPr>
             <a:spLocks noGrp="1"/>
           </p:cNvSpPr>
@@ -4644,7 +4108,7 @@
     </p:spTree>
     <p:extLst>
       <p:ext uri="{BB962C8B-B14F-4D97-AF65-F5344CB8AC3E}">
-        <p14:creationId xmlns:p14="http://schemas.microsoft.com/office/powerpoint/2010/main" val="4233209531"/>
+        <p14:creationId xmlns:p14="http://schemas.microsoft.com/office/powerpoint/2010/main" val="3582293159"/>
       </p:ext>
     </p:extLst>
   </p:cSld>
@@ -4683,73 +4147,143 @@
         </p:nvSpPr>
         <p:spPr>
           <a:xfrm>
-            <a:off x="1154953" y="1447800"/>
-            <a:ext cx="3401064" cy="1447800"/>
+            <a:off x="677334" y="1498604"/>
+            <a:ext cx="3854528" cy="1278466"/>
           </a:xfrm>
         </p:spPr>
         <p:txBody>
-          <a:bodyPr anchor="b"/>
-          <a:lstStyle>
-            <a:lvl1pPr algn="l">
-              <a:defRPr sz="2400" b="0"/>
-            </a:lvl1pPr>
-          </a:lstStyle>
-          <a:p>
-            <a:r>
-              <a:rPr lang="en-US" smtClean="0"/>
-              <a:t>Click to edit Master title style</a:t>
-            </a:r>
-            <a:endParaRPr lang="en-US" dirty="0"/>
-          </a:p>
-        </p:txBody>
-      </p:sp>
-      <p:sp>
-        <p:nvSpPr>
-          <p:cNvPr id="3" name="Content Placeholder 2"/>
-          <p:cNvSpPr>
-            <a:spLocks noGrp="1"/>
-          </p:cNvSpPr>
-          <p:nvPr>
-            <p:ph idx="1"/>
-          </p:nvPr>
-        </p:nvSpPr>
-        <p:spPr>
-          <a:xfrm>
-            <a:off x="4784616" y="1447800"/>
-            <a:ext cx="5195997" cy="4572000"/>
-          </a:xfrm>
-        </p:spPr>
-        <p:txBody>
-          <a:bodyPr anchor="ctr">
+          <a:bodyPr anchor="b">
             <a:normAutofit/>
           </a:bodyPr>
           <a:lstStyle>
             <a:lvl1pPr>
               <a:defRPr sz="2000"/>
             </a:lvl1pPr>
-            <a:lvl2pPr>
-              <a:defRPr sz="1800"/>
+          </a:lstStyle>
+          <a:p>
+            <a:r>
+              <a:rPr lang="en-US" smtClean="0"/>
+              <a:t>Click to edit Master title style</a:t>
+            </a:r>
+            <a:endParaRPr lang="en-US" dirty="0"/>
+          </a:p>
+        </p:txBody>
+      </p:sp>
+      <p:sp>
+        <p:nvSpPr>
+          <p:cNvPr id="3" name="Content Placeholder 2"/>
+          <p:cNvSpPr>
+            <a:spLocks noGrp="1"/>
+          </p:cNvSpPr>
+          <p:nvPr>
+            <p:ph idx="1"/>
+          </p:nvPr>
+        </p:nvSpPr>
+        <p:spPr>
+          <a:xfrm>
+            <a:off x="4760461" y="514924"/>
+            <a:ext cx="4513541" cy="5526437"/>
+          </a:xfrm>
+        </p:spPr>
+        <p:txBody>
+          <a:bodyPr>
+            <a:normAutofit/>
+          </a:bodyPr>
+          <a:lstStyle/>
+          <a:p>
+            <a:pPr lvl="0"/>
+            <a:r>
+              <a:rPr lang="en-US" smtClean="0"/>
+              <a:t>Edit Master text styles</a:t>
+            </a:r>
+          </a:p>
+          <a:p>
+            <a:pPr lvl="1"/>
+            <a:r>
+              <a:rPr lang="en-US" smtClean="0"/>
+              <a:t>Second level</a:t>
+            </a:r>
+          </a:p>
+          <a:p>
+            <a:pPr lvl="2"/>
+            <a:r>
+              <a:rPr lang="en-US" smtClean="0"/>
+              <a:t>Third level</a:t>
+            </a:r>
+          </a:p>
+          <a:p>
+            <a:pPr lvl="3"/>
+            <a:r>
+              <a:rPr lang="en-US" smtClean="0"/>
+              <a:t>Fourth level</a:t>
+            </a:r>
+          </a:p>
+          <a:p>
+            <a:pPr lvl="4"/>
+            <a:r>
+              <a:rPr lang="en-US" smtClean="0"/>
+              <a:t>Fifth level</a:t>
+            </a:r>
+            <a:endParaRPr lang="en-US" dirty="0"/>
+          </a:p>
+        </p:txBody>
+      </p:sp>
+      <p:sp>
+        <p:nvSpPr>
+          <p:cNvPr id="4" name="Text Placeholder 3"/>
+          <p:cNvSpPr>
+            <a:spLocks noGrp="1"/>
+          </p:cNvSpPr>
+          <p:nvPr>
+            <p:ph type="body" sz="half" idx="2"/>
+          </p:nvPr>
+        </p:nvSpPr>
+        <p:spPr>
+          <a:xfrm>
+            <a:off x="677334" y="2777069"/>
+            <a:ext cx="3854528" cy="2584449"/>
+          </a:xfrm>
+        </p:spPr>
+        <p:txBody>
+          <a:bodyPr>
+            <a:normAutofit/>
+          </a:bodyPr>
+          <a:lstStyle>
+            <a:lvl1pPr marL="0" indent="0">
+              <a:buNone/>
+              <a:defRPr sz="1400"/>
+            </a:lvl1pPr>
+            <a:lvl2pPr marL="457063" indent="0">
+              <a:buNone/>
+              <a:defRPr sz="1400"/>
             </a:lvl2pPr>
-            <a:lvl3pPr>
-              <a:defRPr sz="1600"/>
+            <a:lvl3pPr marL="914126" indent="0">
+              <a:buNone/>
+              <a:defRPr sz="1200"/>
             </a:lvl3pPr>
-            <a:lvl4pPr>
-              <a:defRPr sz="1400"/>
+            <a:lvl4pPr marL="1371189" indent="0">
+              <a:buNone/>
+              <a:defRPr sz="1000"/>
             </a:lvl4pPr>
-            <a:lvl5pPr>
-              <a:defRPr sz="1400"/>
+            <a:lvl5pPr marL="1828251" indent="0">
+              <a:buNone/>
+              <a:defRPr sz="1000"/>
             </a:lvl5pPr>
-            <a:lvl6pPr>
-              <a:defRPr sz="1400"/>
+            <a:lvl6pPr marL="2285314" indent="0">
+              <a:buNone/>
+              <a:defRPr sz="1000"/>
             </a:lvl6pPr>
-            <a:lvl7pPr>
-              <a:defRPr sz="1400"/>
+            <a:lvl7pPr marL="2742377" indent="0">
+              <a:buNone/>
+              <a:defRPr sz="1000"/>
             </a:lvl7pPr>
-            <a:lvl8pPr>
-              <a:defRPr sz="1400"/>
+            <a:lvl8pPr marL="3199440" indent="0">
+              <a:buNone/>
+              <a:defRPr sz="1000"/>
             </a:lvl8pPr>
-            <a:lvl9pPr>
-              <a:defRPr sz="1400"/>
+            <a:lvl9pPr marL="3656503" indent="0">
+              <a:buNone/>
+              <a:defRPr sz="1000"/>
             </a:lvl9pPr>
           </a:lstStyle>
           <a:p>
@@ -4759,105 +4293,11 @@
               <a:t>Edit Master text styles</a:t>
             </a:r>
           </a:p>
-          <a:p>
-            <a:pPr lvl="1"/>
-            <a:r>
-              <a:rPr lang="en-US" smtClean="0"/>
-              <a:t>Second level</a:t>
-            </a:r>
-          </a:p>
-          <a:p>
-            <a:pPr lvl="2"/>
-            <a:r>
-              <a:rPr lang="en-US" smtClean="0"/>
-              <a:t>Third level</a:t>
-            </a:r>
-          </a:p>
-          <a:p>
-            <a:pPr lvl="3"/>
-            <a:r>
-              <a:rPr lang="en-US" smtClean="0"/>
-              <a:t>Fourth level</a:t>
-            </a:r>
-          </a:p>
-          <a:p>
-            <a:pPr lvl="4"/>
-            <a:r>
-              <a:rPr lang="en-US" smtClean="0"/>
-              <a:t>Fifth level</a:t>
-            </a:r>
-            <a:endParaRPr lang="en-US" dirty="0"/>
-          </a:p>
-        </p:txBody>
-      </p:sp>
-      <p:sp>
-        <p:nvSpPr>
-          <p:cNvPr id="4" name="Text Placeholder 3"/>
-          <p:cNvSpPr>
-            <a:spLocks noGrp="1"/>
-          </p:cNvSpPr>
-          <p:nvPr>
-            <p:ph type="body" sz="half" idx="2"/>
-          </p:nvPr>
-        </p:nvSpPr>
-        <p:spPr>
-          <a:xfrm>
-            <a:off x="1154953" y="3129280"/>
-            <a:ext cx="3401063" cy="2895599"/>
-          </a:xfrm>
-        </p:spPr>
-        <p:txBody>
-          <a:bodyPr/>
-          <a:lstStyle>
-            <a:lvl1pPr marL="0" indent="0">
-              <a:buNone/>
-              <a:defRPr sz="1400"/>
-            </a:lvl1pPr>
-            <a:lvl2pPr marL="457200" indent="0">
-              <a:buNone/>
-              <a:defRPr sz="1200"/>
-            </a:lvl2pPr>
-            <a:lvl3pPr marL="914400" indent="0">
-              <a:buNone/>
-              <a:defRPr sz="1000"/>
-            </a:lvl3pPr>
-            <a:lvl4pPr marL="1371600" indent="0">
-              <a:buNone/>
-              <a:defRPr sz="900"/>
-            </a:lvl4pPr>
-            <a:lvl5pPr marL="1828800" indent="0">
-              <a:buNone/>
-              <a:defRPr sz="900"/>
-            </a:lvl5pPr>
-            <a:lvl6pPr marL="2286000" indent="0">
-              <a:buNone/>
-              <a:defRPr sz="900"/>
-            </a:lvl6pPr>
-            <a:lvl7pPr marL="2743200" indent="0">
-              <a:buNone/>
-              <a:defRPr sz="900"/>
-            </a:lvl7pPr>
-            <a:lvl8pPr marL="3200400" indent="0">
-              <a:buNone/>
-              <a:defRPr sz="900"/>
-            </a:lvl8pPr>
-            <a:lvl9pPr marL="3657600" indent="0">
-              <a:buNone/>
-              <a:defRPr sz="900"/>
-            </a:lvl9pPr>
-          </a:lstStyle>
-          <a:p>
-            <a:pPr lvl="0"/>
-            <a:r>
-              <a:rPr lang="en-US" smtClean="0"/>
-              <a:t>Edit Master text styles</a:t>
-            </a:r>
-          </a:p>
-        </p:txBody>
-      </p:sp>
-      <p:sp>
-        <p:nvSpPr>
-          <p:cNvPr id="7" name="Date Placeholder 4"/>
+        </p:txBody>
+      </p:sp>
+      <p:sp>
+        <p:nvSpPr>
+          <p:cNvPr id="5" name="Date Placeholder 4"/>
           <p:cNvSpPr>
             <a:spLocks noGrp="1"/>
           </p:cNvSpPr>
@@ -4880,7 +4320,7 @@
       </p:sp>
       <p:sp>
         <p:nvSpPr>
-          <p:cNvPr id="5" name="Footer Placeholder 5"/>
+          <p:cNvPr id="6" name="Footer Placeholder 5"/>
           <p:cNvSpPr>
             <a:spLocks noGrp="1"/>
           </p:cNvSpPr>
@@ -4899,7 +4339,7 @@
       </p:sp>
       <p:sp>
         <p:nvSpPr>
-          <p:cNvPr id="6" name="Slide Number Placeholder 6"/>
+          <p:cNvPr id="7" name="Slide Number Placeholder 6"/>
           <p:cNvSpPr>
             <a:spLocks noGrp="1"/>
           </p:cNvSpPr>
@@ -4923,7 +4363,7 @@
     </p:spTree>
     <p:extLst>
       <p:ext uri="{BB962C8B-B14F-4D97-AF65-F5344CB8AC3E}">
-        <p14:creationId xmlns:p14="http://schemas.microsoft.com/office/powerpoint/2010/main" val="3023486451"/>
+        <p14:creationId xmlns:p14="http://schemas.microsoft.com/office/powerpoint/2010/main" val="4204876633"/>
       </p:ext>
     </p:extLst>
   </p:cSld>
@@ -4962,8 +4402,8 @@
         </p:nvSpPr>
         <p:spPr>
           <a:xfrm>
-            <a:off x="1153907" y="1854192"/>
-            <a:ext cx="5092906" cy="1574808"/>
+            <a:off x="677334" y="4800600"/>
+            <a:ext cx="8596667" cy="566738"/>
           </a:xfrm>
         </p:spPr>
         <p:txBody>
@@ -4972,7 +4412,7 @@
           </a:bodyPr>
           <a:lstStyle>
             <a:lvl1pPr algn="l">
-              <a:defRPr sz="3600" b="0"/>
+              <a:defRPr sz="2400" b="0"/>
             </a:lvl1pPr>
           </a:lstStyle>
           <a:p>
@@ -4996,21 +4436,9 @@
         </p:nvSpPr>
         <p:spPr>
           <a:xfrm>
-            <a:off x="6949546" y="1143000"/>
-            <a:ext cx="3200400" cy="4572000"/>
+            <a:off x="677334" y="609600"/>
+            <a:ext cx="8596668" cy="3845718"/>
           </a:xfrm>
-          <a:prstGeom prst="roundRect">
-            <a:avLst>
-              <a:gd name="adj" fmla="val 1858"/>
-            </a:avLst>
-          </a:prstGeom>
-          <a:effectLst>
-            <a:outerShdw blurRad="50800" dist="50800" dir="5400000" algn="tl" rotWithShape="0">
-              <a:srgbClr val="000000">
-                <a:alpha val="43000"/>
-              </a:srgbClr>
-            </a:outerShdw>
-          </a:effectLst>
         </p:spPr>
         <p:txBody>
           <a:bodyPr anchor="t">
@@ -5075,8 +4503,8 @@
         </p:nvSpPr>
         <p:spPr>
           <a:xfrm>
-            <a:off x="1154954" y="3657600"/>
-            <a:ext cx="5084979" cy="1371600"/>
+            <a:off x="677334" y="5367338"/>
+            <a:ext cx="8596667" cy="674024"/>
           </a:xfrm>
         </p:spPr>
         <p:txBody>
@@ -5086,7 +4514,7 @@
           <a:lstStyle>
             <a:lvl1pPr marL="0" indent="0">
               <a:buNone/>
-              <a:defRPr sz="1400"/>
+              <a:defRPr sz="1200"/>
             </a:lvl1pPr>
             <a:lvl2pPr marL="457200" indent="0">
               <a:buNone/>
@@ -5198,7 +4626,7 @@
     </p:spTree>
     <p:extLst>
       <p:ext uri="{BB962C8B-B14F-4D97-AF65-F5344CB8AC3E}">
-        <p14:creationId xmlns:p14="http://schemas.microsoft.com/office/powerpoint/2010/main" val="3892314963"/>
+        <p14:creationId xmlns:p14="http://schemas.microsoft.com/office/powerpoint/2010/main" val="3866396955"/>
       </p:ext>
     </p:extLst>
   </p:cSld>
@@ -5212,8 +4640,8 @@
 <p:sldMaster xmlns:a="http://schemas.openxmlformats.org/drawingml/2006/main" xmlns:r="http://schemas.openxmlformats.org/officeDocument/2006/relationships" xmlns:p="http://schemas.openxmlformats.org/presentationml/2006/main">
   <p:cSld>
     <p:bg>
-      <p:bgRef idx="1003">
-        <a:schemeClr val="bg2"/>
+      <p:bgRef idx="1001">
+        <a:schemeClr val="bg1"/>
       </p:bgRef>
     </p:bg>
     <p:spTree>
@@ -5230,429 +4658,740 @@
           <a:chExt cx="0" cy="0"/>
         </a:xfrm>
       </p:grpSpPr>
-      <p:pic>
-        <p:nvPicPr>
-          <p:cNvPr id="8" name="Picture 7"/>
-          <p:cNvPicPr>
-            <a:picLocks noChangeAspect="1"/>
-          </p:cNvPicPr>
+      <p:grpSp>
+        <p:nvGrpSpPr>
+          <p:cNvPr id="7" name="Group 6"/>
+          <p:cNvGrpSpPr/>
           <p:nvPr/>
-        </p:nvPicPr>
-        <p:blipFill rotWithShape="1">
-          <a:blip r:embed="rId19">
-            <a:extLst>
-              <a:ext uri="{28A0092B-C50C-407E-A947-70E740481C1C}">
-                <a14:useLocalDpi xmlns:a14="http://schemas.microsoft.com/office/drawing/2010/main" val="0"/>
-              </a:ext>
-            </a:extLst>
-          </a:blip>
-          <a:srcRect l="3613"/>
-          <a:stretch/>
-        </p:blipFill>
+        </p:nvGrpSpPr>
+        <p:grpSpPr>
+          <a:xfrm>
+            <a:off x="0" y="-8467"/>
+            <a:ext cx="12192000" cy="6866467"/>
+            <a:chOff x="0" y="-8467"/>
+            <a:chExt cx="12192000" cy="6866467"/>
+          </a:xfrm>
+        </p:grpSpPr>
+        <p:cxnSp>
+          <p:nvCxnSpPr>
+            <p:cNvPr id="20" name="Straight Connector 19"/>
+            <p:cNvCxnSpPr/>
+            <p:nvPr/>
+          </p:nvCxnSpPr>
+          <p:spPr>
+            <a:xfrm>
+              <a:off x="9371012" y="0"/>
+              <a:ext cx="1219200" cy="6858000"/>
+            </a:xfrm>
+            <a:prstGeom prst="line">
+              <a:avLst/>
+            </a:prstGeom>
+            <a:ln w="9525">
+              <a:solidFill>
+                <a:schemeClr val="bg1">
+                  <a:lumMod val="75000"/>
+                </a:schemeClr>
+              </a:solidFill>
+            </a:ln>
+          </p:spPr>
+          <p:style>
+            <a:lnRef idx="2">
+              <a:schemeClr val="accent1"/>
+            </a:lnRef>
+            <a:fillRef idx="0">
+              <a:schemeClr val="accent1"/>
+            </a:fillRef>
+            <a:effectRef idx="1">
+              <a:schemeClr val="accent1"/>
+            </a:effectRef>
+            <a:fontRef idx="minor">
+              <a:schemeClr val="tx1"/>
+            </a:fontRef>
+          </p:style>
+        </p:cxnSp>
+        <p:cxnSp>
+          <p:nvCxnSpPr>
+            <p:cNvPr id="21" name="Straight Connector 20"/>
+            <p:cNvCxnSpPr/>
+            <p:nvPr/>
+          </p:nvCxnSpPr>
+          <p:spPr>
+            <a:xfrm flipH="1">
+              <a:off x="7425267" y="3681413"/>
+              <a:ext cx="4763558" cy="3176587"/>
+            </a:xfrm>
+            <a:prstGeom prst="line">
+              <a:avLst/>
+            </a:prstGeom>
+            <a:ln w="9525">
+              <a:solidFill>
+                <a:schemeClr val="bg1">
+                  <a:lumMod val="85000"/>
+                </a:schemeClr>
+              </a:solidFill>
+            </a:ln>
+          </p:spPr>
+          <p:style>
+            <a:lnRef idx="2">
+              <a:schemeClr val="accent1"/>
+            </a:lnRef>
+            <a:fillRef idx="0">
+              <a:schemeClr val="accent1"/>
+            </a:fillRef>
+            <a:effectRef idx="1">
+              <a:schemeClr val="accent1"/>
+            </a:effectRef>
+            <a:fontRef idx="minor">
+              <a:schemeClr val="tx1"/>
+            </a:fontRef>
+          </p:style>
+        </p:cxnSp>
+        <p:sp>
+          <p:nvSpPr>
+            <p:cNvPr id="22" name="Rectangle 23"/>
+            <p:cNvSpPr/>
+            <p:nvPr/>
+          </p:nvSpPr>
+          <p:spPr>
+            <a:xfrm>
+              <a:off x="9181476" y="-8467"/>
+              <a:ext cx="3007349" cy="6866467"/>
+            </a:xfrm>
+            <a:custGeom>
+              <a:avLst/>
+              <a:gdLst/>
+              <a:ahLst/>
+              <a:cxnLst/>
+              <a:rect l="l" t="t" r="r" b="b"/>
+              <a:pathLst>
+                <a:path w="3007349" h="6866467">
+                  <a:moveTo>
+                    <a:pt x="2045532" y="0"/>
+                  </a:moveTo>
+                  <a:lnTo>
+                    <a:pt x="3007349" y="0"/>
+                  </a:lnTo>
+                  <a:lnTo>
+                    <a:pt x="3007349" y="6866467"/>
+                  </a:lnTo>
+                  <a:lnTo>
+                    <a:pt x="0" y="6866467"/>
+                  </a:lnTo>
+                  <a:lnTo>
+                    <a:pt x="2045532" y="0"/>
+                  </a:lnTo>
+                  <a:close/>
+                </a:path>
+              </a:pathLst>
+            </a:custGeom>
+            <a:solidFill>
+              <a:schemeClr val="accent1">
+                <a:alpha val="30000"/>
+              </a:schemeClr>
+            </a:solidFill>
+            <a:ln>
+              <a:noFill/>
+            </a:ln>
+            <a:effectLst/>
+          </p:spPr>
+          <p:style>
+            <a:lnRef idx="1">
+              <a:schemeClr val="accent1"/>
+            </a:lnRef>
+            <a:fillRef idx="3">
+              <a:schemeClr val="accent1"/>
+            </a:fillRef>
+            <a:effectRef idx="2">
+              <a:schemeClr val="accent1"/>
+            </a:effectRef>
+            <a:fontRef idx="minor">
+              <a:schemeClr val="lt1"/>
+            </a:fontRef>
+          </p:style>
+        </p:sp>
+        <p:sp>
+          <p:nvSpPr>
+            <p:cNvPr id="23" name="Rectangle 25"/>
+            <p:cNvSpPr/>
+            <p:nvPr/>
+          </p:nvSpPr>
+          <p:spPr>
+            <a:xfrm>
+              <a:off x="9603442" y="-8467"/>
+              <a:ext cx="2588558" cy="6866467"/>
+            </a:xfrm>
+            <a:custGeom>
+              <a:avLst/>
+              <a:gdLst/>
+              <a:ahLst/>
+              <a:cxnLst/>
+              <a:rect l="l" t="t" r="r" b="b"/>
+              <a:pathLst>
+                <a:path w="2573311" h="6866467">
+                  <a:moveTo>
+                    <a:pt x="0" y="0"/>
+                  </a:moveTo>
+                  <a:lnTo>
+                    <a:pt x="2573311" y="0"/>
+                  </a:lnTo>
+                  <a:lnTo>
+                    <a:pt x="2573311" y="6866467"/>
+                  </a:lnTo>
+                  <a:lnTo>
+                    <a:pt x="1202336" y="6866467"/>
+                  </a:lnTo>
+                  <a:lnTo>
+                    <a:pt x="0" y="0"/>
+                  </a:lnTo>
+                  <a:close/>
+                </a:path>
+              </a:pathLst>
+            </a:custGeom>
+            <a:solidFill>
+              <a:schemeClr val="accent1">
+                <a:alpha val="20000"/>
+              </a:schemeClr>
+            </a:solidFill>
+            <a:ln>
+              <a:noFill/>
+            </a:ln>
+            <a:effectLst/>
+          </p:spPr>
+          <p:style>
+            <a:lnRef idx="1">
+              <a:schemeClr val="accent1"/>
+            </a:lnRef>
+            <a:fillRef idx="3">
+              <a:schemeClr val="accent1"/>
+            </a:fillRef>
+            <a:effectRef idx="2">
+              <a:schemeClr val="accent1"/>
+            </a:effectRef>
+            <a:fontRef idx="minor">
+              <a:schemeClr val="lt1"/>
+            </a:fontRef>
+          </p:style>
+        </p:sp>
+        <p:sp>
+          <p:nvSpPr>
+            <p:cNvPr id="24" name="Isosceles Triangle 23"/>
+            <p:cNvSpPr/>
+            <p:nvPr/>
+          </p:nvSpPr>
+          <p:spPr>
+            <a:xfrm>
+              <a:off x="8932333" y="3048000"/>
+              <a:ext cx="3259667" cy="3810000"/>
+            </a:xfrm>
+            <a:prstGeom prst="triangle">
+              <a:avLst>
+                <a:gd name="adj" fmla="val 100000"/>
+              </a:avLst>
+            </a:prstGeom>
+            <a:solidFill>
+              <a:schemeClr val="accent2">
+                <a:alpha val="72000"/>
+              </a:schemeClr>
+            </a:solidFill>
+            <a:ln>
+              <a:noFill/>
+            </a:ln>
+            <a:effectLst/>
+          </p:spPr>
+          <p:style>
+            <a:lnRef idx="1">
+              <a:schemeClr val="accent1"/>
+            </a:lnRef>
+            <a:fillRef idx="3">
+              <a:schemeClr val="accent1"/>
+            </a:fillRef>
+            <a:effectRef idx="2">
+              <a:schemeClr val="accent1"/>
+            </a:effectRef>
+            <a:fontRef idx="minor">
+              <a:schemeClr val="lt1"/>
+            </a:fontRef>
+          </p:style>
+        </p:sp>
+        <p:sp>
+          <p:nvSpPr>
+            <p:cNvPr id="25" name="Rectangle 27"/>
+            <p:cNvSpPr/>
+            <p:nvPr/>
+          </p:nvSpPr>
+          <p:spPr>
+            <a:xfrm>
+              <a:off x="9334500" y="-8467"/>
+              <a:ext cx="2854326" cy="6866467"/>
+            </a:xfrm>
+            <a:custGeom>
+              <a:avLst/>
+              <a:gdLst/>
+              <a:ahLst/>
+              <a:cxnLst/>
+              <a:rect l="l" t="t" r="r" b="b"/>
+              <a:pathLst>
+                <a:path w="2858013" h="6866467">
+                  <a:moveTo>
+                    <a:pt x="0" y="0"/>
+                  </a:moveTo>
+                  <a:lnTo>
+                    <a:pt x="2858013" y="0"/>
+                  </a:lnTo>
+                  <a:lnTo>
+                    <a:pt x="2858013" y="6866467"/>
+                  </a:lnTo>
+                  <a:lnTo>
+                    <a:pt x="2473942" y="6866467"/>
+                  </a:lnTo>
+                  <a:lnTo>
+                    <a:pt x="0" y="0"/>
+                  </a:lnTo>
+                  <a:close/>
+                </a:path>
+              </a:pathLst>
+            </a:custGeom>
+            <a:solidFill>
+              <a:schemeClr val="accent2">
+                <a:lumMod val="75000"/>
+                <a:alpha val="70000"/>
+              </a:schemeClr>
+            </a:solidFill>
+            <a:ln>
+              <a:noFill/>
+            </a:ln>
+            <a:effectLst/>
+          </p:spPr>
+          <p:style>
+            <a:lnRef idx="1">
+              <a:schemeClr val="accent1"/>
+            </a:lnRef>
+            <a:fillRef idx="3">
+              <a:schemeClr val="accent1"/>
+            </a:fillRef>
+            <a:effectRef idx="2">
+              <a:schemeClr val="accent1"/>
+            </a:effectRef>
+            <a:fontRef idx="minor">
+              <a:schemeClr val="lt1"/>
+            </a:fontRef>
+          </p:style>
+        </p:sp>
+        <p:sp>
+          <p:nvSpPr>
+            <p:cNvPr id="26" name="Rectangle 28"/>
+            <p:cNvSpPr/>
+            <p:nvPr/>
+          </p:nvSpPr>
+          <p:spPr>
+            <a:xfrm>
+              <a:off x="10898730" y="-8467"/>
+              <a:ext cx="1290094" cy="6866467"/>
+            </a:xfrm>
+            <a:custGeom>
+              <a:avLst/>
+              <a:gdLst/>
+              <a:ahLst/>
+              <a:cxnLst/>
+              <a:rect l="l" t="t" r="r" b="b"/>
+              <a:pathLst>
+                <a:path w="1290094" h="6858000">
+                  <a:moveTo>
+                    <a:pt x="1019735" y="0"/>
+                  </a:moveTo>
+                  <a:lnTo>
+                    <a:pt x="1290094" y="0"/>
+                  </a:lnTo>
+                  <a:lnTo>
+                    <a:pt x="1290094" y="6858000"/>
+                  </a:lnTo>
+                  <a:lnTo>
+                    <a:pt x="0" y="6858000"/>
+                  </a:lnTo>
+                  <a:lnTo>
+                    <a:pt x="1019735" y="0"/>
+                  </a:lnTo>
+                  <a:close/>
+                </a:path>
+              </a:pathLst>
+            </a:custGeom>
+            <a:solidFill>
+              <a:schemeClr val="accent1">
+                <a:lumMod val="60000"/>
+                <a:lumOff val="40000"/>
+                <a:alpha val="70000"/>
+              </a:schemeClr>
+            </a:solidFill>
+            <a:ln>
+              <a:noFill/>
+            </a:ln>
+            <a:effectLst/>
+          </p:spPr>
+          <p:style>
+            <a:lnRef idx="1">
+              <a:schemeClr val="accent1"/>
+            </a:lnRef>
+            <a:fillRef idx="3">
+              <a:schemeClr val="accent1"/>
+            </a:fillRef>
+            <a:effectRef idx="2">
+              <a:schemeClr val="accent1"/>
+            </a:effectRef>
+            <a:fontRef idx="minor">
+              <a:schemeClr val="lt1"/>
+            </a:fontRef>
+          </p:style>
+        </p:sp>
+        <p:sp>
+          <p:nvSpPr>
+            <p:cNvPr id="27" name="Rectangle 29"/>
+            <p:cNvSpPr/>
+            <p:nvPr/>
+          </p:nvSpPr>
+          <p:spPr>
+            <a:xfrm>
+              <a:off x="10938999" y="-8467"/>
+              <a:ext cx="1249825" cy="6866467"/>
+            </a:xfrm>
+            <a:custGeom>
+              <a:avLst/>
+              <a:gdLst/>
+              <a:ahLst/>
+              <a:cxnLst/>
+              <a:rect l="l" t="t" r="r" b="b"/>
+              <a:pathLst>
+                <a:path w="1249825" h="6858000">
+                  <a:moveTo>
+                    <a:pt x="0" y="0"/>
+                  </a:moveTo>
+                  <a:lnTo>
+                    <a:pt x="1249825" y="0"/>
+                  </a:lnTo>
+                  <a:lnTo>
+                    <a:pt x="1249825" y="6858000"/>
+                  </a:lnTo>
+                  <a:lnTo>
+                    <a:pt x="1109382" y="6858000"/>
+                  </a:lnTo>
+                  <a:lnTo>
+                    <a:pt x="0" y="0"/>
+                  </a:lnTo>
+                  <a:close/>
+                </a:path>
+              </a:pathLst>
+            </a:custGeom>
+            <a:solidFill>
+              <a:schemeClr val="accent1">
+                <a:alpha val="65000"/>
+              </a:schemeClr>
+            </a:solidFill>
+            <a:ln>
+              <a:noFill/>
+            </a:ln>
+            <a:effectLst/>
+          </p:spPr>
+          <p:style>
+            <a:lnRef idx="1">
+              <a:schemeClr val="accent1"/>
+            </a:lnRef>
+            <a:fillRef idx="3">
+              <a:schemeClr val="accent1"/>
+            </a:fillRef>
+            <a:effectRef idx="2">
+              <a:schemeClr val="accent1"/>
+            </a:effectRef>
+            <a:fontRef idx="minor">
+              <a:schemeClr val="lt1"/>
+            </a:fontRef>
+          </p:style>
+        </p:sp>
+        <p:sp>
+          <p:nvSpPr>
+            <p:cNvPr id="28" name="Isosceles Triangle 27"/>
+            <p:cNvSpPr/>
+            <p:nvPr/>
+          </p:nvSpPr>
+          <p:spPr>
+            <a:xfrm>
+              <a:off x="10371666" y="3589867"/>
+              <a:ext cx="1817159" cy="3268133"/>
+            </a:xfrm>
+            <a:prstGeom prst="triangle">
+              <a:avLst>
+                <a:gd name="adj" fmla="val 100000"/>
+              </a:avLst>
+            </a:prstGeom>
+            <a:solidFill>
+              <a:schemeClr val="accent1">
+                <a:alpha val="80000"/>
+              </a:schemeClr>
+            </a:solidFill>
+            <a:ln>
+              <a:noFill/>
+            </a:ln>
+            <a:effectLst/>
+          </p:spPr>
+          <p:style>
+            <a:lnRef idx="1">
+              <a:schemeClr val="accent1"/>
+            </a:lnRef>
+            <a:fillRef idx="3">
+              <a:schemeClr val="accent1"/>
+            </a:fillRef>
+            <a:effectRef idx="2">
+              <a:schemeClr val="accent1"/>
+            </a:effectRef>
+            <a:fontRef idx="minor">
+              <a:schemeClr val="lt1"/>
+            </a:fontRef>
+          </p:style>
+        </p:sp>
+        <p:sp>
+          <p:nvSpPr>
+            <p:cNvPr id="29" name="Isosceles Triangle 28"/>
+            <p:cNvSpPr/>
+            <p:nvPr/>
+          </p:nvSpPr>
+          <p:spPr>
+            <a:xfrm>
+              <a:off x="0" y="4013200"/>
+              <a:ext cx="448733" cy="2844800"/>
+            </a:xfrm>
+            <a:prstGeom prst="triangle">
+              <a:avLst>
+                <a:gd name="adj" fmla="val 0"/>
+              </a:avLst>
+            </a:prstGeom>
+            <a:solidFill>
+              <a:schemeClr val="accent1">
+                <a:alpha val="85000"/>
+              </a:schemeClr>
+            </a:solidFill>
+            <a:ln>
+              <a:noFill/>
+            </a:ln>
+            <a:effectLst/>
+          </p:spPr>
+          <p:style>
+            <a:lnRef idx="1">
+              <a:schemeClr val="accent1"/>
+            </a:lnRef>
+            <a:fillRef idx="3">
+              <a:schemeClr val="accent1"/>
+            </a:fillRef>
+            <a:effectRef idx="2">
+              <a:schemeClr val="accent1"/>
+            </a:effectRef>
+            <a:fontRef idx="minor">
+              <a:schemeClr val="lt1"/>
+            </a:fontRef>
+          </p:style>
+        </p:sp>
+      </p:grpSp>
+      <p:sp>
+        <p:nvSpPr>
+          <p:cNvPr id="2" name="Title Placeholder 1"/>
+          <p:cNvSpPr>
+            <a:spLocks noGrp="1"/>
+          </p:cNvSpPr>
+          <p:nvPr>
+            <p:ph type="title"/>
+          </p:nvPr>
+        </p:nvSpPr>
         <p:spPr>
           <a:xfrm>
-            <a:off x="0" y="2669685"/>
-            <a:ext cx="4037012" cy="4188315"/>
+            <a:off x="677334" y="609600"/>
+            <a:ext cx="8596668" cy="1320800"/>
           </a:xfrm>
           <a:prstGeom prst="rect">
             <a:avLst/>
           </a:prstGeom>
         </p:spPr>
-      </p:pic>
-      <p:pic>
-        <p:nvPicPr>
-          <p:cNvPr id="7" name="Picture 6"/>
-          <p:cNvPicPr>
-            <a:picLocks noChangeAspect="1"/>
-          </p:cNvPicPr>
-          <p:nvPr/>
-        </p:nvPicPr>
-        <p:blipFill rotWithShape="1">
-          <a:blip r:embed="rId20">
-            <a:extLst>
-              <a:ext uri="{28A0092B-C50C-407E-A947-70E740481C1C}">
-                <a14:useLocalDpi xmlns:a14="http://schemas.microsoft.com/office/drawing/2010/main" val="0"/>
-              </a:ext>
-            </a:extLst>
-          </a:blip>
-          <a:srcRect l="35640"/>
-          <a:stretch/>
-        </p:blipFill>
+        <p:txBody>
+          <a:bodyPr vert="horz" lIns="91440" tIns="45720" rIns="91440" bIns="45720" rtlCol="0" anchor="t">
+            <a:normAutofit/>
+          </a:bodyPr>
+          <a:lstStyle/>
+          <a:p>
+            <a:r>
+              <a:rPr lang="en-US" smtClean="0"/>
+              <a:t>Click to edit Master title style</a:t>
+            </a:r>
+            <a:endParaRPr lang="en-US" dirty="0"/>
+          </a:p>
+        </p:txBody>
+      </p:sp>
+      <p:sp>
+        <p:nvSpPr>
+          <p:cNvPr id="3" name="Text Placeholder 2"/>
+          <p:cNvSpPr>
+            <a:spLocks noGrp="1"/>
+          </p:cNvSpPr>
+          <p:nvPr>
+            <p:ph type="body" idx="1"/>
+          </p:nvPr>
+        </p:nvSpPr>
         <p:spPr>
           <a:xfrm>
-            <a:off x="0" y="2892347"/>
-            <a:ext cx="1522412" cy="2365453"/>
+            <a:off x="677334" y="2160589"/>
+            <a:ext cx="8596668" cy="3880773"/>
           </a:xfrm>
           <a:prstGeom prst="rect">
             <a:avLst/>
           </a:prstGeom>
         </p:spPr>
-      </p:pic>
-      <p:sp>
-        <p:nvSpPr>
-          <p:cNvPr id="16" name="Oval 15"/>
-          <p:cNvSpPr/>
-          <p:nvPr/>
+        <p:txBody>
+          <a:bodyPr vert="horz" lIns="91440" tIns="45720" rIns="91440" bIns="45720" rtlCol="0">
+            <a:normAutofit/>
+          </a:bodyPr>
+          <a:lstStyle/>
+          <a:p>
+            <a:pPr lvl="0"/>
+            <a:r>
+              <a:rPr lang="en-US" smtClean="0"/>
+              <a:t>Edit Master text styles</a:t>
+            </a:r>
+          </a:p>
+          <a:p>
+            <a:pPr lvl="1"/>
+            <a:r>
+              <a:rPr lang="en-US" smtClean="0"/>
+              <a:t>Second level</a:t>
+            </a:r>
+          </a:p>
+          <a:p>
+            <a:pPr lvl="2"/>
+            <a:r>
+              <a:rPr lang="en-US" smtClean="0"/>
+              <a:t>Third level</a:t>
+            </a:r>
+          </a:p>
+          <a:p>
+            <a:pPr lvl="3"/>
+            <a:r>
+              <a:rPr lang="en-US" smtClean="0"/>
+              <a:t>Fourth level</a:t>
+            </a:r>
+          </a:p>
+          <a:p>
+            <a:pPr lvl="4"/>
+            <a:r>
+              <a:rPr lang="en-US" smtClean="0"/>
+              <a:t>Fifth level</a:t>
+            </a:r>
+            <a:endParaRPr lang="en-US" dirty="0"/>
+          </a:p>
+        </p:txBody>
+      </p:sp>
+      <p:sp>
+        <p:nvSpPr>
+          <p:cNvPr id="4" name="Date Placeholder 3"/>
+          <p:cNvSpPr>
+            <a:spLocks noGrp="1"/>
+          </p:cNvSpPr>
+          <p:nvPr>
+            <p:ph type="dt" sz="half" idx="2"/>
+          </p:nvPr>
         </p:nvSpPr>
         <p:spPr>
           <a:xfrm>
-            <a:off x="8609012" y="1676400"/>
-            <a:ext cx="2819400" cy="2819400"/>
-          </a:xfrm>
-          <a:prstGeom prst="ellipse">
-            <a:avLst/>
-          </a:prstGeom>
-          <a:gradFill flip="none" rotWithShape="1">
-            <a:gsLst>
-              <a:gs pos="0">
-                <a:schemeClr val="bg2">
-                  <a:lumMod val="60000"/>
-                  <a:lumOff val="40000"/>
-                  <a:alpha val="7000"/>
-                </a:schemeClr>
-              </a:gs>
-              <a:gs pos="69000">
-                <a:schemeClr val="bg2">
-                  <a:lumMod val="60000"/>
-                  <a:lumOff val="40000"/>
-                  <a:alpha val="0"/>
-                </a:schemeClr>
-              </a:gs>
-              <a:gs pos="36000">
-                <a:schemeClr val="bg2">
-                  <a:lumMod val="60000"/>
-                  <a:lumOff val="40000"/>
-                  <a:alpha val="6000"/>
-                </a:schemeClr>
-              </a:gs>
-            </a:gsLst>
-            <a:path path="circle">
-              <a:fillToRect l="50000" t="50000" r="50000" b="50000"/>
-            </a:path>
-            <a:tileRect/>
-          </a:gradFill>
-          <a:ln>
-            <a:noFill/>
-          </a:ln>
-          <a:effectLst/>
-        </p:spPr>
-        <p:style>
-          <a:lnRef idx="1">
-            <a:schemeClr val="accent1"/>
-          </a:lnRef>
-          <a:fillRef idx="3">
-            <a:schemeClr val="accent1"/>
-          </a:fillRef>
-          <a:effectRef idx="2">
-            <a:schemeClr val="accent1"/>
-          </a:effectRef>
-          <a:fontRef idx="minor">
-            <a:schemeClr val="lt1"/>
-          </a:fontRef>
-        </p:style>
-      </p:sp>
-      <p:pic>
-        <p:nvPicPr>
-          <p:cNvPr id="9" name="Picture 8"/>
-          <p:cNvPicPr>
-            <a:picLocks noChangeAspect="1"/>
-          </p:cNvPicPr>
-          <p:nvPr/>
-        </p:nvPicPr>
-        <p:blipFill rotWithShape="1">
-          <a:blip r:embed="rId21">
-            <a:extLst>
-              <a:ext uri="{28A0092B-C50C-407E-A947-70E740481C1C}">
-                <a14:useLocalDpi xmlns:a14="http://schemas.microsoft.com/office/drawing/2010/main" val="0"/>
-              </a:ext>
-            </a:extLst>
-          </a:blip>
-          <a:srcRect t="28813"/>
-          <a:stretch/>
-        </p:blipFill>
-        <p:spPr>
-          <a:xfrm>
-            <a:off x="7999412" y="0"/>
-            <a:ext cx="1603387" cy="1141407"/>
+            <a:off x="7205133" y="6041362"/>
+            <a:ext cx="911939" cy="365125"/>
           </a:xfrm>
           <a:prstGeom prst="rect">
             <a:avLst/>
           </a:prstGeom>
         </p:spPr>
-      </p:pic>
-      <p:pic>
-        <p:nvPicPr>
-          <p:cNvPr id="10" name="Picture 9"/>
-          <p:cNvPicPr>
-            <a:picLocks noChangeAspect="1"/>
-          </p:cNvPicPr>
-          <p:nvPr/>
-        </p:nvPicPr>
-        <p:blipFill rotWithShape="1">
-          <a:blip r:embed="rId22">
-            <a:extLst>
-              <a:ext uri="{28A0092B-C50C-407E-A947-70E740481C1C}">
-                <a14:useLocalDpi xmlns:a14="http://schemas.microsoft.com/office/drawing/2010/main" val="0"/>
-              </a:ext>
-            </a:extLst>
-          </a:blip>
-          <a:srcRect b="23320"/>
-          <a:stretch/>
-        </p:blipFill>
+        <p:txBody>
+          <a:bodyPr vert="horz" lIns="91440" tIns="45720" rIns="91440" bIns="45720" rtlCol="0" anchor="ctr"/>
+          <a:lstStyle>
+            <a:lvl1pPr algn="r">
+              <a:defRPr sz="900">
+                <a:solidFill>
+                  <a:schemeClr val="tx1">
+                    <a:tint val="75000"/>
+                  </a:schemeClr>
+                </a:solidFill>
+              </a:defRPr>
+            </a:lvl1pPr>
+          </a:lstStyle>
+          <a:p>
+            <a:fld id="{16E80CD1-E4F7-4CBE-B699-943357D5DBF6}" type="datetimeFigureOut">
+              <a:rPr lang="en-US" smtClean="0"/>
+              <a:t>3/9/2025</a:t>
+            </a:fld>
+            <a:endParaRPr lang="en-US"/>
+          </a:p>
+        </p:txBody>
+      </p:sp>
+      <p:sp>
+        <p:nvSpPr>
+          <p:cNvPr id="5" name="Footer Placeholder 4"/>
+          <p:cNvSpPr>
+            <a:spLocks noGrp="1"/>
+          </p:cNvSpPr>
+          <p:nvPr>
+            <p:ph type="ftr" sz="quarter" idx="3"/>
+          </p:nvPr>
+        </p:nvSpPr>
         <p:spPr>
           <a:xfrm>
-            <a:off x="8605878" y="6096000"/>
-            <a:ext cx="993734" cy="762000"/>
+            <a:off x="677334" y="6041362"/>
+            <a:ext cx="6297612" cy="365125"/>
           </a:xfrm>
           <a:prstGeom prst="rect">
             <a:avLst/>
           </a:prstGeom>
         </p:spPr>
-      </p:pic>
-      <p:sp>
-        <p:nvSpPr>
-          <p:cNvPr id="14" name="Rectangle 13"/>
-          <p:cNvSpPr/>
-          <p:nvPr/>
+        <p:txBody>
+          <a:bodyPr vert="horz" lIns="91440" tIns="45720" rIns="91440" bIns="45720" rtlCol="0" anchor="ctr"/>
+          <a:lstStyle>
+            <a:lvl1pPr algn="l">
+              <a:defRPr sz="900">
+                <a:solidFill>
+                  <a:schemeClr val="tx1">
+                    <a:tint val="75000"/>
+                  </a:schemeClr>
+                </a:solidFill>
+              </a:defRPr>
+            </a:lvl1pPr>
+          </a:lstStyle>
+          <a:p>
+            <a:endParaRPr lang="en-US"/>
+          </a:p>
+        </p:txBody>
+      </p:sp>
+      <p:sp>
+        <p:nvSpPr>
+          <p:cNvPr id="6" name="Slide Number Placeholder 5"/>
+          <p:cNvSpPr>
+            <a:spLocks noGrp="1"/>
+          </p:cNvSpPr>
+          <p:nvPr>
+            <p:ph type="sldNum" sz="quarter" idx="4"/>
+          </p:nvPr>
         </p:nvSpPr>
         <p:spPr>
           <a:xfrm>
-            <a:off x="10437812" y="0"/>
-            <a:ext cx="685800" cy="1143000"/>
-          </a:xfrm>
-          <a:prstGeom prst="rect">
-            <a:avLst/>
-          </a:prstGeom>
-          <a:solidFill>
-            <a:schemeClr val="accent1"/>
-          </a:solidFill>
-          <a:ln>
-            <a:noFill/>
-          </a:ln>
-        </p:spPr>
-        <p:style>
-          <a:lnRef idx="1">
-            <a:schemeClr val="accent1"/>
-          </a:lnRef>
-          <a:fillRef idx="3">
-            <a:schemeClr val="accent1"/>
-          </a:fillRef>
-          <a:effectRef idx="2">
-            <a:schemeClr val="accent1"/>
-          </a:effectRef>
-          <a:fontRef idx="minor">
-            <a:schemeClr val="lt1"/>
-          </a:fontRef>
-        </p:style>
-      </p:sp>
-      <p:sp>
-        <p:nvSpPr>
-          <p:cNvPr id="2" name="Title Placeholder 1"/>
-          <p:cNvSpPr>
-            <a:spLocks noGrp="1"/>
-          </p:cNvSpPr>
-          <p:nvPr>
-            <p:ph type="title"/>
-          </p:nvPr>
-        </p:nvSpPr>
-        <p:spPr>
-          <a:xfrm>
-            <a:off x="646111" y="452718"/>
-            <a:ext cx="9404723" cy="1400530"/>
+            <a:off x="8590663" y="6041362"/>
+            <a:ext cx="683339" cy="365125"/>
           </a:xfrm>
           <a:prstGeom prst="rect">
             <a:avLst/>
           </a:prstGeom>
         </p:spPr>
         <p:txBody>
-          <a:bodyPr vert="horz" lIns="91440" tIns="45720" rIns="91440" bIns="45720" rtlCol="0" anchor="t">
-            <a:noAutofit/>
-          </a:bodyPr>
-          <a:lstStyle/>
-          <a:p>
-            <a:r>
-              <a:rPr lang="en-US" smtClean="0"/>
-              <a:t>Click to edit Master title style</a:t>
-            </a:r>
-            <a:endParaRPr lang="en-US" dirty="0"/>
-          </a:p>
-        </p:txBody>
-      </p:sp>
-      <p:sp>
-        <p:nvSpPr>
-          <p:cNvPr id="3" name="Text Placeholder 2"/>
-          <p:cNvSpPr>
-            <a:spLocks noGrp="1"/>
-          </p:cNvSpPr>
-          <p:nvPr>
-            <p:ph type="body" idx="1"/>
-          </p:nvPr>
-        </p:nvSpPr>
-        <p:spPr>
-          <a:xfrm>
-            <a:off x="1103312" y="2052918"/>
-            <a:ext cx="8946541" cy="4195481"/>
-          </a:xfrm>
-          <a:prstGeom prst="rect">
-            <a:avLst/>
-          </a:prstGeom>
-        </p:spPr>
-        <p:txBody>
-          <a:bodyPr vert="horz" lIns="91440" tIns="45720" rIns="91440" bIns="45720" rtlCol="0">
-            <a:normAutofit/>
-          </a:bodyPr>
-          <a:lstStyle/>
-          <a:p>
-            <a:pPr lvl="0"/>
-            <a:r>
-              <a:rPr lang="en-US" smtClean="0"/>
-              <a:t>Edit Master text styles</a:t>
-            </a:r>
-          </a:p>
-          <a:p>
-            <a:pPr lvl="1"/>
-            <a:r>
-              <a:rPr lang="en-US" smtClean="0"/>
-              <a:t>Second level</a:t>
-            </a:r>
-          </a:p>
-          <a:p>
-            <a:pPr lvl="2"/>
-            <a:r>
-              <a:rPr lang="en-US" smtClean="0"/>
-              <a:t>Third level</a:t>
-            </a:r>
-          </a:p>
-          <a:p>
-            <a:pPr lvl="3"/>
-            <a:r>
-              <a:rPr lang="en-US" smtClean="0"/>
-              <a:t>Fourth level</a:t>
-            </a:r>
-          </a:p>
-          <a:p>
-            <a:pPr lvl="4"/>
-            <a:r>
-              <a:rPr lang="en-US" smtClean="0"/>
-              <a:t>Fifth level</a:t>
-            </a:r>
-            <a:endParaRPr lang="en-US" dirty="0"/>
-          </a:p>
-        </p:txBody>
-      </p:sp>
-      <p:sp>
-        <p:nvSpPr>
-          <p:cNvPr id="4" name="Date Placeholder 3"/>
-          <p:cNvSpPr>
-            <a:spLocks noGrp="1"/>
-          </p:cNvSpPr>
-          <p:nvPr>
-            <p:ph type="dt" sz="half" idx="2"/>
-          </p:nvPr>
-        </p:nvSpPr>
-        <p:spPr>
-          <a:xfrm rot="5400000">
-            <a:off x="10155639" y="1790701"/>
-            <a:ext cx="990599" cy="304799"/>
-          </a:xfrm>
-          <a:prstGeom prst="rect">
-            <a:avLst/>
-          </a:prstGeom>
-        </p:spPr>
-        <p:txBody>
-          <a:bodyPr vert="horz" lIns="91440" tIns="45720" rIns="91440" bIns="45720" rtlCol="0" anchor="t"/>
+          <a:bodyPr vert="horz" lIns="91440" tIns="45720" rIns="91440" bIns="45720" rtlCol="0" anchor="ctr"/>
           <a:lstStyle>
-            <a:lvl1pPr algn="l">
-              <a:defRPr sz="1100" b="0" i="0">
-                <a:solidFill>
-                  <a:schemeClr val="tx1">
-                    <a:tint val="75000"/>
-                    <a:alpha val="60000"/>
-                  </a:schemeClr>
+            <a:lvl1pPr algn="r">
+              <a:defRPr sz="900">
+                <a:solidFill>
+                  <a:schemeClr val="accent1"/>
                 </a:solidFill>
               </a:defRPr>
             </a:lvl1pPr>
           </a:lstStyle>
           <a:p>
-            <a:fld id="{16E80CD1-E4F7-4CBE-B699-943357D5DBF6}" type="datetimeFigureOut">
-              <a:rPr lang="en-US" smtClean="0"/>
-              <a:t>3/9/2025</a:t>
-            </a:fld>
-            <a:endParaRPr lang="en-US"/>
-          </a:p>
-        </p:txBody>
-      </p:sp>
-      <p:sp>
-        <p:nvSpPr>
-          <p:cNvPr id="5" name="Footer Placeholder 4"/>
-          <p:cNvSpPr>
-            <a:spLocks noGrp="1"/>
-          </p:cNvSpPr>
-          <p:nvPr>
-            <p:ph type="ftr" sz="quarter" idx="3"/>
-          </p:nvPr>
-        </p:nvSpPr>
-        <p:spPr>
-          <a:xfrm rot="5400000">
-            <a:off x="8951573" y="3225297"/>
-            <a:ext cx="3859795" cy="304801"/>
-          </a:xfrm>
-          <a:prstGeom prst="rect">
-            <a:avLst/>
-          </a:prstGeom>
-        </p:spPr>
-        <p:txBody>
-          <a:bodyPr vert="horz" lIns="91440" tIns="45720" rIns="91440" bIns="45720" rtlCol="0" anchor="b"/>
-          <a:lstStyle>
-            <a:lvl1pPr algn="l">
-              <a:defRPr sz="1100" b="0" i="0">
-                <a:solidFill>
-                  <a:schemeClr val="tx1">
-                    <a:tint val="75000"/>
-                    <a:alpha val="60000"/>
-                  </a:schemeClr>
-                </a:solidFill>
-              </a:defRPr>
-            </a:lvl1pPr>
-          </a:lstStyle>
-          <a:p>
-            <a:endParaRPr lang="en-US"/>
-          </a:p>
-        </p:txBody>
-      </p:sp>
-      <p:sp>
-        <p:nvSpPr>
-          <p:cNvPr id="6" name="Slide Number Placeholder 5"/>
-          <p:cNvSpPr>
-            <a:spLocks noGrp="1"/>
-          </p:cNvSpPr>
-          <p:nvPr>
-            <p:ph type="sldNum" sz="quarter" idx="4"/>
-          </p:nvPr>
-        </p:nvSpPr>
-        <p:spPr bwMode="gray">
-          <a:xfrm>
-            <a:off x="10352540" y="295729"/>
-            <a:ext cx="838199" cy="767687"/>
-          </a:xfrm>
-          <a:prstGeom prst="rect">
-            <a:avLst/>
-          </a:prstGeom>
-        </p:spPr>
-        <p:txBody>
-          <a:bodyPr vert="horz" lIns="91440" tIns="45720" rIns="91440" bIns="45720" rtlCol="0" anchor="b"/>
-          <a:lstStyle>
-            <a:lvl1pPr algn="ctr">
-              <a:defRPr sz="2800" b="0" i="0">
-                <a:solidFill>
-                  <a:schemeClr val="tx1">
-                    <a:tint val="75000"/>
-                  </a:schemeClr>
-                </a:solidFill>
-              </a:defRPr>
-            </a:lvl1pPr>
-          </a:lstStyle>
-          <a:p>
             <a:fld id="{11E04BDF-D793-45A2-9833-125E15097657}" type="slidenum">
               <a:rPr lang="en-US" smtClean="0"/>
               <a:t>‹#›</a:t>
@@ -5664,29 +5403,28 @@
     </p:spTree>
     <p:extLst>
       <p:ext uri="{BB962C8B-B14F-4D97-AF65-F5344CB8AC3E}">
-        <p14:creationId xmlns:p14="http://schemas.microsoft.com/office/powerpoint/2010/main" val="527507407"/>
+        <p14:creationId xmlns:p14="http://schemas.microsoft.com/office/powerpoint/2010/main" val="3542867312"/>
       </p:ext>
     </p:extLst>
   </p:cSld>
-  <p:clrMap bg1="dk1" tx1="lt1" bg2="dk2" tx2="lt2" accent1="accent1" accent2="accent2" accent3="accent3" accent4="accent4" accent5="accent5" accent6="accent6" hlink="hlink" folHlink="folHlink"/>
+  <p:clrMap bg1="lt1" tx1="dk1" bg2="lt2" tx2="dk2" accent1="accent1" accent2="accent2" accent3="accent3" accent4="accent4" accent5="accent5" accent6="accent6" hlink="hlink" folHlink="folHlink"/>
   <p:sldLayoutIdLst>
-    <p:sldLayoutId id="2147483661" r:id="rId1"/>
-    <p:sldLayoutId id="2147483662" r:id="rId2"/>
-    <p:sldLayoutId id="2147483663" r:id="rId3"/>
-    <p:sldLayoutId id="2147483664" r:id="rId4"/>
-    <p:sldLayoutId id="2147483665" r:id="rId5"/>
-    <p:sldLayoutId id="2147483666" r:id="rId6"/>
-    <p:sldLayoutId id="2147483667" r:id="rId7"/>
-    <p:sldLayoutId id="2147483668" r:id="rId8"/>
-    <p:sldLayoutId id="2147483669" r:id="rId9"/>
-    <p:sldLayoutId id="2147483670" r:id="rId10"/>
-    <p:sldLayoutId id="2147483671" r:id="rId11"/>
-    <p:sldLayoutId id="2147483672" r:id="rId12"/>
-    <p:sldLayoutId id="2147483673" r:id="rId13"/>
-    <p:sldLayoutId id="2147483674" r:id="rId14"/>
-    <p:sldLayoutId id="2147483675" r:id="rId15"/>
-    <p:sldLayoutId id="2147483676" r:id="rId16"/>
-    <p:sldLayoutId id="2147483677" r:id="rId17"/>
+    <p:sldLayoutId id="2147483733" r:id="rId1"/>
+    <p:sldLayoutId id="2147483734" r:id="rId2"/>
+    <p:sldLayoutId id="2147483735" r:id="rId3"/>
+    <p:sldLayoutId id="2147483736" r:id="rId4"/>
+    <p:sldLayoutId id="2147483737" r:id="rId5"/>
+    <p:sldLayoutId id="2147483738" r:id="rId6"/>
+    <p:sldLayoutId id="2147483739" r:id="rId7"/>
+    <p:sldLayoutId id="2147483740" r:id="rId8"/>
+    <p:sldLayoutId id="2147483741" r:id="rId9"/>
+    <p:sldLayoutId id="2147483742" r:id="rId10"/>
+    <p:sldLayoutId id="2147483743" r:id="rId11"/>
+    <p:sldLayoutId id="2147483744" r:id="rId12"/>
+    <p:sldLayoutId id="2147483745" r:id="rId13"/>
+    <p:sldLayoutId id="2147483746" r:id="rId14"/>
+    <p:sldLayoutId id="2147483747" r:id="rId15"/>
+    <p:sldLayoutId id="2147483748" r:id="rId16"/>
   </p:sldLayoutIdLst>
   <p:txStyles>
     <p:titleStyle>
@@ -5695,9 +5433,9 @@
           <a:spcPct val="0"/>
         </a:spcBef>
         <a:buNone/>
-        <a:defRPr sz="4200" b="0" i="0" kern="1200">
+        <a:defRPr sz="3600" kern="1200">
           <a:solidFill>
-            <a:schemeClr val="tx2"/>
+            <a:schemeClr val="accent1"/>
           </a:solidFill>
           <a:latin typeface="+mj-lt"/>
           <a:ea typeface="+mj-ea"/>
@@ -5770,21 +5508,21 @@
           <a:spcPts val="0"/>
         </a:spcAft>
         <a:buClr>
-          <a:schemeClr val="bg2">
-            <a:lumMod val="40000"/>
-            <a:lumOff val="60000"/>
-          </a:schemeClr>
+          <a:schemeClr val="accent1"/>
         </a:buClr>
         <a:buSzPct val="80000"/>
         <a:buFont typeface="Wingdings 3" charset="2"/>
         <a:buChar char=""/>
-        <a:defRPr sz="2000" b="0" i="0" kern="1200">
+        <a:defRPr sz="1800" kern="1200">
           <a:solidFill>
-            <a:schemeClr val="tx1"/>
+            <a:schemeClr val="tx1">
+              <a:lumMod val="75000"/>
+              <a:lumOff val="25000"/>
+            </a:schemeClr>
           </a:solidFill>
-          <a:latin typeface="+mj-lt"/>
-          <a:ea typeface="+mj-ea"/>
-          <a:cs typeface="+mj-cs"/>
+          <a:latin typeface="+mn-lt"/>
+          <a:ea typeface="+mn-ea"/>
+          <a:cs typeface="+mn-cs"/>
         </a:defRPr>
       </a:lvl1pPr>
       <a:lvl2pPr marL="742950" indent="-285750" algn="l" defTabSz="457200" rtl="0" eaLnBrk="1" latinLnBrk="0" hangingPunct="1">
@@ -5795,21 +5533,21 @@
           <a:spcPts val="0"/>
         </a:spcAft>
         <a:buClr>
-          <a:schemeClr val="bg2">
-            <a:lumMod val="40000"/>
-            <a:lumOff val="60000"/>
-          </a:schemeClr>
+          <a:schemeClr val="accent1"/>
         </a:buClr>
         <a:buSzPct val="80000"/>
         <a:buFont typeface="Wingdings 3" charset="2"/>
         <a:buChar char=""/>
-        <a:defRPr sz="1800" b="0" i="0" kern="1200">
+        <a:defRPr sz="1600" kern="1200">
           <a:solidFill>
-            <a:schemeClr val="tx1"/>
+            <a:schemeClr val="tx1">
+              <a:lumMod val="75000"/>
+              <a:lumOff val="25000"/>
+            </a:schemeClr>
           </a:solidFill>
-          <a:latin typeface="+mj-lt"/>
-          <a:ea typeface="+mj-ea"/>
-          <a:cs typeface="+mj-cs"/>
+          <a:latin typeface="+mn-lt"/>
+          <a:ea typeface="+mn-ea"/>
+          <a:cs typeface="+mn-cs"/>
         </a:defRPr>
       </a:lvl2pPr>
       <a:lvl3pPr marL="1143000" indent="-228600" algn="l" defTabSz="457200" rtl="0" eaLnBrk="1" latinLnBrk="0" hangingPunct="1">
@@ -5820,21 +5558,21 @@
           <a:spcPts val="0"/>
         </a:spcAft>
         <a:buClr>
-          <a:schemeClr val="bg2">
-            <a:lumMod val="40000"/>
-            <a:lumOff val="60000"/>
-          </a:schemeClr>
+          <a:schemeClr val="accent1"/>
         </a:buClr>
         <a:buSzPct val="80000"/>
         <a:buFont typeface="Wingdings 3" charset="2"/>
         <a:buChar char=""/>
-        <a:defRPr sz="1600" b="0" i="0" kern="1200">
+        <a:defRPr sz="1400" kern="1200">
           <a:solidFill>
-            <a:schemeClr val="tx1"/>
+            <a:schemeClr val="tx1">
+              <a:lumMod val="75000"/>
+              <a:lumOff val="25000"/>
+            </a:schemeClr>
           </a:solidFill>
-          <a:latin typeface="+mj-lt"/>
-          <a:ea typeface="+mj-ea"/>
-          <a:cs typeface="+mj-cs"/>
+          <a:latin typeface="+mn-lt"/>
+          <a:ea typeface="+mn-ea"/>
+          <a:cs typeface="+mn-cs"/>
         </a:defRPr>
       </a:lvl3pPr>
       <a:lvl4pPr marL="1600200" indent="-228600" algn="l" defTabSz="457200" rtl="0" eaLnBrk="1" latinLnBrk="0" hangingPunct="1">
@@ -5845,21 +5583,21 @@
           <a:spcPts val="0"/>
         </a:spcAft>
         <a:buClr>
-          <a:schemeClr val="bg2">
-            <a:lumMod val="40000"/>
-            <a:lumOff val="60000"/>
-          </a:schemeClr>
+          <a:schemeClr val="accent1"/>
         </a:buClr>
         <a:buSzPct val="80000"/>
         <a:buFont typeface="Wingdings 3" charset="2"/>
         <a:buChar char=""/>
-        <a:defRPr sz="1400" b="0" i="0" kern="1200">
+        <a:defRPr sz="1200" kern="1200">
           <a:solidFill>
-            <a:schemeClr val="tx1"/>
+            <a:schemeClr val="tx1">
+              <a:lumMod val="75000"/>
+              <a:lumOff val="25000"/>
+            </a:schemeClr>
           </a:solidFill>
-          <a:latin typeface="+mj-lt"/>
-          <a:ea typeface="+mj-ea"/>
-          <a:cs typeface="+mj-cs"/>
+          <a:latin typeface="+mn-lt"/>
+          <a:ea typeface="+mn-ea"/>
+          <a:cs typeface="+mn-cs"/>
         </a:defRPr>
       </a:lvl4pPr>
       <a:lvl5pPr marL="2057400" indent="-228600" algn="l" defTabSz="457200" rtl="0" eaLnBrk="1" latinLnBrk="0" hangingPunct="1">
@@ -5870,24 +5608,24 @@
           <a:spcPts val="0"/>
         </a:spcAft>
         <a:buClr>
-          <a:schemeClr val="bg2">
-            <a:lumMod val="40000"/>
-            <a:lumOff val="60000"/>
-          </a:schemeClr>
+          <a:schemeClr val="accent1"/>
         </a:buClr>
         <a:buSzPct val="80000"/>
         <a:buFont typeface="Wingdings 3" charset="2"/>
         <a:buChar char=""/>
-        <a:defRPr sz="1400" b="0" i="0" kern="1200">
+        <a:defRPr sz="1200" kern="1200">
           <a:solidFill>
-            <a:schemeClr val="tx1"/>
+            <a:schemeClr val="tx1">
+              <a:lumMod val="75000"/>
+              <a:lumOff val="25000"/>
+            </a:schemeClr>
           </a:solidFill>
-          <a:latin typeface="+mj-lt"/>
-          <a:ea typeface="+mj-ea"/>
-          <a:cs typeface="+mj-cs"/>
+          <a:latin typeface="+mn-lt"/>
+          <a:ea typeface="+mn-ea"/>
+          <a:cs typeface="+mn-cs"/>
         </a:defRPr>
       </a:lvl5pPr>
-      <a:lvl6pPr marL="2506000" indent="-228600" algn="l" defTabSz="457200" rtl="0" eaLnBrk="1" latinLnBrk="0" hangingPunct="1">
+      <a:lvl6pPr marL="2514600" indent="-228600" algn="l" defTabSz="457200" rtl="0" eaLnBrk="1" latinLnBrk="0" hangingPunct="1">
         <a:spcBef>
           <a:spcPts val="1000"/>
         </a:spcBef>
@@ -5895,21 +5633,21 @@
           <a:spcPts val="0"/>
         </a:spcAft>
         <a:buClr>
-          <a:schemeClr val="bg2">
-            <a:lumMod val="40000"/>
-            <a:lumOff val="60000"/>
-          </a:schemeClr>
+          <a:schemeClr val="accent1"/>
         </a:buClr>
         <a:buSzPct val="80000"/>
         <a:buFont typeface="Wingdings 3" charset="2"/>
         <a:buChar char=""/>
-        <a:defRPr sz="1400" b="0" i="0" kern="1200">
+        <a:defRPr sz="1200" kern="1200">
           <a:solidFill>
-            <a:schemeClr val="tx1"/>
+            <a:schemeClr val="tx1">
+              <a:lumMod val="75000"/>
+              <a:lumOff val="25000"/>
+            </a:schemeClr>
           </a:solidFill>
-          <a:latin typeface="+mj-lt"/>
-          <a:ea typeface="+mj-ea"/>
-          <a:cs typeface="+mj-cs"/>
+          <a:latin typeface="+mn-lt"/>
+          <a:ea typeface="+mn-ea"/>
+          <a:cs typeface="+mn-cs"/>
         </a:defRPr>
       </a:lvl6pPr>
       <a:lvl7pPr marL="2971800" indent="-228600" algn="l" defTabSz="457200" rtl="0" eaLnBrk="1" latinLnBrk="0" hangingPunct="1">
@@ -5920,21 +5658,21 @@
           <a:spcPts val="0"/>
         </a:spcAft>
         <a:buClr>
-          <a:schemeClr val="bg2">
-            <a:lumMod val="40000"/>
-            <a:lumOff val="60000"/>
-          </a:schemeClr>
+          <a:schemeClr val="accent1"/>
         </a:buClr>
         <a:buSzPct val="80000"/>
         <a:buFont typeface="Wingdings 3" charset="2"/>
         <a:buChar char=""/>
-        <a:defRPr sz="1400" b="0" i="0" kern="1200">
+        <a:defRPr sz="1200" kern="1200">
           <a:solidFill>
-            <a:schemeClr val="tx1"/>
+            <a:schemeClr val="tx1">
+              <a:lumMod val="75000"/>
+              <a:lumOff val="25000"/>
+            </a:schemeClr>
           </a:solidFill>
-          <a:latin typeface="+mj-lt"/>
-          <a:ea typeface="+mj-ea"/>
-          <a:cs typeface="+mj-cs"/>
+          <a:latin typeface="+mn-lt"/>
+          <a:ea typeface="+mn-ea"/>
+          <a:cs typeface="+mn-cs"/>
         </a:defRPr>
       </a:lvl7pPr>
       <a:lvl8pPr marL="3429000" indent="-228600" algn="l" defTabSz="457200" rtl="0" eaLnBrk="1" latinLnBrk="0" hangingPunct="1">
@@ -5945,21 +5683,21 @@
           <a:spcPts val="0"/>
         </a:spcAft>
         <a:buClr>
-          <a:schemeClr val="bg2">
-            <a:lumMod val="40000"/>
-            <a:lumOff val="60000"/>
-          </a:schemeClr>
+          <a:schemeClr val="accent1"/>
         </a:buClr>
         <a:buSzPct val="80000"/>
         <a:buFont typeface="Wingdings 3" charset="2"/>
         <a:buChar char=""/>
-        <a:defRPr sz="1400" b="0" i="0" kern="1200">
+        <a:defRPr sz="1200" kern="1200">
           <a:solidFill>
-            <a:schemeClr val="tx1"/>
+            <a:schemeClr val="tx1">
+              <a:lumMod val="75000"/>
+              <a:lumOff val="25000"/>
+            </a:schemeClr>
           </a:solidFill>
-          <a:latin typeface="+mj-lt"/>
-          <a:ea typeface="+mj-ea"/>
-          <a:cs typeface="+mj-cs"/>
+          <a:latin typeface="+mn-lt"/>
+          <a:ea typeface="+mn-ea"/>
+          <a:cs typeface="+mn-cs"/>
         </a:defRPr>
       </a:lvl8pPr>
       <a:lvl9pPr marL="3886200" indent="-228600" algn="l" defTabSz="457200" rtl="0" eaLnBrk="1" latinLnBrk="0" hangingPunct="1">
@@ -5970,21 +5708,21 @@
           <a:spcPts val="0"/>
         </a:spcAft>
         <a:buClr>
-          <a:schemeClr val="bg2">
-            <a:lumMod val="40000"/>
-            <a:lumOff val="60000"/>
-          </a:schemeClr>
+          <a:schemeClr val="accent1"/>
         </a:buClr>
         <a:buSzPct val="80000"/>
         <a:buFont typeface="Wingdings 3" charset="2"/>
         <a:buChar char=""/>
-        <a:defRPr sz="1400" b="0" i="0" kern="1200">
+        <a:defRPr sz="1200" kern="1200">
           <a:solidFill>
-            <a:schemeClr val="tx1"/>
+            <a:schemeClr val="tx1">
+              <a:lumMod val="75000"/>
+              <a:lumOff val="25000"/>
+            </a:schemeClr>
           </a:solidFill>
-          <a:latin typeface="+mj-lt"/>
-          <a:ea typeface="+mj-ea"/>
-          <a:cs typeface="+mj-cs"/>
+          <a:latin typeface="+mn-lt"/>
+          <a:ea typeface="+mn-ea"/>
+          <a:cs typeface="+mn-cs"/>
         </a:defRPr>
       </a:lvl9pPr>
     </p:bodyStyle>
@@ -6134,6 +5872,9 @@
           <a:p>
             <a:r>
               <a:rPr lang="en-US" sz="6000" b="1" dirty="0">
+                <a:solidFill>
+                  <a:schemeClr val="accent1"/>
+                </a:solidFill>
                 <a:latin typeface="Times New Roman" panose="02020603050405020304" pitchFamily="18" charset="0"/>
                 <a:cs typeface="Times New Roman" panose="02020603050405020304" pitchFamily="18" charset="0"/>
               </a:rPr>
@@ -6787,6 +6528,9 @@
             <a:pPr algn="ctr"/>
             <a:r>
               <a:rPr lang="en-US" sz="6000" b="1" dirty="0" err="1" smtClean="0">
+                <a:solidFill>
+                  <a:schemeClr val="accent1"/>
+                </a:solidFill>
                 <a:latin typeface="Times New Roman" panose="02020603050405020304" pitchFamily="18" charset="0"/>
                 <a:cs typeface="Times New Roman" panose="02020603050405020304" pitchFamily="18" charset="0"/>
               </a:rPr>
@@ -6794,12 +6538,18 @@
             </a:r>
             <a:r>
               <a:rPr lang="en-US" sz="6000" b="1" dirty="0" smtClean="0">
+                <a:solidFill>
+                  <a:schemeClr val="accent1"/>
+                </a:solidFill>
                 <a:latin typeface="Times New Roman" panose="02020603050405020304" pitchFamily="18" charset="0"/>
                 <a:cs typeface="Times New Roman" panose="02020603050405020304" pitchFamily="18" charset="0"/>
               </a:rPr>
               <a:t> Customer Churn Classification Project</a:t>
             </a:r>
             <a:endParaRPr lang="en-US" sz="6000" b="1" dirty="0">
+              <a:solidFill>
+                <a:schemeClr val="accent1"/>
+              </a:solidFill>
               <a:latin typeface="Times New Roman" panose="02020603050405020304" pitchFamily="18" charset="0"/>
               <a:cs typeface="Times New Roman" panose="02020603050405020304" pitchFamily="18" charset="0"/>
             </a:endParaRPr>
@@ -6861,7 +6611,7 @@
         </p:nvSpPr>
         <p:spPr>
           <a:xfrm>
-            <a:off x="0" y="-96838"/>
+            <a:off x="484910" y="207962"/>
             <a:ext cx="9144000" cy="2068513"/>
           </a:xfrm>
         </p:spPr>
@@ -6911,35 +6661,35 @@
           <a:lstStyle/>
           <a:p>
             <a:r>
-              <a:rPr lang="en-GB" dirty="0" err="1">
+              <a:rPr lang="en-GB" sz="2500" dirty="0" err="1">
                 <a:latin typeface="Times New Roman" panose="02020603050405020304" pitchFamily="18" charset="0"/>
                 <a:cs typeface="Times New Roman" panose="02020603050405020304" pitchFamily="18" charset="0"/>
               </a:rPr>
               <a:t>Syriatel's</a:t>
             </a:r>
             <a:r>
-              <a:rPr lang="en-GB" dirty="0">
+              <a:rPr lang="en-GB" sz="2500" dirty="0">
                 <a:latin typeface="Times New Roman" panose="02020603050405020304" pitchFamily="18" charset="0"/>
                 <a:cs typeface="Times New Roman" panose="02020603050405020304" pitchFamily="18" charset="0"/>
               </a:rPr>
               <a:t> major challenge is losing customers leading to revenue </a:t>
             </a:r>
             <a:r>
-              <a:rPr lang="en-GB" dirty="0" smtClean="0">
+              <a:rPr lang="en-GB" sz="2500" dirty="0" smtClean="0">
                 <a:latin typeface="Times New Roman" panose="02020603050405020304" pitchFamily="18" charset="0"/>
                 <a:cs typeface="Times New Roman" panose="02020603050405020304" pitchFamily="18" charset="0"/>
               </a:rPr>
               <a:t>loss, negative </a:t>
             </a:r>
             <a:r>
-              <a:rPr lang="en-GB" dirty="0">
+              <a:rPr lang="en-GB" sz="2500" dirty="0">
                 <a:latin typeface="Times New Roman" panose="02020603050405020304" pitchFamily="18" charset="0"/>
                 <a:cs typeface="Times New Roman" panose="02020603050405020304" pitchFamily="18" charset="0"/>
               </a:rPr>
               <a:t>brand perception and increased acquisition costs. It aims at reducing customer churn </a:t>
             </a:r>
             <a:r>
-              <a:rPr lang="en-GB" dirty="0" smtClean="0">
+              <a:rPr lang="en-GB" sz="2500" dirty="0" smtClean="0">
                 <a:latin typeface="Times New Roman" panose="02020603050405020304" pitchFamily="18" charset="0"/>
                 <a:cs typeface="Times New Roman" panose="02020603050405020304" pitchFamily="18" charset="0"/>
               </a:rPr>
@@ -6948,34 +6698,34 @@
           </a:p>
           <a:p>
             <a:r>
-              <a:rPr lang="en-GB" dirty="0" smtClean="0">
+              <a:rPr lang="en-GB" sz="2500" dirty="0" smtClean="0">
                 <a:latin typeface="Times New Roman" panose="02020603050405020304" pitchFamily="18" charset="0"/>
                 <a:cs typeface="Times New Roman" panose="02020603050405020304" pitchFamily="18" charset="0"/>
               </a:rPr>
               <a:t>The </a:t>
             </a:r>
             <a:r>
-              <a:rPr lang="en-GB" dirty="0">
+              <a:rPr lang="en-GB" sz="2500" dirty="0">
                 <a:latin typeface="Times New Roman" panose="02020603050405020304" pitchFamily="18" charset="0"/>
                 <a:cs typeface="Times New Roman" panose="02020603050405020304" pitchFamily="18" charset="0"/>
               </a:rPr>
               <a:t>management would like to understand the factors that drive churn and create a model that predict it accurately hence helping </a:t>
             </a:r>
             <a:r>
-              <a:rPr lang="en-GB" dirty="0" err="1">
+              <a:rPr lang="en-GB" sz="2500" dirty="0" err="1">
                 <a:latin typeface="Times New Roman" panose="02020603050405020304" pitchFamily="18" charset="0"/>
                 <a:cs typeface="Times New Roman" panose="02020603050405020304" pitchFamily="18" charset="0"/>
               </a:rPr>
               <a:t>Syriatel</a:t>
             </a:r>
             <a:r>
-              <a:rPr lang="en-GB" dirty="0">
+              <a:rPr lang="en-GB" sz="2500" dirty="0">
                 <a:latin typeface="Times New Roman" panose="02020603050405020304" pitchFamily="18" charset="0"/>
                 <a:cs typeface="Times New Roman" panose="02020603050405020304" pitchFamily="18" charset="0"/>
               </a:rPr>
               <a:t> take targeted actions to retain valuable customers. </a:t>
             </a:r>
-            <a:endParaRPr lang="en-US" sz="3200" dirty="0">
+            <a:endParaRPr lang="en-US" sz="2500" dirty="0">
               <a:latin typeface="Times New Roman" panose="02020603050405020304" pitchFamily="18" charset="0"/>
               <a:cs typeface="Times New Roman" panose="02020603050405020304" pitchFamily="18" charset="0"/>
             </a:endParaRPr>
@@ -7037,8 +6787,8 @@
         </p:nvSpPr>
         <p:spPr>
           <a:xfrm>
-            <a:off x="1524000" y="1"/>
-            <a:ext cx="9144000" cy="928688"/>
+            <a:off x="0" y="0"/>
+            <a:ext cx="6650182" cy="928688"/>
           </a:xfrm>
         </p:spPr>
         <p:txBody>
@@ -7231,8 +6981,8 @@
         </p:nvSpPr>
         <p:spPr>
           <a:xfrm>
-            <a:off x="1524000" y="0"/>
-            <a:ext cx="9144000" cy="957263"/>
+            <a:off x="1149928" y="-166255"/>
+            <a:ext cx="5541818" cy="957263"/>
           </a:xfrm>
         </p:spPr>
         <p:txBody>
@@ -7477,7 +7227,7 @@
         </p:nvSpPr>
         <p:spPr>
           <a:xfrm>
-            <a:off x="2445501" y="914400"/>
+            <a:off x="2376228" y="914400"/>
             <a:ext cx="6092190" cy="2862322"/>
           </a:xfrm>
           <a:prstGeom prst="rect">
@@ -7498,7 +7248,7 @@
                   <a:noFill/>
                 </a:ln>
                 <a:solidFill>
-                  <a:prstClr val="black"/>
+                  <a:schemeClr val="accent1"/>
                 </a:solidFill>
                 <a:effectLst/>
                 <a:uLnTx/>
@@ -7510,6 +7260,9 @@
               <a:t>MODELING AND EVALUATION</a:t>
             </a:r>
             <a:endParaRPr lang="en-US" b="1" dirty="0">
+              <a:solidFill>
+                <a:schemeClr val="accent1"/>
+              </a:solidFill>
               <a:latin typeface="Times New Roman" panose="02020603050405020304" pitchFamily="18" charset="0"/>
               <a:cs typeface="Times New Roman" panose="02020603050405020304" pitchFamily="18" charset="0"/>
             </a:endParaRPr>
@@ -8094,7 +7847,7 @@
         </p:nvSpPr>
         <p:spPr>
           <a:xfrm>
-            <a:off x="2563091" y="1371600"/>
+            <a:off x="3048000" y="1371600"/>
             <a:ext cx="9144000" cy="2387600"/>
           </a:xfrm>
         </p:spPr>
@@ -8116,14 +7869,7 @@
                 <a:latin typeface="Times New Roman" panose="02020603050405020304" pitchFamily="18" charset="0"/>
                 <a:cs typeface="Times New Roman" panose="02020603050405020304" pitchFamily="18" charset="0"/>
               </a:rPr>
-              <a:t>    </a:t>
-            </a:r>
-            <a:r>
-              <a:rPr lang="en-US" sz="6000" b="1" dirty="0" smtClean="0">
-                <a:latin typeface="Times New Roman" panose="02020603050405020304" pitchFamily="18" charset="0"/>
-                <a:cs typeface="Times New Roman" panose="02020603050405020304" pitchFamily="18" charset="0"/>
-              </a:rPr>
-              <a:t>  CONCLUSION</a:t>
+              <a:t>      CONCLUSION</a:t>
             </a:r>
             <a:endParaRPr lang="en-US" sz="6000" b="1" dirty="0">
               <a:latin typeface="Times New Roman" panose="02020603050405020304" pitchFamily="18" charset="0"/>
@@ -8153,9 +7899,9 @@
 </file>
 
 <file path=ppt/theme/theme1.xml><?xml version="1.0" encoding="utf-8"?>
-<a:theme xmlns:a="http://schemas.openxmlformats.org/drawingml/2006/main" name="Ion">
+<a:theme xmlns:a="http://schemas.openxmlformats.org/drawingml/2006/main" name="Facet">
   <a:themeElements>
-    <a:clrScheme name="Ion">
+    <a:clrScheme name="Facet">
       <a:dk1>
         <a:sysClr val="windowText" lastClr="000000"/>
       </a:dk1>
@@ -8163,52 +7909,52 @@
         <a:sysClr val="window" lastClr="FFFFFF"/>
       </a:lt1>
       <a:dk2>
-        <a:srgbClr val="1E5155"/>
+        <a:srgbClr val="2C3C43"/>
       </a:dk2>
       <a:lt2>
         <a:srgbClr val="EBEBEB"/>
       </a:lt2>
       <a:accent1>
-        <a:srgbClr val="B01513"/>
+        <a:srgbClr val="90C226"/>
       </a:accent1>
       <a:accent2>
-        <a:srgbClr val="EA6312"/>
+        <a:srgbClr val="54A021"/>
       </a:accent2>
       <a:accent3>
-        <a:srgbClr val="E6B729"/>
+        <a:srgbClr val="E6B91E"/>
       </a:accent3>
       <a:accent4>
-        <a:srgbClr val="6AAC90"/>
+        <a:srgbClr val="E76618"/>
       </a:accent4>
       <a:accent5>
-        <a:srgbClr val="54849A"/>
+        <a:srgbClr val="C42F1A"/>
       </a:accent5>
       <a:accent6>
-        <a:srgbClr val="9E5E9B"/>
+        <a:srgbClr val="918655"/>
       </a:accent6>
       <a:hlink>
-        <a:srgbClr val="58C1BA"/>
+        <a:srgbClr val="99CA3C"/>
       </a:hlink>
       <a:folHlink>
-        <a:srgbClr val="9DFFCB"/>
+        <a:srgbClr val="B9D181"/>
       </a:folHlink>
     </a:clrScheme>
-    <a:fontScheme name="Ion">
+    <a:fontScheme name="Facet">
       <a:majorFont>
-        <a:latin typeface="Century Gothic" panose="020B0502020202020204"/>
+        <a:latin typeface="Trebuchet MS" panose="020B0603020202020204"/>
         <a:ea typeface=""/>
         <a:cs typeface=""/>
         <a:font script="Jpan" typeface="メイリオ"/>
         <a:font script="Hang" typeface="맑은 고딕"/>
-        <a:font script="Hans" typeface="宋体"/>
-        <a:font script="Hant" typeface="新細明體"/>
-        <a:font script="Arab" typeface="Times New Roman"/>
-        <a:font script="Hebr" typeface="Times New Roman"/>
-        <a:font script="Thai" typeface="Angsana New"/>
+        <a:font script="Hans" typeface="方正姚体"/>
+        <a:font script="Hant" typeface="微軟正黑體"/>
+        <a:font script="Arab" typeface="Tahoma"/>
+        <a:font script="Hebr" typeface="Arial"/>
+        <a:font script="Thai" typeface="Cordia New"/>
         <a:font script="Ethi" typeface="Nyala"/>
         <a:font script="Beng" typeface="Vrinda"/>
         <a:font script="Gujr" typeface="Shruti"/>
-        <a:font script="Khmr" typeface="MoolBoran"/>
+        <a:font script="Khmr" typeface="DaunPenh"/>
         <a:font script="Knda" typeface="Tunga"/>
         <a:font script="Guru" typeface="Raavi"/>
         <a:font script="Cans" typeface="Euphemia"/>
@@ -8225,21 +7971,21 @@
         <a:font script="Laoo" typeface="DokChampa"/>
         <a:font script="Sinh" typeface="Iskoola Pota"/>
         <a:font script="Mong" typeface="Mongolian Baiti"/>
-        <a:font script="Viet" typeface="Times New Roman"/>
+        <a:font script="Viet" typeface="Tahoma"/>
         <a:font script="Uigh" typeface="Microsoft Uighur"/>
         <a:font script="Geor" typeface="Sylfaen"/>
       </a:majorFont>
       <a:minorFont>
-        <a:latin typeface="Century Gothic" panose="020B0502020202020204"/>
+        <a:latin typeface="Trebuchet MS" panose="020B0603020202020204"/>
         <a:ea typeface=""/>
         <a:cs typeface=""/>
         <a:font script="Jpan" typeface="メイリオ"/>
-        <a:font script="Hang" typeface="맑은 고딕"/>
-        <a:font script="Hans" typeface="宋体"/>
-        <a:font script="Hant" typeface="新細明體"/>
-        <a:font script="Arab" typeface="Arial"/>
-        <a:font script="Hebr" typeface="Arial"/>
-        <a:font script="Thai" typeface="Cordia New"/>
+        <a:font script="Hang" typeface="HY그래픽M"/>
+        <a:font script="Hans" typeface="华文新魏"/>
+        <a:font script="Hant" typeface="微軟正黑體"/>
+        <a:font script="Arab" typeface="Tahoma"/>
+        <a:font script="Hebr" typeface="Gisha"/>
+        <a:font script="Thai" typeface="IrisUPC"/>
         <a:font script="Ethi" typeface="Nyala"/>
         <a:font script="Beng" typeface="Vrinda"/>
         <a:font script="Gujr" typeface="Shruti"/>
@@ -8265,7 +8011,7 @@
         <a:font script="Geor" typeface="Sylfaen"/>
       </a:minorFont>
     </a:fontScheme>
-    <a:fmtScheme name="Ion">
+    <a:fmtScheme name="Facet">
       <a:fillStyleLst>
         <a:solidFill>
           <a:schemeClr val="phClr"/>
@@ -8274,15 +8020,13 @@
           <a:gsLst>
             <a:gs pos="0">
               <a:schemeClr val="phClr">
-                <a:tint val="64000"/>
-                <a:lumMod val="118000"/>
+                <a:tint val="65000"/>
+                <a:lumMod val="110000"/>
               </a:schemeClr>
             </a:gs>
-            <a:gs pos="100000">
+            <a:gs pos="88000">
               <a:schemeClr val="phClr">
-                <a:tint val="92000"/>
-                <a:alpha val="100000"/>
-                <a:lumMod val="110000"/>
+                <a:tint val="90000"/>
               </a:schemeClr>
             </a:gs>
           </a:gsLst>
@@ -8292,14 +8036,14 @@
           <a:gsLst>
             <a:gs pos="0">
               <a:schemeClr val="phClr">
-                <a:tint val="98000"/>
-                <a:lumMod val="114000"/>
+                <a:tint val="96000"/>
+                <a:lumMod val="100000"/>
               </a:schemeClr>
             </a:gs>
-            <a:gs pos="100000">
+            <a:gs pos="78000">
               <a:schemeClr val="phClr">
-                <a:shade val="90000"/>
-                <a:lumMod val="84000"/>
+                <a:shade val="94000"/>
+                <a:lumMod val="94000"/>
               </a:schemeClr>
             </a:gs>
           </a:gsLst>
@@ -8307,7 +8051,7 @@
         </a:gradFill>
       </a:fillStyleLst>
       <a:lnStyleLst>
-        <a:ln w="9525" cap="rnd" cmpd="sng" algn="ctr">
+        <a:ln w="12700" cap="rnd" cmpd="sng" algn="ctr">
           <a:solidFill>
             <a:schemeClr val="phClr"/>
           </a:solidFill>
@@ -8319,7 +8063,7 @@
           </a:solidFill>
           <a:prstDash val="solid"/>
         </a:ln>
-        <a:ln w="28575" cap="rnd" cmpd="sng" algn="ctr">
+        <a:ln w="25400" cap="rnd" cmpd="sng" algn="ctr">
           <a:solidFill>
             <a:schemeClr val="phClr"/>
           </a:solidFill>
@@ -8334,16 +8078,16 @@
           <a:effectLst>
             <a:outerShdw blurRad="38100" dist="25400" dir="5400000" rotWithShape="0">
               <a:srgbClr val="000000">
-                <a:alpha val="45000"/>
+                <a:alpha val="35000"/>
               </a:srgbClr>
             </a:outerShdw>
           </a:effectLst>
         </a:effectStyle>
         <a:effectStyle>
           <a:effectLst>
-            <a:outerShdw blurRad="63500" dist="38100" dir="5400000" rotWithShape="0">
+            <a:outerShdw blurRad="50800" dist="38100" dir="5400000" rotWithShape="0">
               <a:srgbClr val="000000">
-                <a:alpha val="60000"/>
+                <a:alpha val="35000"/>
               </a:srgbClr>
             </a:outerShdw>
           </a:effectLst>
@@ -8366,45 +8110,38 @@
           <a:gsLst>
             <a:gs pos="0">
               <a:schemeClr val="phClr">
-                <a:tint val="97000"/>
-                <a:hueMod val="88000"/>
-                <a:satMod val="130000"/>
-                <a:lumMod val="124000"/>
+                <a:tint val="90000"/>
+                <a:lumMod val="104000"/>
+              </a:schemeClr>
+            </a:gs>
+            <a:gs pos="94000">
+              <a:schemeClr val="phClr">
+                <a:shade val="96000"/>
+                <a:lumMod val="82000"/>
+              </a:schemeClr>
+            </a:gs>
+          </a:gsLst>
+          <a:lin ang="5400000" scaled="0"/>
+        </a:gradFill>
+        <a:gradFill rotWithShape="1">
+          <a:gsLst>
+            <a:gs pos="0">
+              <a:schemeClr val="phClr">
+                <a:tint val="90000"/>
+                <a:lumMod val="110000"/>
               </a:schemeClr>
             </a:gs>
             <a:gs pos="100000">
               <a:schemeClr val="phClr">
-                <a:tint val="96000"/>
-                <a:shade val="88000"/>
-                <a:hueMod val="108000"/>
-                <a:satMod val="164000"/>
-                <a:lumMod val="76000"/>
+                <a:shade val="94000"/>
+                <a:lumMod val="96000"/>
               </a:schemeClr>
             </a:gs>
           </a:gsLst>
           <a:path path="circle">
-            <a:fillToRect l="45000" t="65000" r="125000" b="100000"/>
+            <a:fillToRect l="50000" t="50000" r="100000" b="100000"/>
           </a:path>
         </a:gradFill>
-        <a:blipFill rotWithShape="1">
-          <a:blip xmlns:r="http://schemas.openxmlformats.org/officeDocument/2006/relationships" r:embed="rId1">
-            <a:duotone>
-              <a:schemeClr val="phClr">
-                <a:shade val="69000"/>
-                <a:hueMod val="108000"/>
-                <a:satMod val="164000"/>
-                <a:lumMod val="74000"/>
-              </a:schemeClr>
-              <a:schemeClr val="phClr">
-                <a:tint val="96000"/>
-                <a:hueMod val="88000"/>
-                <a:satMod val="140000"/>
-                <a:lumMod val="132000"/>
-              </a:schemeClr>
-            </a:duotone>
-          </a:blip>
-          <a:stretch/>
-        </a:blipFill>
       </a:bgFillStyleLst>
     </a:fmtScheme>
   </a:themeElements>
@@ -8412,7 +8149,7 @@
   <a:extraClrSchemeLst/>
   <a:extLst>
     <a:ext uri="{05A4C25C-085E-4340-85A3-A5531E510DB2}">
-      <thm15:themeFamily xmlns:thm15="http://schemas.microsoft.com/office/thememl/2012/main" name="Ion" id="{B8441ADB-2E43-4AF7-B97A-BD870242C6A8}" vid="{292E63A9-BB86-4E3D-B92A-7223C6510D2E}"/>
+      <thm15:themeFamily xmlns:thm15="http://schemas.microsoft.com/office/thememl/2012/main" name="Facet" id="{C0C680CD-088A-49FC-A102-D699147F32B2}" vid="{CFBC31BA-B70F-4F30-BCAA-4F3011E16C4D}"/>
     </a:ext>
   </a:extLst>
 </a:theme>
